--- a/vignettes/vignetteFigs/figures.pptx
+++ b/vignettes/vignetteFigs/figures.pptx
@@ -5,11 +5,10 @@
     <p:sldMasterId id="2147483648" r:id="rId1"/>
   </p:sldMasterIdLst>
   <p:sldIdLst>
-    <p:sldId id="256" r:id="rId2"/>
-    <p:sldId id="261" r:id="rId3"/>
-    <p:sldId id="258" r:id="rId4"/>
-    <p:sldId id="260" r:id="rId5"/>
-    <p:sldId id="262" r:id="rId6"/>
+    <p:sldId id="261" r:id="rId2"/>
+    <p:sldId id="258" r:id="rId3"/>
+    <p:sldId id="260" r:id="rId4"/>
+    <p:sldId id="262" r:id="rId5"/>
   </p:sldIdLst>
   <p:sldSz cx="12192000" cy="6858000"/>
   <p:notesSz cx="6858000" cy="9144000"/>
@@ -263,7 +262,7 @@
           <a:p>
             <a:fld id="{76FBC952-6E47-4554-AC7C-20A3DF39FF98}" type="datetimeFigureOut">
               <a:rPr lang="en-US" smtClean="0"/>
-              <a:t>4/27/2023</a:t>
+              <a:t>5/23/2023</a:t>
             </a:fld>
             <a:endParaRPr lang="en-US"/>
           </a:p>
@@ -461,7 +460,7 @@
           <a:p>
             <a:fld id="{76FBC952-6E47-4554-AC7C-20A3DF39FF98}" type="datetimeFigureOut">
               <a:rPr lang="en-US" smtClean="0"/>
-              <a:t>4/27/2023</a:t>
+              <a:t>5/23/2023</a:t>
             </a:fld>
             <a:endParaRPr lang="en-US"/>
           </a:p>
@@ -669,7 +668,7 @@
           <a:p>
             <a:fld id="{76FBC952-6E47-4554-AC7C-20A3DF39FF98}" type="datetimeFigureOut">
               <a:rPr lang="en-US" smtClean="0"/>
-              <a:t>4/27/2023</a:t>
+              <a:t>5/23/2023</a:t>
             </a:fld>
             <a:endParaRPr lang="en-US"/>
           </a:p>
@@ -867,7 +866,7 @@
           <a:p>
             <a:fld id="{76FBC952-6E47-4554-AC7C-20A3DF39FF98}" type="datetimeFigureOut">
               <a:rPr lang="en-US" smtClean="0"/>
-              <a:t>4/27/2023</a:t>
+              <a:t>5/23/2023</a:t>
             </a:fld>
             <a:endParaRPr lang="en-US"/>
           </a:p>
@@ -1142,7 +1141,7 @@
           <a:p>
             <a:fld id="{76FBC952-6E47-4554-AC7C-20A3DF39FF98}" type="datetimeFigureOut">
               <a:rPr lang="en-US" smtClean="0"/>
-              <a:t>4/27/2023</a:t>
+              <a:t>5/23/2023</a:t>
             </a:fld>
             <a:endParaRPr lang="en-US"/>
           </a:p>
@@ -1407,7 +1406,7 @@
           <a:p>
             <a:fld id="{76FBC952-6E47-4554-AC7C-20A3DF39FF98}" type="datetimeFigureOut">
               <a:rPr lang="en-US" smtClean="0"/>
-              <a:t>4/27/2023</a:t>
+              <a:t>5/23/2023</a:t>
             </a:fld>
             <a:endParaRPr lang="en-US"/>
           </a:p>
@@ -1819,7 +1818,7 @@
           <a:p>
             <a:fld id="{76FBC952-6E47-4554-AC7C-20A3DF39FF98}" type="datetimeFigureOut">
               <a:rPr lang="en-US" smtClean="0"/>
-              <a:t>4/27/2023</a:t>
+              <a:t>5/23/2023</a:t>
             </a:fld>
             <a:endParaRPr lang="en-US"/>
           </a:p>
@@ -1960,7 +1959,7 @@
           <a:p>
             <a:fld id="{76FBC952-6E47-4554-AC7C-20A3DF39FF98}" type="datetimeFigureOut">
               <a:rPr lang="en-US" smtClean="0"/>
-              <a:t>4/27/2023</a:t>
+              <a:t>5/23/2023</a:t>
             </a:fld>
             <a:endParaRPr lang="en-US"/>
           </a:p>
@@ -2073,7 +2072,7 @@
           <a:p>
             <a:fld id="{76FBC952-6E47-4554-AC7C-20A3DF39FF98}" type="datetimeFigureOut">
               <a:rPr lang="en-US" smtClean="0"/>
-              <a:t>4/27/2023</a:t>
+              <a:t>5/23/2023</a:t>
             </a:fld>
             <a:endParaRPr lang="en-US"/>
           </a:p>
@@ -2384,7 +2383,7 @@
           <a:p>
             <a:fld id="{76FBC952-6E47-4554-AC7C-20A3DF39FF98}" type="datetimeFigureOut">
               <a:rPr lang="en-US" smtClean="0"/>
-              <a:t>4/27/2023</a:t>
+              <a:t>5/23/2023</a:t>
             </a:fld>
             <a:endParaRPr lang="en-US"/>
           </a:p>
@@ -2672,7 +2671,7 @@
           <a:p>
             <a:fld id="{76FBC952-6E47-4554-AC7C-20A3DF39FF98}" type="datetimeFigureOut">
               <a:rPr lang="en-US" smtClean="0"/>
-              <a:t>4/27/2023</a:t>
+              <a:t>5/23/2023</a:t>
             </a:fld>
             <a:endParaRPr lang="en-US"/>
           </a:p>
@@ -2913,7 +2912,7 @@
           <a:p>
             <a:fld id="{76FBC952-6E47-4554-AC7C-20A3DF39FF98}" type="datetimeFigureOut">
               <a:rPr lang="en-US" smtClean="0"/>
-              <a:t>4/27/2023</a:t>
+              <a:t>5/23/2023</a:t>
             </a:fld>
             <a:endParaRPr lang="en-US"/>
           </a:p>
@@ -3330,12 +3329,59 @@
           <a:chExt cx="0" cy="0"/>
         </a:xfrm>
       </p:grpSpPr>
-      <p:sp>
-        <p:nvSpPr>
-          <p:cNvPr id="11" name="TextBox 10">
-            <a:extLst>
-              <a:ext uri="{FF2B5EF4-FFF2-40B4-BE49-F238E27FC236}">
-                <a16:creationId xmlns:a16="http://schemas.microsoft.com/office/drawing/2014/main" id="{173A36D9-287C-9B8A-56C2-882AED7582E8}"/>
+      <p:pic>
+        <p:nvPicPr>
+          <p:cNvPr id="1026" name="Picture 2" descr="Logo, project, r icon - Free download on Iconfinder">
+            <a:extLst>
+              <a:ext uri="{FF2B5EF4-FFF2-40B4-BE49-F238E27FC236}">
+                <a16:creationId xmlns:a16="http://schemas.microsoft.com/office/drawing/2014/main" id="{217FCB4E-1F96-BE5B-4A01-432BCC1DB030}"/>
+              </a:ext>
+            </a:extLst>
+          </p:cNvPr>
+          <p:cNvPicPr>
+            <a:picLocks noChangeAspect="1" noChangeArrowheads="1"/>
+          </p:cNvPicPr>
+          <p:nvPr/>
+        </p:nvPicPr>
+        <p:blipFill>
+          <a:blip r:embed="rId2">
+            <a:extLst>
+              <a:ext uri="{28A0092B-C50C-407E-A947-70E740481C1C}">
+                <a14:useLocalDpi xmlns:a14="http://schemas.microsoft.com/office/drawing/2010/main" val="0"/>
+              </a:ext>
+            </a:extLst>
+          </a:blip>
+          <a:srcRect/>
+          <a:stretch>
+            <a:fillRect/>
+          </a:stretch>
+        </p:blipFill>
+        <p:spPr bwMode="auto">
+          <a:xfrm>
+            <a:off x="9055947" y="234568"/>
+            <a:ext cx="2664921" cy="2664921"/>
+          </a:xfrm>
+          <a:prstGeom prst="rect">
+            <a:avLst/>
+          </a:prstGeom>
+          <a:noFill/>
+          <a:extLst>
+            <a:ext uri="{909E8E84-426E-40DD-AFC4-6F175D3DCCD1}">
+              <a14:hiddenFill xmlns:a14="http://schemas.microsoft.com/office/drawing/2010/main">
+                <a:solidFill>
+                  <a:srgbClr val="FFFFFF"/>
+                </a:solidFill>
+              </a14:hiddenFill>
+            </a:ext>
+          </a:extLst>
+        </p:spPr>
+      </p:pic>
+      <p:sp>
+        <p:nvSpPr>
+          <p:cNvPr id="4" name="TextBox 3">
+            <a:extLst>
+              <a:ext uri="{FF2B5EF4-FFF2-40B4-BE49-F238E27FC236}">
+                <a16:creationId xmlns:a16="http://schemas.microsoft.com/office/drawing/2014/main" id="{BDB0543E-8CC8-BDD3-0294-59FD9BDF8FCF}"/>
               </a:ext>
             </a:extLst>
           </p:cNvPr>
@@ -3344,8 +3390,8 @@
         </p:nvSpPr>
         <p:spPr>
           <a:xfrm>
-            <a:off x="283212" y="1026647"/>
-            <a:ext cx="5326902" cy="369332"/>
+            <a:off x="3527636" y="42660"/>
+            <a:ext cx="5127686" cy="461665"/>
           </a:xfrm>
           <a:prstGeom prst="rect">
             <a:avLst/>
@@ -3353,30 +3399,922 @@
           <a:noFill/>
         </p:spPr>
         <p:txBody>
-          <a:bodyPr wrap="square">
+          <a:bodyPr wrap="none" rtlCol="0">
             <a:spAutoFit/>
           </a:bodyPr>
           <a:lstStyle/>
           <a:p>
-            <a:r>
-              <a:rPr lang="en-US" dirty="0">
-                <a:hlinkClick r:id="rId2"/>
+            <a:pPr algn="ctr"/>
+            <a:r>
+              <a:rPr lang="en-US" sz="2400" b="1" dirty="0" err="1"/>
+              <a:t>rtemplate</a:t>
+            </a:r>
+            <a:r>
+              <a:rPr lang="en-US" sz="2400" b="1" dirty="0"/>
+              <a:t> – Build your own R package!</a:t>
+            </a:r>
+          </a:p>
+        </p:txBody>
+      </p:sp>
+      <p:sp>
+        <p:nvSpPr>
+          <p:cNvPr id="5" name="Rectangle: Rounded Corners 4">
+            <a:extLst>
+              <a:ext uri="{FF2B5EF4-FFF2-40B4-BE49-F238E27FC236}">
+                <a16:creationId xmlns:a16="http://schemas.microsoft.com/office/drawing/2014/main" id="{009C835C-B1DB-4272-8652-A8EA36C651E8}"/>
+              </a:ext>
+            </a:extLst>
+          </p:cNvPr>
+          <p:cNvSpPr/>
+          <p:nvPr/>
+        </p:nvSpPr>
+        <p:spPr>
+          <a:xfrm>
+            <a:off x="533400" y="1119188"/>
+            <a:ext cx="3228975" cy="1038225"/>
+          </a:xfrm>
+          <a:prstGeom prst="roundRect">
+            <a:avLst/>
+          </a:prstGeom>
+          <a:solidFill>
+            <a:schemeClr val="accent4">
+              <a:lumMod val="20000"/>
+              <a:lumOff val="80000"/>
+            </a:schemeClr>
+          </a:solidFill>
+        </p:spPr>
+        <p:style>
+          <a:lnRef idx="2">
+            <a:schemeClr val="accent1">
+              <a:shade val="50000"/>
+            </a:schemeClr>
+          </a:lnRef>
+          <a:fillRef idx="1">
+            <a:schemeClr val="accent1"/>
+          </a:fillRef>
+          <a:effectRef idx="0">
+            <a:schemeClr val="accent1"/>
+          </a:effectRef>
+          <a:fontRef idx="minor">
+            <a:schemeClr val="lt1"/>
+          </a:fontRef>
+        </p:style>
+        <p:txBody>
+          <a:bodyPr rtlCol="0" anchor="ctr"/>
+          <a:lstStyle/>
+          <a:p>
+            <a:pPr algn="ctr"/>
+            <a:endParaRPr lang="en-US"/>
+          </a:p>
+        </p:txBody>
+      </p:sp>
+      <p:sp>
+        <p:nvSpPr>
+          <p:cNvPr id="6" name="Oval 5">
+            <a:extLst>
+              <a:ext uri="{FF2B5EF4-FFF2-40B4-BE49-F238E27FC236}">
+                <a16:creationId xmlns:a16="http://schemas.microsoft.com/office/drawing/2014/main" id="{71199540-7127-5928-8AC6-FC55790C3C16}"/>
+              </a:ext>
+            </a:extLst>
+          </p:cNvPr>
+          <p:cNvSpPr>
+            <a:spLocks noChangeAspect="1"/>
+          </p:cNvSpPr>
+          <p:nvPr/>
+        </p:nvSpPr>
+        <p:spPr>
+          <a:xfrm>
+            <a:off x="300810" y="949324"/>
+            <a:ext cx="640080" cy="640080"/>
+          </a:xfrm>
+          <a:prstGeom prst="ellipse">
+            <a:avLst/>
+          </a:prstGeom>
+        </p:spPr>
+        <p:style>
+          <a:lnRef idx="2">
+            <a:schemeClr val="dk1">
+              <a:shade val="50000"/>
+            </a:schemeClr>
+          </a:lnRef>
+          <a:fillRef idx="1">
+            <a:schemeClr val="dk1"/>
+          </a:fillRef>
+          <a:effectRef idx="0">
+            <a:schemeClr val="dk1"/>
+          </a:effectRef>
+          <a:fontRef idx="minor">
+            <a:schemeClr val="lt1"/>
+          </a:fontRef>
+        </p:style>
+        <p:txBody>
+          <a:bodyPr rtlCol="0" anchor="ctr"/>
+          <a:lstStyle/>
+          <a:p>
+            <a:pPr algn="ctr"/>
+            <a:r>
+              <a:rPr lang="en-US" sz="2800" b="1" dirty="0"/>
+              <a:t>1</a:t>
+            </a:r>
+          </a:p>
+        </p:txBody>
+      </p:sp>
+      <p:sp>
+        <p:nvSpPr>
+          <p:cNvPr id="7" name="TextBox 6">
+            <a:extLst>
+              <a:ext uri="{FF2B5EF4-FFF2-40B4-BE49-F238E27FC236}">
+                <a16:creationId xmlns:a16="http://schemas.microsoft.com/office/drawing/2014/main" id="{20EC4FDA-0FF6-92EB-3167-D14586C6E1A2}"/>
+              </a:ext>
+            </a:extLst>
+          </p:cNvPr>
+          <p:cNvSpPr txBox="1"/>
+          <p:nvPr/>
+        </p:nvSpPr>
+        <p:spPr>
+          <a:xfrm>
+            <a:off x="1595847" y="1225010"/>
+            <a:ext cx="1093569" cy="369332"/>
+          </a:xfrm>
+          <a:prstGeom prst="rect">
+            <a:avLst/>
+          </a:prstGeom>
+          <a:noFill/>
+        </p:spPr>
+        <p:txBody>
+          <a:bodyPr wrap="none" rtlCol="0">
+            <a:spAutoFit/>
+          </a:bodyPr>
+          <a:lstStyle/>
+          <a:p>
+            <a:pPr algn="ctr"/>
+            <a:r>
+              <a:rPr lang="en-US" b="1" dirty="0">
+                <a:latin typeface="Comic Sans MS" panose="030F0702030302020204" pitchFamily="66" charset="0"/>
               </a:rPr>
-              <a:t>https://github.com/JGCRI/pytemplate</a:t>
-            </a:r>
-            <a:r>
-              <a:rPr lang="en-US" dirty="0"/>
-              <a:t> </a:t>
+              <a:t>Clone or</a:t>
+            </a:r>
+          </a:p>
+        </p:txBody>
+      </p:sp>
+      <p:sp>
+        <p:nvSpPr>
+          <p:cNvPr id="8" name="Rectangle: Rounded Corners 7">
+            <a:extLst>
+              <a:ext uri="{FF2B5EF4-FFF2-40B4-BE49-F238E27FC236}">
+                <a16:creationId xmlns:a16="http://schemas.microsoft.com/office/drawing/2014/main" id="{407B3577-3A67-E6CB-5ECB-8F6CCD7D0DB1}"/>
+              </a:ext>
+            </a:extLst>
+          </p:cNvPr>
+          <p:cNvSpPr/>
+          <p:nvPr/>
+        </p:nvSpPr>
+        <p:spPr>
+          <a:xfrm>
+            <a:off x="4417332" y="1442352"/>
+            <a:ext cx="3228975" cy="1038225"/>
+          </a:xfrm>
+          <a:prstGeom prst="roundRect">
+            <a:avLst/>
+          </a:prstGeom>
+          <a:solidFill>
+            <a:schemeClr val="accent6">
+              <a:lumMod val="20000"/>
+              <a:lumOff val="80000"/>
+            </a:schemeClr>
+          </a:solidFill>
+        </p:spPr>
+        <p:style>
+          <a:lnRef idx="2">
+            <a:schemeClr val="accent1">
+              <a:shade val="50000"/>
+            </a:schemeClr>
+          </a:lnRef>
+          <a:fillRef idx="1">
+            <a:schemeClr val="accent1"/>
+          </a:fillRef>
+          <a:effectRef idx="0">
+            <a:schemeClr val="accent1"/>
+          </a:effectRef>
+          <a:fontRef idx="minor">
+            <a:schemeClr val="lt1"/>
+          </a:fontRef>
+        </p:style>
+        <p:txBody>
+          <a:bodyPr rtlCol="0" anchor="ctr"/>
+          <a:lstStyle/>
+          <a:p>
+            <a:pPr algn="ctr"/>
+            <a:endParaRPr lang="en-US"/>
+          </a:p>
+        </p:txBody>
+      </p:sp>
+      <p:sp>
+        <p:nvSpPr>
+          <p:cNvPr id="9" name="Oval 8">
+            <a:extLst>
+              <a:ext uri="{FF2B5EF4-FFF2-40B4-BE49-F238E27FC236}">
+                <a16:creationId xmlns:a16="http://schemas.microsoft.com/office/drawing/2014/main" id="{1B229EA4-3546-7C8B-DDD4-07CFBAD2602F}"/>
+              </a:ext>
+            </a:extLst>
+          </p:cNvPr>
+          <p:cNvSpPr>
+            <a:spLocks noChangeAspect="1"/>
+          </p:cNvSpPr>
+          <p:nvPr/>
+        </p:nvSpPr>
+        <p:spPr>
+          <a:xfrm>
+            <a:off x="4184742" y="1272488"/>
+            <a:ext cx="640080" cy="640080"/>
+          </a:xfrm>
+          <a:prstGeom prst="ellipse">
+            <a:avLst/>
+          </a:prstGeom>
+        </p:spPr>
+        <p:style>
+          <a:lnRef idx="2">
+            <a:schemeClr val="dk1">
+              <a:shade val="50000"/>
+            </a:schemeClr>
+          </a:lnRef>
+          <a:fillRef idx="1">
+            <a:schemeClr val="dk1"/>
+          </a:fillRef>
+          <a:effectRef idx="0">
+            <a:schemeClr val="dk1"/>
+          </a:effectRef>
+          <a:fontRef idx="minor">
+            <a:schemeClr val="lt1"/>
+          </a:fontRef>
+        </p:style>
+        <p:txBody>
+          <a:bodyPr rtlCol="0" anchor="ctr"/>
+          <a:lstStyle/>
+          <a:p>
+            <a:pPr algn="ctr"/>
+            <a:r>
+              <a:rPr lang="en-US" sz="2800" b="1" dirty="0"/>
+              <a:t>2</a:t>
+            </a:r>
+          </a:p>
+        </p:txBody>
+      </p:sp>
+      <p:sp>
+        <p:nvSpPr>
+          <p:cNvPr id="10" name="TextBox 9">
+            <a:extLst>
+              <a:ext uri="{FF2B5EF4-FFF2-40B4-BE49-F238E27FC236}">
+                <a16:creationId xmlns:a16="http://schemas.microsoft.com/office/drawing/2014/main" id="{21CCAB8D-7653-3309-3AEE-0550A8B732D3}"/>
+              </a:ext>
+            </a:extLst>
+          </p:cNvPr>
+          <p:cNvSpPr txBox="1"/>
+          <p:nvPr/>
+        </p:nvSpPr>
+        <p:spPr>
+          <a:xfrm>
+            <a:off x="5127565" y="1638298"/>
+            <a:ext cx="2055371" cy="646331"/>
+          </a:xfrm>
+          <a:prstGeom prst="rect">
+            <a:avLst/>
+          </a:prstGeom>
+          <a:noFill/>
+        </p:spPr>
+        <p:txBody>
+          <a:bodyPr wrap="none" rtlCol="0">
+            <a:spAutoFit/>
+          </a:bodyPr>
+          <a:lstStyle/>
+          <a:p>
+            <a:pPr algn="ctr"/>
+            <a:r>
+              <a:rPr lang="en-US" b="1" dirty="0">
+                <a:latin typeface="Comic Sans MS" panose="030F0702030302020204" pitchFamily="66" charset="0"/>
+              </a:rPr>
+              <a:t>Update Package </a:t>
+            </a:r>
+          </a:p>
+          <a:p>
+            <a:pPr algn="ctr"/>
+            <a:r>
+              <a:rPr lang="en-US" b="1" dirty="0">
+                <a:latin typeface="Comic Sans MS" panose="030F0702030302020204" pitchFamily="66" charset="0"/>
+              </a:rPr>
+              <a:t>Information</a:t>
+            </a:r>
+          </a:p>
+        </p:txBody>
+      </p:sp>
+      <p:sp>
+        <p:nvSpPr>
+          <p:cNvPr id="11" name="Rectangle: Rounded Corners 10">
+            <a:extLst>
+              <a:ext uri="{FF2B5EF4-FFF2-40B4-BE49-F238E27FC236}">
+                <a16:creationId xmlns:a16="http://schemas.microsoft.com/office/drawing/2014/main" id="{1CBE7CF5-E709-7B19-8FE0-5B5370C774AD}"/>
+              </a:ext>
+            </a:extLst>
+          </p:cNvPr>
+          <p:cNvSpPr/>
+          <p:nvPr/>
+        </p:nvSpPr>
+        <p:spPr>
+          <a:xfrm>
+            <a:off x="2374840" y="2772273"/>
+            <a:ext cx="3228975" cy="1038225"/>
+          </a:xfrm>
+          <a:prstGeom prst="roundRect">
+            <a:avLst/>
+          </a:prstGeom>
+          <a:solidFill>
+            <a:schemeClr val="accent2">
+              <a:lumMod val="20000"/>
+              <a:lumOff val="80000"/>
+            </a:schemeClr>
+          </a:solidFill>
+        </p:spPr>
+        <p:style>
+          <a:lnRef idx="2">
+            <a:schemeClr val="accent1">
+              <a:shade val="50000"/>
+            </a:schemeClr>
+          </a:lnRef>
+          <a:fillRef idx="1">
+            <a:schemeClr val="accent1"/>
+          </a:fillRef>
+          <a:effectRef idx="0">
+            <a:schemeClr val="accent1"/>
+          </a:effectRef>
+          <a:fontRef idx="minor">
+            <a:schemeClr val="lt1"/>
+          </a:fontRef>
+        </p:style>
+        <p:txBody>
+          <a:bodyPr rtlCol="0" anchor="ctr"/>
+          <a:lstStyle/>
+          <a:p>
+            <a:pPr algn="ctr"/>
+            <a:endParaRPr lang="en-US"/>
+          </a:p>
+        </p:txBody>
+      </p:sp>
+      <p:sp>
+        <p:nvSpPr>
+          <p:cNvPr id="12" name="Oval 11">
+            <a:extLst>
+              <a:ext uri="{FF2B5EF4-FFF2-40B4-BE49-F238E27FC236}">
+                <a16:creationId xmlns:a16="http://schemas.microsoft.com/office/drawing/2014/main" id="{5BF7CC1F-2FC0-D70B-96F4-EE353BB9C1C9}"/>
+              </a:ext>
+            </a:extLst>
+          </p:cNvPr>
+          <p:cNvSpPr>
+            <a:spLocks noChangeAspect="1"/>
+          </p:cNvSpPr>
+          <p:nvPr/>
+        </p:nvSpPr>
+        <p:spPr>
+          <a:xfrm>
+            <a:off x="2142250" y="2602409"/>
+            <a:ext cx="640080" cy="640080"/>
+          </a:xfrm>
+          <a:prstGeom prst="ellipse">
+            <a:avLst/>
+          </a:prstGeom>
+        </p:spPr>
+        <p:style>
+          <a:lnRef idx="2">
+            <a:schemeClr val="dk1">
+              <a:shade val="50000"/>
+            </a:schemeClr>
+          </a:lnRef>
+          <a:fillRef idx="1">
+            <a:schemeClr val="dk1"/>
+          </a:fillRef>
+          <a:effectRef idx="0">
+            <a:schemeClr val="dk1"/>
+          </a:effectRef>
+          <a:fontRef idx="minor">
+            <a:schemeClr val="lt1"/>
+          </a:fontRef>
+        </p:style>
+        <p:txBody>
+          <a:bodyPr rtlCol="0" anchor="ctr"/>
+          <a:lstStyle/>
+          <a:p>
+            <a:pPr algn="ctr"/>
+            <a:r>
+              <a:rPr lang="en-US" sz="2800" b="1" dirty="0"/>
+              <a:t>3</a:t>
+            </a:r>
+          </a:p>
+        </p:txBody>
+      </p:sp>
+      <p:sp>
+        <p:nvSpPr>
+          <p:cNvPr id="13" name="TextBox 12">
+            <a:extLst>
+              <a:ext uri="{FF2B5EF4-FFF2-40B4-BE49-F238E27FC236}">
+                <a16:creationId xmlns:a16="http://schemas.microsoft.com/office/drawing/2014/main" id="{C28EA312-B200-E4BC-3F90-1D197FB9830C}"/>
+              </a:ext>
+            </a:extLst>
+          </p:cNvPr>
+          <p:cNvSpPr txBox="1"/>
+          <p:nvPr/>
+        </p:nvSpPr>
+        <p:spPr>
+          <a:xfrm>
+            <a:off x="2961645" y="2968219"/>
+            <a:ext cx="2055370" cy="646331"/>
+          </a:xfrm>
+          <a:prstGeom prst="rect">
+            <a:avLst/>
+          </a:prstGeom>
+          <a:noFill/>
+        </p:spPr>
+        <p:txBody>
+          <a:bodyPr wrap="none" rtlCol="0">
+            <a:spAutoFit/>
+          </a:bodyPr>
+          <a:lstStyle/>
+          <a:p>
+            <a:pPr algn="ctr"/>
+            <a:r>
+              <a:rPr lang="en-US" b="1" dirty="0">
+                <a:latin typeface="Comic Sans MS" panose="030F0702030302020204" pitchFamily="66" charset="0"/>
+              </a:rPr>
+              <a:t>Update Package </a:t>
+            </a:r>
+          </a:p>
+          <a:p>
+            <a:pPr algn="ctr"/>
+            <a:r>
+              <a:rPr lang="en-US" b="1" dirty="0">
+                <a:latin typeface="Comic Sans MS" panose="030F0702030302020204" pitchFamily="66" charset="0"/>
+              </a:rPr>
+              <a:t>Modules</a:t>
+            </a:r>
+          </a:p>
+        </p:txBody>
+      </p:sp>
+      <p:sp>
+        <p:nvSpPr>
+          <p:cNvPr id="14" name="Rectangle: Rounded Corners 13">
+            <a:extLst>
+              <a:ext uri="{FF2B5EF4-FFF2-40B4-BE49-F238E27FC236}">
+                <a16:creationId xmlns:a16="http://schemas.microsoft.com/office/drawing/2014/main" id="{86B41E51-F89B-F273-DCE0-C1ABA79D637F}"/>
+              </a:ext>
+            </a:extLst>
+          </p:cNvPr>
+          <p:cNvSpPr/>
+          <p:nvPr/>
+        </p:nvSpPr>
+        <p:spPr>
+          <a:xfrm>
+            <a:off x="6328590" y="3095437"/>
+            <a:ext cx="3228975" cy="1038225"/>
+          </a:xfrm>
+          <a:prstGeom prst="roundRect">
+            <a:avLst/>
+          </a:prstGeom>
+          <a:solidFill>
+            <a:schemeClr val="accent5">
+              <a:lumMod val="20000"/>
+              <a:lumOff val="80000"/>
+            </a:schemeClr>
+          </a:solidFill>
+        </p:spPr>
+        <p:style>
+          <a:lnRef idx="2">
+            <a:schemeClr val="accent1">
+              <a:shade val="50000"/>
+            </a:schemeClr>
+          </a:lnRef>
+          <a:fillRef idx="1">
+            <a:schemeClr val="accent1"/>
+          </a:fillRef>
+          <a:effectRef idx="0">
+            <a:schemeClr val="accent1"/>
+          </a:effectRef>
+          <a:fontRef idx="minor">
+            <a:schemeClr val="lt1"/>
+          </a:fontRef>
+        </p:style>
+        <p:txBody>
+          <a:bodyPr rtlCol="0" anchor="ctr"/>
+          <a:lstStyle/>
+          <a:p>
+            <a:pPr algn="ctr"/>
+            <a:endParaRPr lang="en-US"/>
+          </a:p>
+        </p:txBody>
+      </p:sp>
+      <p:sp>
+        <p:nvSpPr>
+          <p:cNvPr id="15" name="Oval 14">
+            <a:extLst>
+              <a:ext uri="{FF2B5EF4-FFF2-40B4-BE49-F238E27FC236}">
+                <a16:creationId xmlns:a16="http://schemas.microsoft.com/office/drawing/2014/main" id="{C43C68F0-EC49-D9B7-83E5-D672D60898DE}"/>
+              </a:ext>
+            </a:extLst>
+          </p:cNvPr>
+          <p:cNvSpPr>
+            <a:spLocks noChangeAspect="1"/>
+          </p:cNvSpPr>
+          <p:nvPr/>
+        </p:nvSpPr>
+        <p:spPr>
+          <a:xfrm>
+            <a:off x="6096000" y="2925573"/>
+            <a:ext cx="640080" cy="640080"/>
+          </a:xfrm>
+          <a:prstGeom prst="ellipse">
+            <a:avLst/>
+          </a:prstGeom>
+        </p:spPr>
+        <p:style>
+          <a:lnRef idx="2">
+            <a:schemeClr val="dk1">
+              <a:shade val="50000"/>
+            </a:schemeClr>
+          </a:lnRef>
+          <a:fillRef idx="1">
+            <a:schemeClr val="dk1"/>
+          </a:fillRef>
+          <a:effectRef idx="0">
+            <a:schemeClr val="dk1"/>
+          </a:effectRef>
+          <a:fontRef idx="minor">
+            <a:schemeClr val="lt1"/>
+          </a:fontRef>
+        </p:style>
+        <p:txBody>
+          <a:bodyPr rtlCol="0" anchor="ctr"/>
+          <a:lstStyle/>
+          <a:p>
+            <a:pPr algn="ctr"/>
+            <a:r>
+              <a:rPr lang="en-US" sz="2800" b="1" dirty="0"/>
+              <a:t>4</a:t>
+            </a:r>
+          </a:p>
+        </p:txBody>
+      </p:sp>
+      <p:sp>
+        <p:nvSpPr>
+          <p:cNvPr id="16" name="TextBox 15">
+            <a:extLst>
+              <a:ext uri="{FF2B5EF4-FFF2-40B4-BE49-F238E27FC236}">
+                <a16:creationId xmlns:a16="http://schemas.microsoft.com/office/drawing/2014/main" id="{E5848AE2-9B8F-C77D-C55F-2E00CB94C3C0}"/>
+              </a:ext>
+            </a:extLst>
+          </p:cNvPr>
+          <p:cNvSpPr txBox="1"/>
+          <p:nvPr/>
+        </p:nvSpPr>
+        <p:spPr>
+          <a:xfrm>
+            <a:off x="7452398" y="3291383"/>
+            <a:ext cx="981359" cy="646331"/>
+          </a:xfrm>
+          <a:prstGeom prst="rect">
+            <a:avLst/>
+          </a:prstGeom>
+          <a:noFill/>
+        </p:spPr>
+        <p:txBody>
+          <a:bodyPr wrap="none" rtlCol="0">
+            <a:spAutoFit/>
+          </a:bodyPr>
+          <a:lstStyle/>
+          <a:p>
+            <a:pPr algn="ctr"/>
+            <a:r>
+              <a:rPr lang="en-US" b="1" dirty="0">
+                <a:latin typeface="Comic Sans MS" panose="030F0702030302020204" pitchFamily="66" charset="0"/>
+              </a:rPr>
+              <a:t>Update</a:t>
+            </a:r>
+          </a:p>
+          <a:p>
+            <a:pPr algn="ctr"/>
+            <a:r>
+              <a:rPr lang="en-US" b="1" dirty="0">
+                <a:latin typeface="Comic Sans MS" panose="030F0702030302020204" pitchFamily="66" charset="0"/>
+              </a:rPr>
+              <a:t>Tests</a:t>
+            </a:r>
+          </a:p>
+        </p:txBody>
+      </p:sp>
+      <p:sp>
+        <p:nvSpPr>
+          <p:cNvPr id="17" name="Rectangle: Rounded Corners 16">
+            <a:extLst>
+              <a:ext uri="{FF2B5EF4-FFF2-40B4-BE49-F238E27FC236}">
+                <a16:creationId xmlns:a16="http://schemas.microsoft.com/office/drawing/2014/main" id="{64EB4011-A2D4-A71F-0329-6B8E132AEF8A}"/>
+              </a:ext>
+            </a:extLst>
+          </p:cNvPr>
+          <p:cNvSpPr/>
+          <p:nvPr/>
+        </p:nvSpPr>
+        <p:spPr>
+          <a:xfrm>
+            <a:off x="4227452" y="4595222"/>
+            <a:ext cx="3228975" cy="1038225"/>
+          </a:xfrm>
+          <a:prstGeom prst="roundRect">
+            <a:avLst/>
+          </a:prstGeom>
+          <a:solidFill>
+            <a:schemeClr val="bg1">
+              <a:lumMod val="95000"/>
+            </a:schemeClr>
+          </a:solidFill>
+        </p:spPr>
+        <p:style>
+          <a:lnRef idx="2">
+            <a:schemeClr val="accent1">
+              <a:shade val="50000"/>
+            </a:schemeClr>
+          </a:lnRef>
+          <a:fillRef idx="1">
+            <a:schemeClr val="accent1"/>
+          </a:fillRef>
+          <a:effectRef idx="0">
+            <a:schemeClr val="accent1"/>
+          </a:effectRef>
+          <a:fontRef idx="minor">
+            <a:schemeClr val="lt1"/>
+          </a:fontRef>
+        </p:style>
+        <p:txBody>
+          <a:bodyPr rtlCol="0" anchor="ctr"/>
+          <a:lstStyle/>
+          <a:p>
+            <a:pPr algn="ctr"/>
+            <a:endParaRPr lang="en-US"/>
+          </a:p>
+        </p:txBody>
+      </p:sp>
+      <p:sp>
+        <p:nvSpPr>
+          <p:cNvPr id="18" name="Oval 17">
+            <a:extLst>
+              <a:ext uri="{FF2B5EF4-FFF2-40B4-BE49-F238E27FC236}">
+                <a16:creationId xmlns:a16="http://schemas.microsoft.com/office/drawing/2014/main" id="{E87B37C1-AA74-F362-1598-3E37E4E7BD4C}"/>
+              </a:ext>
+            </a:extLst>
+          </p:cNvPr>
+          <p:cNvSpPr>
+            <a:spLocks noChangeAspect="1"/>
+          </p:cNvSpPr>
+          <p:nvPr/>
+        </p:nvSpPr>
+        <p:spPr>
+          <a:xfrm>
+            <a:off x="3994862" y="4425358"/>
+            <a:ext cx="640080" cy="640080"/>
+          </a:xfrm>
+          <a:prstGeom prst="ellipse">
+            <a:avLst/>
+          </a:prstGeom>
+        </p:spPr>
+        <p:style>
+          <a:lnRef idx="2">
+            <a:schemeClr val="dk1">
+              <a:shade val="50000"/>
+            </a:schemeClr>
+          </a:lnRef>
+          <a:fillRef idx="1">
+            <a:schemeClr val="dk1"/>
+          </a:fillRef>
+          <a:effectRef idx="0">
+            <a:schemeClr val="dk1"/>
+          </a:effectRef>
+          <a:fontRef idx="minor">
+            <a:schemeClr val="lt1"/>
+          </a:fontRef>
+        </p:style>
+        <p:txBody>
+          <a:bodyPr rtlCol="0" anchor="ctr"/>
+          <a:lstStyle/>
+          <a:p>
+            <a:pPr algn="ctr"/>
+            <a:r>
+              <a:rPr lang="en-US" sz="2800" b="1" dirty="0"/>
+              <a:t>5</a:t>
+            </a:r>
+          </a:p>
+        </p:txBody>
+      </p:sp>
+      <p:sp>
+        <p:nvSpPr>
+          <p:cNvPr id="19" name="TextBox 18">
+            <a:extLst>
+              <a:ext uri="{FF2B5EF4-FFF2-40B4-BE49-F238E27FC236}">
+                <a16:creationId xmlns:a16="http://schemas.microsoft.com/office/drawing/2014/main" id="{256F0A8B-1BF0-8574-EC76-98D5B23FF0C3}"/>
+              </a:ext>
+            </a:extLst>
+          </p:cNvPr>
+          <p:cNvSpPr txBox="1"/>
+          <p:nvPr/>
+        </p:nvSpPr>
+        <p:spPr>
+          <a:xfrm>
+            <a:off x="4863949" y="4791168"/>
+            <a:ext cx="1955984" cy="646331"/>
+          </a:xfrm>
+          <a:prstGeom prst="rect">
+            <a:avLst/>
+          </a:prstGeom>
+          <a:noFill/>
+        </p:spPr>
+        <p:txBody>
+          <a:bodyPr wrap="none" rtlCol="0">
+            <a:spAutoFit/>
+          </a:bodyPr>
+          <a:lstStyle/>
+          <a:p>
+            <a:pPr algn="ctr"/>
+            <a:r>
+              <a:rPr lang="en-US" b="1" dirty="0">
+                <a:latin typeface="Comic Sans MS" panose="030F0702030302020204" pitchFamily="66" charset="0"/>
+              </a:rPr>
+              <a:t>Update Package</a:t>
+            </a:r>
+          </a:p>
+          <a:p>
+            <a:pPr algn="ctr"/>
+            <a:r>
+              <a:rPr lang="en-US" b="1" dirty="0">
+                <a:latin typeface="Comic Sans MS" panose="030F0702030302020204" pitchFamily="66" charset="0"/>
+              </a:rPr>
+              <a:t>Documentation</a:t>
+            </a:r>
+          </a:p>
+        </p:txBody>
+      </p:sp>
+      <p:sp>
+        <p:nvSpPr>
+          <p:cNvPr id="20" name="Rectangle: Rounded Corners 19">
+            <a:extLst>
+              <a:ext uri="{FF2B5EF4-FFF2-40B4-BE49-F238E27FC236}">
+                <a16:creationId xmlns:a16="http://schemas.microsoft.com/office/drawing/2014/main" id="{FBDA9442-E322-4DBD-CEB3-088FA08090DD}"/>
+              </a:ext>
+            </a:extLst>
+          </p:cNvPr>
+          <p:cNvSpPr/>
+          <p:nvPr/>
+        </p:nvSpPr>
+        <p:spPr>
+          <a:xfrm>
+            <a:off x="8181202" y="4918386"/>
+            <a:ext cx="3228975" cy="1038225"/>
+          </a:xfrm>
+          <a:prstGeom prst="roundRect">
+            <a:avLst/>
+          </a:prstGeom>
+          <a:solidFill>
+            <a:srgbClr val="ECE3FD"/>
+          </a:solidFill>
+        </p:spPr>
+        <p:style>
+          <a:lnRef idx="2">
+            <a:schemeClr val="accent1">
+              <a:shade val="50000"/>
+            </a:schemeClr>
+          </a:lnRef>
+          <a:fillRef idx="1">
+            <a:schemeClr val="accent1"/>
+          </a:fillRef>
+          <a:effectRef idx="0">
+            <a:schemeClr val="accent1"/>
+          </a:effectRef>
+          <a:fontRef idx="minor">
+            <a:schemeClr val="lt1"/>
+          </a:fontRef>
+        </p:style>
+        <p:txBody>
+          <a:bodyPr rtlCol="0" anchor="ctr"/>
+          <a:lstStyle/>
+          <a:p>
+            <a:pPr algn="ctr"/>
+            <a:endParaRPr lang="en-US"/>
+          </a:p>
+        </p:txBody>
+      </p:sp>
+      <p:sp>
+        <p:nvSpPr>
+          <p:cNvPr id="21" name="Oval 20">
+            <a:extLst>
+              <a:ext uri="{FF2B5EF4-FFF2-40B4-BE49-F238E27FC236}">
+                <a16:creationId xmlns:a16="http://schemas.microsoft.com/office/drawing/2014/main" id="{41420F3C-0CDE-4860-146B-076DE5184749}"/>
+              </a:ext>
+            </a:extLst>
+          </p:cNvPr>
+          <p:cNvSpPr>
+            <a:spLocks noChangeAspect="1"/>
+          </p:cNvSpPr>
+          <p:nvPr/>
+        </p:nvSpPr>
+        <p:spPr>
+          <a:xfrm>
+            <a:off x="7948612" y="4748522"/>
+            <a:ext cx="640080" cy="640080"/>
+          </a:xfrm>
+          <a:prstGeom prst="ellipse">
+            <a:avLst/>
+          </a:prstGeom>
+        </p:spPr>
+        <p:style>
+          <a:lnRef idx="2">
+            <a:schemeClr val="dk1">
+              <a:shade val="50000"/>
+            </a:schemeClr>
+          </a:lnRef>
+          <a:fillRef idx="1">
+            <a:schemeClr val="dk1"/>
+          </a:fillRef>
+          <a:effectRef idx="0">
+            <a:schemeClr val="dk1"/>
+          </a:effectRef>
+          <a:fontRef idx="minor">
+            <a:schemeClr val="lt1"/>
+          </a:fontRef>
+        </p:style>
+        <p:txBody>
+          <a:bodyPr rtlCol="0" anchor="ctr"/>
+          <a:lstStyle/>
+          <a:p>
+            <a:pPr algn="ctr"/>
+            <a:r>
+              <a:rPr lang="en-US" sz="2800" b="1" dirty="0"/>
+              <a:t>6</a:t>
+            </a:r>
+          </a:p>
+        </p:txBody>
+      </p:sp>
+      <p:sp>
+        <p:nvSpPr>
+          <p:cNvPr id="22" name="TextBox 21">
+            <a:extLst>
+              <a:ext uri="{FF2B5EF4-FFF2-40B4-BE49-F238E27FC236}">
+                <a16:creationId xmlns:a16="http://schemas.microsoft.com/office/drawing/2014/main" id="{30FE8FB5-4910-D170-5413-B06A335E0F3B}"/>
+              </a:ext>
+            </a:extLst>
+          </p:cNvPr>
+          <p:cNvSpPr txBox="1"/>
+          <p:nvPr/>
+        </p:nvSpPr>
+        <p:spPr>
+          <a:xfrm>
+            <a:off x="8886627" y="5114332"/>
+            <a:ext cx="1818126" cy="646331"/>
+          </a:xfrm>
+          <a:prstGeom prst="rect">
+            <a:avLst/>
+          </a:prstGeom>
+          <a:noFill/>
+        </p:spPr>
+        <p:txBody>
+          <a:bodyPr wrap="none" rtlCol="0">
+            <a:spAutoFit/>
+          </a:bodyPr>
+          <a:lstStyle/>
+          <a:p>
+            <a:pPr algn="ctr"/>
+            <a:r>
+              <a:rPr lang="en-US" b="1" dirty="0">
+                <a:latin typeface="Comic Sans MS" panose="030F0702030302020204" pitchFamily="66" charset="0"/>
+              </a:rPr>
+              <a:t>Activate</a:t>
+            </a:r>
+          </a:p>
+          <a:p>
+            <a:pPr algn="ctr"/>
+            <a:r>
+              <a:rPr lang="en-US" b="1" dirty="0" err="1">
+                <a:latin typeface="Comic Sans MS" panose="030F0702030302020204" pitchFamily="66" charset="0"/>
+              </a:rPr>
+              <a:t>Github</a:t>
+            </a:r>
+            <a:r>
+              <a:rPr lang="en-US" b="1" dirty="0">
+                <a:latin typeface="Comic Sans MS" panose="030F0702030302020204" pitchFamily="66" charset="0"/>
+              </a:rPr>
+              <a:t> Actions</a:t>
             </a:r>
           </a:p>
         </p:txBody>
       </p:sp>
       <p:pic>
         <p:nvPicPr>
-          <p:cNvPr id="15" name="Picture 14">
-            <a:extLst>
-              <a:ext uri="{FF2B5EF4-FFF2-40B4-BE49-F238E27FC236}">
-                <a16:creationId xmlns:a16="http://schemas.microsoft.com/office/drawing/2014/main" id="{F03AE421-1A03-5B24-A31F-9A227C773404}"/>
+          <p:cNvPr id="3" name="Picture 2">
+            <a:extLst>
+              <a:ext uri="{FF2B5EF4-FFF2-40B4-BE49-F238E27FC236}">
+                <a16:creationId xmlns:a16="http://schemas.microsoft.com/office/drawing/2014/main" id="{BB807DDC-368A-E20B-44A0-6D98A76579E4}"/>
               </a:ext>
             </a:extLst>
           </p:cNvPr>
@@ -3393,37 +4331,8 @@
         </p:blipFill>
         <p:spPr>
           <a:xfrm>
-            <a:off x="6581888" y="1395979"/>
-            <a:ext cx="2198332" cy="4781774"/>
-          </a:xfrm>
-          <a:prstGeom prst="rect">
-            <a:avLst/>
-          </a:prstGeom>
-        </p:spPr>
-      </p:pic>
-      <p:pic>
-        <p:nvPicPr>
-          <p:cNvPr id="17" name="Picture 16">
-            <a:extLst>
-              <a:ext uri="{FF2B5EF4-FFF2-40B4-BE49-F238E27FC236}">
-                <a16:creationId xmlns:a16="http://schemas.microsoft.com/office/drawing/2014/main" id="{8862BE50-163E-8782-1831-27F958217CC4}"/>
-              </a:ext>
-            </a:extLst>
-          </p:cNvPr>
-          <p:cNvPicPr>
-            <a:picLocks noChangeAspect="1"/>
-          </p:cNvPicPr>
-          <p:nvPr/>
-        </p:nvPicPr>
-        <p:blipFill rotWithShape="1">
-          <a:blip r:embed="rId4"/>
-          <a:srcRect b="16522"/>
-          <a:stretch/>
-        </p:blipFill>
-        <p:spPr>
-          <a:xfrm>
-            <a:off x="283212" y="1435437"/>
-            <a:ext cx="5326902" cy="5020032"/>
+            <a:off x="1146149" y="1543766"/>
+            <a:ext cx="1992202" cy="474854"/>
           </a:xfrm>
           <a:prstGeom prst="rect">
             <a:avLst/>
@@ -3433,7 +4342,7 @@
     </p:spTree>
     <p:extLst>
       <p:ext uri="{BB962C8B-B14F-4D97-AF65-F5344CB8AC3E}">
-        <p14:creationId xmlns:p14="http://schemas.microsoft.com/office/powerpoint/2010/main" val="2618308999"/>
+        <p14:creationId xmlns:p14="http://schemas.microsoft.com/office/powerpoint/2010/main" val="197192251"/>
       </p:ext>
     </p:extLst>
   </p:cSld>
@@ -3460,12 +4369,47 @@
           <a:chExt cx="0" cy="0"/>
         </a:xfrm>
       </p:grpSpPr>
-      <p:sp>
-        <p:nvSpPr>
-          <p:cNvPr id="4" name="TextBox 3">
-            <a:extLst>
-              <a:ext uri="{FF2B5EF4-FFF2-40B4-BE49-F238E27FC236}">
-                <a16:creationId xmlns:a16="http://schemas.microsoft.com/office/drawing/2014/main" id="{BDB0543E-8CC8-BDD3-0294-59FD9BDF8FCF}"/>
+      <p:pic>
+        <p:nvPicPr>
+          <p:cNvPr id="14" name="Picture 13">
+            <a:extLst>
+              <a:ext uri="{FF2B5EF4-FFF2-40B4-BE49-F238E27FC236}">
+                <a16:creationId xmlns:a16="http://schemas.microsoft.com/office/drawing/2014/main" id="{56F6CB81-E2C6-B5AB-D0DB-CC08EE193672}"/>
+              </a:ext>
+            </a:extLst>
+          </p:cNvPr>
+          <p:cNvPicPr>
+            <a:picLocks noChangeAspect="1"/>
+          </p:cNvPicPr>
+          <p:nvPr/>
+        </p:nvPicPr>
+        <p:blipFill>
+          <a:blip r:embed="rId2"/>
+          <a:stretch>
+            <a:fillRect/>
+          </a:stretch>
+        </p:blipFill>
+        <p:spPr>
+          <a:xfrm>
+            <a:off x="2988716" y="1566323"/>
+            <a:ext cx="1106683" cy="4896019"/>
+          </a:xfrm>
+          <a:prstGeom prst="rect">
+            <a:avLst/>
+          </a:prstGeom>
+          <a:ln>
+            <a:solidFill>
+              <a:schemeClr val="tx1"/>
+            </a:solidFill>
+          </a:ln>
+        </p:spPr>
+      </p:pic>
+      <p:sp>
+        <p:nvSpPr>
+          <p:cNvPr id="22" name="TextBox 21">
+            <a:extLst>
+              <a:ext uri="{FF2B5EF4-FFF2-40B4-BE49-F238E27FC236}">
+                <a16:creationId xmlns:a16="http://schemas.microsoft.com/office/drawing/2014/main" id="{C146D39A-EB65-58D8-2CB6-D8017864F073}"/>
               </a:ext>
             </a:extLst>
           </p:cNvPr>
@@ -3475,7 +4419,7 @@
         <p:spPr>
           <a:xfrm>
             <a:off x="3071422" y="42660"/>
-            <a:ext cx="6040115" cy="461665"/>
+            <a:ext cx="6049156" cy="461665"/>
           </a:xfrm>
           <a:prstGeom prst="rect">
             <a:avLst/>
@@ -3488,24 +4432,273 @@
           </a:bodyPr>
           <a:lstStyle/>
           <a:p>
-            <a:pPr algn="ctr"/>
             <a:r>
               <a:rPr lang="en-US" sz="2400" b="1" dirty="0" err="1"/>
-              <a:t>Pytemplate</a:t>
+              <a:t>rtemplate</a:t>
             </a:r>
             <a:r>
               <a:rPr lang="en-US" sz="2400" b="1" dirty="0"/>
-              <a:t> – Build your own python package!</a:t>
+              <a:t> – Key Package Folders &amp; Structure</a:t>
+            </a:r>
+          </a:p>
+        </p:txBody>
+      </p:sp>
+      <p:cxnSp>
+        <p:nvCxnSpPr>
+          <p:cNvPr id="32" name="Connector: Elbow 31">
+            <a:extLst>
+              <a:ext uri="{FF2B5EF4-FFF2-40B4-BE49-F238E27FC236}">
+                <a16:creationId xmlns:a16="http://schemas.microsoft.com/office/drawing/2014/main" id="{5B020241-C00E-5659-1404-1D5277D05F50}"/>
+              </a:ext>
+            </a:extLst>
+          </p:cNvPr>
+          <p:cNvCxnSpPr>
+            <a:cxnSpLocks/>
+            <a:endCxn id="46" idx="1"/>
+          </p:cNvCxnSpPr>
+          <p:nvPr/>
+        </p:nvCxnSpPr>
+        <p:spPr>
+          <a:xfrm>
+            <a:off x="3670271" y="3086465"/>
+            <a:ext cx="3664315" cy="2769502"/>
+          </a:xfrm>
+          <a:prstGeom prst="bentConnector3">
+            <a:avLst>
+              <a:gd name="adj1" fmla="val 25300"/>
+            </a:avLst>
+          </a:prstGeom>
+          <a:ln w="22225">
+            <a:solidFill>
+              <a:schemeClr val="tx1"/>
+            </a:solidFill>
+            <a:tailEnd type="triangle" w="lg" len="lg"/>
+          </a:ln>
+        </p:spPr>
+        <p:style>
+          <a:lnRef idx="1">
+            <a:schemeClr val="accent1"/>
+          </a:lnRef>
+          <a:fillRef idx="0">
+            <a:schemeClr val="accent1"/>
+          </a:fillRef>
+          <a:effectRef idx="0">
+            <a:schemeClr val="accent1"/>
+          </a:effectRef>
+          <a:fontRef idx="minor">
+            <a:schemeClr val="tx1"/>
+          </a:fontRef>
+        </p:style>
+      </p:cxnSp>
+      <p:sp>
+        <p:nvSpPr>
+          <p:cNvPr id="50" name="TextBox 49">
+            <a:extLst>
+              <a:ext uri="{FF2B5EF4-FFF2-40B4-BE49-F238E27FC236}">
+                <a16:creationId xmlns:a16="http://schemas.microsoft.com/office/drawing/2014/main" id="{40911C3A-FAE2-BBE6-66F2-723936A0B3FD}"/>
+              </a:ext>
+            </a:extLst>
+          </p:cNvPr>
+          <p:cNvSpPr txBox="1"/>
+          <p:nvPr/>
+        </p:nvSpPr>
+        <p:spPr>
+          <a:xfrm>
+            <a:off x="6260876" y="855921"/>
+            <a:ext cx="1601721" cy="369332"/>
+          </a:xfrm>
+          <a:prstGeom prst="rect">
+            <a:avLst/>
+          </a:prstGeom>
+          <a:noFill/>
+        </p:spPr>
+        <p:txBody>
+          <a:bodyPr wrap="none" rtlCol="0">
+            <a:spAutoFit/>
+          </a:bodyPr>
+          <a:lstStyle/>
+          <a:p>
+            <a:r>
+              <a:rPr lang="en-US" b="1" dirty="0" err="1">
+                <a:solidFill>
+                  <a:srgbClr val="C00000"/>
+                </a:solidFill>
+              </a:rPr>
+              <a:t>Github</a:t>
+            </a:r>
+            <a:r>
+              <a:rPr lang="en-US" b="1" dirty="0">
+                <a:solidFill>
+                  <a:srgbClr val="C00000"/>
+                </a:solidFill>
+              </a:rPr>
+              <a:t> Actions</a:t>
+            </a:r>
+          </a:p>
+        </p:txBody>
+      </p:sp>
+      <p:sp>
+        <p:nvSpPr>
+          <p:cNvPr id="51" name="TextBox 50">
+            <a:extLst>
+              <a:ext uri="{FF2B5EF4-FFF2-40B4-BE49-F238E27FC236}">
+                <a16:creationId xmlns:a16="http://schemas.microsoft.com/office/drawing/2014/main" id="{E49F4F21-0670-AB98-008F-20E166CF07B1}"/>
+              </a:ext>
+            </a:extLst>
+          </p:cNvPr>
+          <p:cNvSpPr txBox="1"/>
+          <p:nvPr/>
+        </p:nvSpPr>
+        <p:spPr>
+          <a:xfrm>
+            <a:off x="7027304" y="5106075"/>
+            <a:ext cx="1670586" cy="369332"/>
+          </a:xfrm>
+          <a:prstGeom prst="rect">
+            <a:avLst/>
+          </a:prstGeom>
+          <a:noFill/>
+        </p:spPr>
+        <p:txBody>
+          <a:bodyPr wrap="none" rtlCol="0">
+            <a:spAutoFit/>
+          </a:bodyPr>
+          <a:lstStyle/>
+          <a:p>
+            <a:r>
+              <a:rPr lang="en-US" b="1" dirty="0">
+                <a:solidFill>
+                  <a:srgbClr val="C00000"/>
+                </a:solidFill>
+              </a:rPr>
+              <a:t>Documentation</a:t>
+            </a:r>
+          </a:p>
+        </p:txBody>
+      </p:sp>
+      <p:sp>
+        <p:nvSpPr>
+          <p:cNvPr id="53" name="TextBox 52">
+            <a:extLst>
+              <a:ext uri="{FF2B5EF4-FFF2-40B4-BE49-F238E27FC236}">
+                <a16:creationId xmlns:a16="http://schemas.microsoft.com/office/drawing/2014/main" id="{EF24D064-C42A-FF7E-856C-D87A322560B3}"/>
+              </a:ext>
+            </a:extLst>
+          </p:cNvPr>
+          <p:cNvSpPr txBox="1"/>
+          <p:nvPr/>
+        </p:nvSpPr>
+        <p:spPr>
+          <a:xfrm>
+            <a:off x="7189708" y="2337324"/>
+            <a:ext cx="857927" cy="369332"/>
+          </a:xfrm>
+          <a:prstGeom prst="rect">
+            <a:avLst/>
+          </a:prstGeom>
+          <a:noFill/>
+        </p:spPr>
+        <p:txBody>
+          <a:bodyPr wrap="none" rtlCol="0">
+            <a:spAutoFit/>
+          </a:bodyPr>
+          <a:lstStyle/>
+          <a:p>
+            <a:r>
+              <a:rPr lang="en-US" b="1" dirty="0">
+                <a:solidFill>
+                  <a:srgbClr val="C00000"/>
+                </a:solidFill>
+              </a:rPr>
+              <a:t>Model </a:t>
+            </a:r>
+          </a:p>
+        </p:txBody>
+      </p:sp>
+      <p:sp>
+        <p:nvSpPr>
+          <p:cNvPr id="54" name="TextBox 53">
+            <a:extLst>
+              <a:ext uri="{FF2B5EF4-FFF2-40B4-BE49-F238E27FC236}">
+                <a16:creationId xmlns:a16="http://schemas.microsoft.com/office/drawing/2014/main" id="{AABBAD63-1988-12EB-5172-A21379BE1FE9}"/>
+              </a:ext>
+            </a:extLst>
+          </p:cNvPr>
+          <p:cNvSpPr txBox="1"/>
+          <p:nvPr/>
+        </p:nvSpPr>
+        <p:spPr>
+          <a:xfrm>
+            <a:off x="6287837" y="3841643"/>
+            <a:ext cx="654282" cy="369332"/>
+          </a:xfrm>
+          <a:prstGeom prst="rect">
+            <a:avLst/>
+          </a:prstGeom>
+          <a:noFill/>
+        </p:spPr>
+        <p:txBody>
+          <a:bodyPr wrap="none" rtlCol="0">
+            <a:spAutoFit/>
+          </a:bodyPr>
+          <a:lstStyle/>
+          <a:p>
+            <a:r>
+              <a:rPr lang="en-US" b="1" dirty="0">
+                <a:solidFill>
+                  <a:srgbClr val="C00000"/>
+                </a:solidFill>
+              </a:rPr>
+              <a:t>Tests</a:t>
+            </a:r>
+          </a:p>
+        </p:txBody>
+      </p:sp>
+      <p:sp>
+        <p:nvSpPr>
+          <p:cNvPr id="55" name="TextBox 54">
+            <a:extLst>
+              <a:ext uri="{FF2B5EF4-FFF2-40B4-BE49-F238E27FC236}">
+                <a16:creationId xmlns:a16="http://schemas.microsoft.com/office/drawing/2014/main" id="{14A2A9DF-BBF1-085A-310C-B5C5C1B562FB}"/>
+              </a:ext>
+            </a:extLst>
+          </p:cNvPr>
+          <p:cNvSpPr txBox="1"/>
+          <p:nvPr/>
+        </p:nvSpPr>
+        <p:spPr>
+          <a:xfrm>
+            <a:off x="2897719" y="1180169"/>
+            <a:ext cx="1336007" cy="369332"/>
+          </a:xfrm>
+          <a:prstGeom prst="rect">
+            <a:avLst/>
+          </a:prstGeom>
+          <a:noFill/>
+        </p:spPr>
+        <p:txBody>
+          <a:bodyPr wrap="none" rtlCol="0">
+            <a:spAutoFit/>
+          </a:bodyPr>
+          <a:lstStyle/>
+          <a:p>
+            <a:r>
+              <a:rPr lang="en-US" b="1" dirty="0">
+                <a:solidFill>
+                  <a:srgbClr val="C00000"/>
+                </a:solidFill>
+              </a:rPr>
+              <a:t>Main Folder</a:t>
             </a:r>
           </a:p>
         </p:txBody>
       </p:sp>
       <p:pic>
         <p:nvPicPr>
-          <p:cNvPr id="1030" name="Picture 6">
-            <a:extLst>
-              <a:ext uri="{FF2B5EF4-FFF2-40B4-BE49-F238E27FC236}">
-                <a16:creationId xmlns:a16="http://schemas.microsoft.com/office/drawing/2014/main" id="{72CF55B7-E829-8EBF-F93F-649780E4A6D4}"/>
+          <p:cNvPr id="2050" name="Picture 2" descr="Cluster Data icon PNG and SVG Vector Free Download">
+            <a:extLst>
+              <a:ext uri="{FF2B5EF4-FFF2-40B4-BE49-F238E27FC236}">
+                <a16:creationId xmlns:a16="http://schemas.microsoft.com/office/drawing/2014/main" id="{F33A426C-DCC4-544E-F05C-9485284EC602}"/>
               </a:ext>
             </a:extLst>
           </p:cNvPr>
@@ -3515,7 +4708,7 @@
           <p:nvPr/>
         </p:nvPicPr>
         <p:blipFill>
-          <a:blip r:embed="rId2">
+          <a:blip r:embed="rId3">
             <a:extLst>
               <a:ext uri="{28A0092B-C50C-407E-A947-70E740481C1C}">
                 <a14:useLocalDpi xmlns:a14="http://schemas.microsoft.com/office/drawing/2010/main" val="0"/>
@@ -3529,8 +4722,8 @@
         </p:blipFill>
         <p:spPr bwMode="auto">
           <a:xfrm>
-            <a:off x="9625408" y="386854"/>
-            <a:ext cx="2149070" cy="2355145"/>
+            <a:off x="9889747" y="198415"/>
+            <a:ext cx="1865242" cy="1865242"/>
           </a:xfrm>
           <a:prstGeom prst="rect">
             <a:avLst/>
@@ -3547,115 +4740,96 @@
           </a:extLst>
         </p:spPr>
       </p:pic>
-      <p:sp>
-        <p:nvSpPr>
-          <p:cNvPr id="5" name="Rectangle: Rounded Corners 4">
-            <a:extLst>
-              <a:ext uri="{FF2B5EF4-FFF2-40B4-BE49-F238E27FC236}">
-                <a16:creationId xmlns:a16="http://schemas.microsoft.com/office/drawing/2014/main" id="{009C835C-B1DB-4272-8652-A8EA36C651E8}"/>
-              </a:ext>
-            </a:extLst>
-          </p:cNvPr>
-          <p:cNvSpPr/>
-          <p:nvPr/>
-        </p:nvSpPr>
-        <p:spPr>
-          <a:xfrm>
-            <a:off x="533400" y="1119188"/>
-            <a:ext cx="3228975" cy="1038225"/>
-          </a:xfrm>
-          <a:prstGeom prst="roundRect">
-            <a:avLst/>
-          </a:prstGeom>
-          <a:solidFill>
-            <a:schemeClr val="accent4">
-              <a:lumMod val="20000"/>
-              <a:lumOff val="80000"/>
-            </a:schemeClr>
-          </a:solidFill>
+      <p:cxnSp>
+        <p:nvCxnSpPr>
+          <p:cNvPr id="8" name="Connector: Elbow 7">
+            <a:extLst>
+              <a:ext uri="{FF2B5EF4-FFF2-40B4-BE49-F238E27FC236}">
+                <a16:creationId xmlns:a16="http://schemas.microsoft.com/office/drawing/2014/main" id="{E379032E-7329-7626-CD09-BAB04319E71A}"/>
+              </a:ext>
+            </a:extLst>
+          </p:cNvPr>
+          <p:cNvCxnSpPr>
+            <a:cxnSpLocks/>
+            <a:endCxn id="14" idx="1"/>
+          </p:cNvCxnSpPr>
+          <p:nvPr/>
+        </p:nvCxnSpPr>
+        <p:spPr>
+          <a:xfrm rot="16200000" flipH="1">
+            <a:off x="1259483" y="2285100"/>
+            <a:ext cx="2661928" cy="796538"/>
+          </a:xfrm>
+          <a:prstGeom prst="bentConnector2">
+            <a:avLst/>
+          </a:prstGeom>
+          <a:ln w="22225">
+            <a:solidFill>
+              <a:schemeClr val="tx1"/>
+            </a:solidFill>
+            <a:tailEnd type="triangle" w="lg" len="lg"/>
+          </a:ln>
         </p:spPr>
         <p:style>
-          <a:lnRef idx="2">
-            <a:schemeClr val="accent1">
-              <a:shade val="50000"/>
-            </a:schemeClr>
+          <a:lnRef idx="1">
+            <a:schemeClr val="accent1"/>
           </a:lnRef>
-          <a:fillRef idx="1">
+          <a:fillRef idx="0">
             <a:schemeClr val="accent1"/>
           </a:fillRef>
           <a:effectRef idx="0">
             <a:schemeClr val="accent1"/>
           </a:effectRef>
           <a:fontRef idx="minor">
-            <a:schemeClr val="lt1"/>
+            <a:schemeClr val="tx1"/>
           </a:fontRef>
         </p:style>
-        <p:txBody>
-          <a:bodyPr rtlCol="0" anchor="ctr"/>
-          <a:lstStyle/>
-          <a:p>
-            <a:pPr algn="ctr"/>
-            <a:endParaRPr lang="en-US"/>
-          </a:p>
-        </p:txBody>
-      </p:sp>
-      <p:sp>
-        <p:nvSpPr>
-          <p:cNvPr id="6" name="Oval 5">
-            <a:extLst>
-              <a:ext uri="{FF2B5EF4-FFF2-40B4-BE49-F238E27FC236}">
-                <a16:creationId xmlns:a16="http://schemas.microsoft.com/office/drawing/2014/main" id="{71199540-7127-5928-8AC6-FC55790C3C16}"/>
-              </a:ext>
-            </a:extLst>
-          </p:cNvPr>
-          <p:cNvSpPr>
-            <a:spLocks noChangeAspect="1"/>
-          </p:cNvSpPr>
-          <p:nvPr/>
-        </p:nvSpPr>
-        <p:spPr>
-          <a:xfrm>
-            <a:off x="300810" y="949324"/>
-            <a:ext cx="640080" cy="640080"/>
-          </a:xfrm>
-          <a:prstGeom prst="ellipse">
-            <a:avLst/>
-          </a:prstGeom>
-        </p:spPr>
-        <p:style>
-          <a:lnRef idx="2">
-            <a:schemeClr val="dk1">
-              <a:shade val="50000"/>
-            </a:schemeClr>
-          </a:lnRef>
-          <a:fillRef idx="1">
-            <a:schemeClr val="dk1"/>
-          </a:fillRef>
-          <a:effectRef idx="0">
-            <a:schemeClr val="dk1"/>
-          </a:effectRef>
-          <a:fontRef idx="minor">
-            <a:schemeClr val="lt1"/>
-          </a:fontRef>
-        </p:style>
-        <p:txBody>
-          <a:bodyPr rtlCol="0" anchor="ctr"/>
-          <a:lstStyle/>
-          <a:p>
-            <a:pPr algn="ctr"/>
-            <a:r>
-              <a:rPr lang="en-US" sz="2800" b="1" dirty="0"/>
-              <a:t>1</a:t>
-            </a:r>
-          </a:p>
-        </p:txBody>
-      </p:sp>
-      <p:sp>
-        <p:nvSpPr>
-          <p:cNvPr id="7" name="TextBox 6">
-            <a:extLst>
-              <a:ext uri="{FF2B5EF4-FFF2-40B4-BE49-F238E27FC236}">
-                <a16:creationId xmlns:a16="http://schemas.microsoft.com/office/drawing/2014/main" id="{20EC4FDA-0FF6-92EB-3167-D14586C6E1A2}"/>
+      </p:cxnSp>
+      <p:pic>
+        <p:nvPicPr>
+          <p:cNvPr id="5" name="Graphic 4" descr="Open folder with solid fill">
+            <a:extLst>
+              <a:ext uri="{FF2B5EF4-FFF2-40B4-BE49-F238E27FC236}">
+                <a16:creationId xmlns:a16="http://schemas.microsoft.com/office/drawing/2014/main" id="{BB3F24D6-F1AD-7F51-6AFD-B2A0A1CE0E93}"/>
+              </a:ext>
+            </a:extLst>
+          </p:cNvPr>
+          <p:cNvPicPr>
+            <a:picLocks noChangeAspect="1"/>
+          </p:cNvPicPr>
+          <p:nvPr/>
+        </p:nvPicPr>
+        <p:blipFill>
+          <a:blip r:embed="rId4">
+            <a:extLst>
+              <a:ext uri="{28A0092B-C50C-407E-A947-70E740481C1C}">
+                <a14:useLocalDpi xmlns:a14="http://schemas.microsoft.com/office/drawing/2010/main" val="0"/>
+              </a:ext>
+              <a:ext uri="{96DAC541-7B7A-43D3-8B79-37D633B846F1}">
+                <asvg:svgBlip xmlns:asvg="http://schemas.microsoft.com/office/drawing/2016/SVG/main" r:embed="rId5"/>
+              </a:ext>
+            </a:extLst>
+          </a:blip>
+          <a:stretch>
+            <a:fillRect/>
+          </a:stretch>
+        </p:blipFill>
+        <p:spPr>
+          <a:xfrm>
+            <a:off x="1321508" y="763525"/>
+            <a:ext cx="524086" cy="524086"/>
+          </a:xfrm>
+          <a:prstGeom prst="rect">
+            <a:avLst/>
+          </a:prstGeom>
+        </p:spPr>
+      </p:pic>
+      <p:sp>
+        <p:nvSpPr>
+          <p:cNvPr id="11" name="TextBox 10">
+            <a:extLst>
+              <a:ext uri="{FF2B5EF4-FFF2-40B4-BE49-F238E27FC236}">
+                <a16:creationId xmlns:a16="http://schemas.microsoft.com/office/drawing/2014/main" id="{0E98FB17-B71D-C562-1A46-DE3C355B5D10}"/>
               </a:ext>
             </a:extLst>
           </p:cNvPr>
@@ -3664,8 +4838,8 @@
         </p:nvSpPr>
         <p:spPr>
           <a:xfrm>
-            <a:off x="1595847" y="1225010"/>
-            <a:ext cx="1093569" cy="369332"/>
+            <a:off x="1845594" y="848474"/>
+            <a:ext cx="1209815" cy="369332"/>
           </a:xfrm>
           <a:prstGeom prst="rect">
             <a:avLst/>
@@ -3673,807 +4847,458 @@
           <a:noFill/>
         </p:spPr>
         <p:txBody>
-          <a:bodyPr wrap="none" rtlCol="0">
+          <a:bodyPr wrap="square">
             <a:spAutoFit/>
           </a:bodyPr>
           <a:lstStyle/>
           <a:p>
-            <a:pPr algn="ctr"/>
-            <a:r>
-              <a:rPr lang="en-US" b="1" dirty="0">
-                <a:latin typeface="Comic Sans MS" panose="030F0702030302020204" pitchFamily="66" charset="0"/>
-              </a:rPr>
-              <a:t>Clone or</a:t>
-            </a:r>
-          </a:p>
-        </p:txBody>
-      </p:sp>
-      <p:sp>
-        <p:nvSpPr>
-          <p:cNvPr id="8" name="Rectangle: Rounded Corners 7">
-            <a:extLst>
-              <a:ext uri="{FF2B5EF4-FFF2-40B4-BE49-F238E27FC236}">
-                <a16:creationId xmlns:a16="http://schemas.microsoft.com/office/drawing/2014/main" id="{407B3577-3A67-E6CB-5ECB-8F6CCD7D0DB1}"/>
-              </a:ext>
-            </a:extLst>
-          </p:cNvPr>
-          <p:cNvSpPr/>
-          <p:nvPr/>
-        </p:nvSpPr>
-        <p:spPr>
-          <a:xfrm>
-            <a:off x="4417332" y="1442352"/>
-            <a:ext cx="3228975" cy="1038225"/>
-          </a:xfrm>
-          <a:prstGeom prst="roundRect">
-            <a:avLst/>
-          </a:prstGeom>
-          <a:solidFill>
-            <a:schemeClr val="accent6">
-              <a:lumMod val="20000"/>
-              <a:lumOff val="80000"/>
-            </a:schemeClr>
-          </a:solidFill>
+            <a:r>
+              <a:rPr lang="en-US" sz="1800" b="1" dirty="0" err="1"/>
+              <a:t>rtemplate</a:t>
+            </a:r>
+            <a:endParaRPr lang="en-US" dirty="0"/>
+          </a:p>
+        </p:txBody>
+      </p:sp>
+      <p:pic>
+        <p:nvPicPr>
+          <p:cNvPr id="25" name="Picture 24">
+            <a:extLst>
+              <a:ext uri="{FF2B5EF4-FFF2-40B4-BE49-F238E27FC236}">
+                <a16:creationId xmlns:a16="http://schemas.microsoft.com/office/drawing/2014/main" id="{4266E5A2-D827-8CB6-BB2D-3E6AF90195E8}"/>
+              </a:ext>
+            </a:extLst>
+          </p:cNvPr>
+          <p:cNvPicPr>
+            <a:picLocks noChangeAspect="1"/>
+          </p:cNvPicPr>
+          <p:nvPr/>
+        </p:nvPicPr>
+        <p:blipFill>
+          <a:blip r:embed="rId6"/>
+          <a:stretch>
+            <a:fillRect/>
+          </a:stretch>
+        </p:blipFill>
+        <p:spPr>
+          <a:xfrm>
+            <a:off x="4610669" y="1549501"/>
+            <a:ext cx="981075" cy="276225"/>
+          </a:xfrm>
+          <a:prstGeom prst="rect">
+            <a:avLst/>
+          </a:prstGeom>
+          <a:ln>
+            <a:solidFill>
+              <a:schemeClr val="tx1"/>
+            </a:solidFill>
+          </a:ln>
+        </p:spPr>
+      </p:pic>
+      <p:cxnSp>
+        <p:nvCxnSpPr>
+          <p:cNvPr id="29" name="Straight Arrow Connector 28">
+            <a:extLst>
+              <a:ext uri="{FF2B5EF4-FFF2-40B4-BE49-F238E27FC236}">
+                <a16:creationId xmlns:a16="http://schemas.microsoft.com/office/drawing/2014/main" id="{9EB92447-B11F-2625-9B32-2A5A9361131F}"/>
+              </a:ext>
+            </a:extLst>
+          </p:cNvPr>
+          <p:cNvCxnSpPr>
+            <a:cxnSpLocks/>
+            <a:endCxn id="25" idx="1"/>
+          </p:cNvCxnSpPr>
+          <p:nvPr/>
+        </p:nvCxnSpPr>
+        <p:spPr>
+          <a:xfrm>
+            <a:off x="3643605" y="1687614"/>
+            <a:ext cx="967064" cy="0"/>
+          </a:xfrm>
+          <a:prstGeom prst="straightConnector1">
+            <a:avLst/>
+          </a:prstGeom>
+          <a:ln w="22225">
+            <a:solidFill>
+              <a:schemeClr val="tx1"/>
+            </a:solidFill>
+            <a:tailEnd type="triangle" w="lg" len="lg"/>
+          </a:ln>
         </p:spPr>
         <p:style>
-          <a:lnRef idx="2">
-            <a:schemeClr val="accent1">
-              <a:shade val="50000"/>
-            </a:schemeClr>
+          <a:lnRef idx="1">
+            <a:schemeClr val="accent1"/>
           </a:lnRef>
-          <a:fillRef idx="1">
+          <a:fillRef idx="0">
             <a:schemeClr val="accent1"/>
           </a:fillRef>
           <a:effectRef idx="0">
             <a:schemeClr val="accent1"/>
           </a:effectRef>
           <a:fontRef idx="minor">
-            <a:schemeClr val="lt1"/>
+            <a:schemeClr val="tx1"/>
           </a:fontRef>
         </p:style>
-        <p:txBody>
-          <a:bodyPr rtlCol="0" anchor="ctr"/>
-          <a:lstStyle/>
-          <a:p>
-            <a:pPr algn="ctr"/>
-            <a:endParaRPr lang="en-US"/>
-          </a:p>
-        </p:txBody>
-      </p:sp>
-      <p:sp>
-        <p:nvSpPr>
-          <p:cNvPr id="9" name="Oval 8">
-            <a:extLst>
-              <a:ext uri="{FF2B5EF4-FFF2-40B4-BE49-F238E27FC236}">
-                <a16:creationId xmlns:a16="http://schemas.microsoft.com/office/drawing/2014/main" id="{1B229EA4-3546-7C8B-DDD4-07CFBAD2602F}"/>
-              </a:ext>
-            </a:extLst>
-          </p:cNvPr>
-          <p:cNvSpPr>
-            <a:spLocks noChangeAspect="1"/>
-          </p:cNvSpPr>
-          <p:nvPr/>
-        </p:nvSpPr>
-        <p:spPr>
-          <a:xfrm>
-            <a:off x="4184742" y="1272488"/>
-            <a:ext cx="640080" cy="640080"/>
-          </a:xfrm>
-          <a:prstGeom prst="ellipse">
-            <a:avLst/>
-          </a:prstGeom>
+      </p:cxnSp>
+      <p:pic>
+        <p:nvPicPr>
+          <p:cNvPr id="41" name="Picture 40">
+            <a:extLst>
+              <a:ext uri="{FF2B5EF4-FFF2-40B4-BE49-F238E27FC236}">
+                <a16:creationId xmlns:a16="http://schemas.microsoft.com/office/drawing/2014/main" id="{FEAE315E-D16A-6584-DF2F-2551C0FA9846}"/>
+              </a:ext>
+            </a:extLst>
+          </p:cNvPr>
+          <p:cNvPicPr>
+            <a:picLocks noChangeAspect="1"/>
+          </p:cNvPicPr>
+          <p:nvPr/>
+        </p:nvPicPr>
+        <p:blipFill>
+          <a:blip r:embed="rId7"/>
+          <a:stretch>
+            <a:fillRect/>
+          </a:stretch>
+        </p:blipFill>
+        <p:spPr>
+          <a:xfrm>
+            <a:off x="6463658" y="1253608"/>
+            <a:ext cx="1127292" cy="881491"/>
+          </a:xfrm>
+          <a:prstGeom prst="rect">
+            <a:avLst/>
+          </a:prstGeom>
+          <a:ln>
+            <a:solidFill>
+              <a:schemeClr val="tx1"/>
+            </a:solidFill>
+          </a:ln>
+        </p:spPr>
+      </p:pic>
+      <p:pic>
+        <p:nvPicPr>
+          <p:cNvPr id="46" name="Picture 45">
+            <a:extLst>
+              <a:ext uri="{FF2B5EF4-FFF2-40B4-BE49-F238E27FC236}">
+                <a16:creationId xmlns:a16="http://schemas.microsoft.com/office/drawing/2014/main" id="{BA2D911E-4EFC-5594-7BDD-88898AC87865}"/>
+              </a:ext>
+            </a:extLst>
+          </p:cNvPr>
+          <p:cNvPicPr>
+            <a:picLocks noChangeAspect="1"/>
+          </p:cNvPicPr>
+          <p:nvPr/>
+        </p:nvPicPr>
+        <p:blipFill>
+          <a:blip r:embed="rId8"/>
+          <a:stretch>
+            <a:fillRect/>
+          </a:stretch>
+        </p:blipFill>
+        <p:spPr>
+          <a:xfrm>
+            <a:off x="7334586" y="5532117"/>
+            <a:ext cx="1114425" cy="647700"/>
+          </a:xfrm>
+          <a:prstGeom prst="rect">
+            <a:avLst/>
+          </a:prstGeom>
+          <a:ln>
+            <a:solidFill>
+              <a:schemeClr val="tx1"/>
+            </a:solidFill>
+          </a:ln>
+        </p:spPr>
+      </p:pic>
+      <p:cxnSp>
+        <p:nvCxnSpPr>
+          <p:cNvPr id="48" name="Connector: Elbow 47">
+            <a:extLst>
+              <a:ext uri="{FF2B5EF4-FFF2-40B4-BE49-F238E27FC236}">
+                <a16:creationId xmlns:a16="http://schemas.microsoft.com/office/drawing/2014/main" id="{36AD0F1D-B535-4119-CFCC-F64E8FA4D3F9}"/>
+              </a:ext>
+            </a:extLst>
+          </p:cNvPr>
+          <p:cNvCxnSpPr>
+            <a:cxnSpLocks/>
+            <a:endCxn id="2058" idx="1"/>
+          </p:cNvCxnSpPr>
+          <p:nvPr/>
+        </p:nvCxnSpPr>
+        <p:spPr>
+          <a:xfrm>
+            <a:off x="3442997" y="1918833"/>
+            <a:ext cx="3348664" cy="1091467"/>
+          </a:xfrm>
+          <a:prstGeom prst="bentConnector3">
+            <a:avLst>
+              <a:gd name="adj1" fmla="val 50975"/>
+            </a:avLst>
+          </a:prstGeom>
+          <a:ln w="22225">
+            <a:solidFill>
+              <a:schemeClr val="tx1"/>
+            </a:solidFill>
+            <a:tailEnd type="triangle" w="lg" len="lg"/>
+          </a:ln>
         </p:spPr>
         <p:style>
-          <a:lnRef idx="2">
-            <a:schemeClr val="dk1">
-              <a:shade val="50000"/>
-            </a:schemeClr>
+          <a:lnRef idx="1">
+            <a:schemeClr val="accent1"/>
           </a:lnRef>
-          <a:fillRef idx="1">
-            <a:schemeClr val="dk1"/>
-          </a:fillRef>
-          <a:effectRef idx="0">
-            <a:schemeClr val="dk1"/>
-          </a:effectRef>
-          <a:fontRef idx="minor">
-            <a:schemeClr val="lt1"/>
-          </a:fontRef>
-        </p:style>
-        <p:txBody>
-          <a:bodyPr rtlCol="0" anchor="ctr"/>
-          <a:lstStyle/>
-          <a:p>
-            <a:pPr algn="ctr"/>
-            <a:r>
-              <a:rPr lang="en-US" sz="2800" b="1" dirty="0"/>
-              <a:t>2</a:t>
-            </a:r>
-          </a:p>
-        </p:txBody>
-      </p:sp>
-      <p:sp>
-        <p:nvSpPr>
-          <p:cNvPr id="10" name="TextBox 9">
-            <a:extLst>
-              <a:ext uri="{FF2B5EF4-FFF2-40B4-BE49-F238E27FC236}">
-                <a16:creationId xmlns:a16="http://schemas.microsoft.com/office/drawing/2014/main" id="{21CCAB8D-7653-3309-3AEE-0550A8B732D3}"/>
-              </a:ext>
-            </a:extLst>
-          </p:cNvPr>
-          <p:cNvSpPr txBox="1"/>
-          <p:nvPr/>
-        </p:nvSpPr>
-        <p:spPr>
-          <a:xfrm>
-            <a:off x="5127565" y="1638298"/>
-            <a:ext cx="2055371" cy="646331"/>
-          </a:xfrm>
-          <a:prstGeom prst="rect">
-            <a:avLst/>
-          </a:prstGeom>
-          <a:noFill/>
-        </p:spPr>
-        <p:txBody>
-          <a:bodyPr wrap="none" rtlCol="0">
-            <a:spAutoFit/>
-          </a:bodyPr>
-          <a:lstStyle/>
-          <a:p>
-            <a:pPr algn="ctr"/>
-            <a:r>
-              <a:rPr lang="en-US" b="1" dirty="0">
-                <a:latin typeface="Comic Sans MS" panose="030F0702030302020204" pitchFamily="66" charset="0"/>
-              </a:rPr>
-              <a:t>Update Package </a:t>
-            </a:r>
-          </a:p>
-          <a:p>
-            <a:pPr algn="ctr"/>
-            <a:r>
-              <a:rPr lang="en-US" b="1" dirty="0">
-                <a:latin typeface="Comic Sans MS" panose="030F0702030302020204" pitchFamily="66" charset="0"/>
-              </a:rPr>
-              <a:t>Information</a:t>
-            </a:r>
-          </a:p>
-        </p:txBody>
-      </p:sp>
-      <p:sp>
-        <p:nvSpPr>
-          <p:cNvPr id="11" name="Rectangle: Rounded Corners 10">
-            <a:extLst>
-              <a:ext uri="{FF2B5EF4-FFF2-40B4-BE49-F238E27FC236}">
-                <a16:creationId xmlns:a16="http://schemas.microsoft.com/office/drawing/2014/main" id="{1CBE7CF5-E709-7B19-8FE0-5B5370C774AD}"/>
-              </a:ext>
-            </a:extLst>
-          </p:cNvPr>
-          <p:cNvSpPr/>
-          <p:nvPr/>
-        </p:nvSpPr>
-        <p:spPr>
-          <a:xfrm>
-            <a:off x="2374840" y="2772273"/>
-            <a:ext cx="3228975" cy="1038225"/>
-          </a:xfrm>
-          <a:prstGeom prst="roundRect">
-            <a:avLst/>
-          </a:prstGeom>
-          <a:solidFill>
-            <a:schemeClr val="accent2">
-              <a:lumMod val="20000"/>
-              <a:lumOff val="80000"/>
-            </a:schemeClr>
-          </a:solidFill>
-        </p:spPr>
-        <p:style>
-          <a:lnRef idx="2">
-            <a:schemeClr val="accent1">
-              <a:shade val="50000"/>
-            </a:schemeClr>
-          </a:lnRef>
-          <a:fillRef idx="1">
+          <a:fillRef idx="0">
             <a:schemeClr val="accent1"/>
           </a:fillRef>
           <a:effectRef idx="0">
             <a:schemeClr val="accent1"/>
           </a:effectRef>
           <a:fontRef idx="minor">
-            <a:schemeClr val="lt1"/>
+            <a:schemeClr val="tx1"/>
           </a:fontRef>
         </p:style>
-        <p:txBody>
-          <a:bodyPr rtlCol="0" anchor="ctr"/>
-          <a:lstStyle/>
-          <a:p>
-            <a:pPr algn="ctr"/>
-            <a:endParaRPr lang="en-US"/>
-          </a:p>
-        </p:txBody>
-      </p:sp>
-      <p:sp>
-        <p:nvSpPr>
-          <p:cNvPr id="12" name="Oval 11">
-            <a:extLst>
-              <a:ext uri="{FF2B5EF4-FFF2-40B4-BE49-F238E27FC236}">
-                <a16:creationId xmlns:a16="http://schemas.microsoft.com/office/drawing/2014/main" id="{5BF7CC1F-2FC0-D70B-96F4-EE353BB9C1C9}"/>
-              </a:ext>
-            </a:extLst>
-          </p:cNvPr>
-          <p:cNvSpPr>
-            <a:spLocks noChangeAspect="1"/>
-          </p:cNvSpPr>
-          <p:nvPr/>
-        </p:nvSpPr>
-        <p:spPr>
-          <a:xfrm>
-            <a:off x="2142250" y="2602409"/>
-            <a:ext cx="640080" cy="640080"/>
-          </a:xfrm>
-          <a:prstGeom prst="ellipse">
-            <a:avLst/>
-          </a:prstGeom>
+      </p:cxnSp>
+      <p:cxnSp>
+        <p:nvCxnSpPr>
+          <p:cNvPr id="59" name="Connector: Elbow 58">
+            <a:extLst>
+              <a:ext uri="{FF2B5EF4-FFF2-40B4-BE49-F238E27FC236}">
+                <a16:creationId xmlns:a16="http://schemas.microsoft.com/office/drawing/2014/main" id="{18EEE1C1-1557-C939-80B9-713F666008DC}"/>
+              </a:ext>
+            </a:extLst>
+          </p:cNvPr>
+          <p:cNvCxnSpPr>
+            <a:cxnSpLocks/>
+            <a:endCxn id="2048" idx="1"/>
+          </p:cNvCxnSpPr>
+          <p:nvPr/>
+        </p:nvCxnSpPr>
+        <p:spPr>
+          <a:xfrm>
+            <a:off x="3542057" y="2855399"/>
+            <a:ext cx="2649360" cy="1666654"/>
+          </a:xfrm>
+          <a:prstGeom prst="bentConnector3">
+            <a:avLst/>
+          </a:prstGeom>
+          <a:ln w="22225">
+            <a:solidFill>
+              <a:schemeClr val="tx1"/>
+            </a:solidFill>
+            <a:tailEnd type="triangle" w="lg" len="lg"/>
+          </a:ln>
         </p:spPr>
         <p:style>
-          <a:lnRef idx="2">
-            <a:schemeClr val="dk1">
-              <a:shade val="50000"/>
-            </a:schemeClr>
+          <a:lnRef idx="1">
+            <a:schemeClr val="accent1"/>
           </a:lnRef>
-          <a:fillRef idx="1">
-            <a:schemeClr val="dk1"/>
-          </a:fillRef>
-          <a:effectRef idx="0">
-            <a:schemeClr val="dk1"/>
-          </a:effectRef>
-          <a:fontRef idx="minor">
-            <a:schemeClr val="lt1"/>
-          </a:fontRef>
-        </p:style>
-        <p:txBody>
-          <a:bodyPr rtlCol="0" anchor="ctr"/>
-          <a:lstStyle/>
-          <a:p>
-            <a:pPr algn="ctr"/>
-            <a:r>
-              <a:rPr lang="en-US" sz="2800" b="1" dirty="0"/>
-              <a:t>3</a:t>
-            </a:r>
-          </a:p>
-        </p:txBody>
-      </p:sp>
-      <p:sp>
-        <p:nvSpPr>
-          <p:cNvPr id="13" name="TextBox 12">
-            <a:extLst>
-              <a:ext uri="{FF2B5EF4-FFF2-40B4-BE49-F238E27FC236}">
-                <a16:creationId xmlns:a16="http://schemas.microsoft.com/office/drawing/2014/main" id="{C28EA312-B200-E4BC-3F90-1D197FB9830C}"/>
-              </a:ext>
-            </a:extLst>
-          </p:cNvPr>
-          <p:cNvSpPr txBox="1"/>
-          <p:nvPr/>
-        </p:nvSpPr>
-        <p:spPr>
-          <a:xfrm>
-            <a:off x="2961645" y="2968219"/>
-            <a:ext cx="2055370" cy="646331"/>
-          </a:xfrm>
-          <a:prstGeom prst="rect">
-            <a:avLst/>
-          </a:prstGeom>
-          <a:noFill/>
-        </p:spPr>
-        <p:txBody>
-          <a:bodyPr wrap="none" rtlCol="0">
-            <a:spAutoFit/>
-          </a:bodyPr>
-          <a:lstStyle/>
-          <a:p>
-            <a:pPr algn="ctr"/>
-            <a:r>
-              <a:rPr lang="en-US" b="1" dirty="0">
-                <a:latin typeface="Comic Sans MS" panose="030F0702030302020204" pitchFamily="66" charset="0"/>
-              </a:rPr>
-              <a:t>Update Package </a:t>
-            </a:r>
-          </a:p>
-          <a:p>
-            <a:pPr algn="ctr"/>
-            <a:r>
-              <a:rPr lang="en-US" b="1" dirty="0">
-                <a:latin typeface="Comic Sans MS" panose="030F0702030302020204" pitchFamily="66" charset="0"/>
-              </a:rPr>
-              <a:t>Modules</a:t>
-            </a:r>
-          </a:p>
-        </p:txBody>
-      </p:sp>
-      <p:sp>
-        <p:nvSpPr>
-          <p:cNvPr id="14" name="Rectangle: Rounded Corners 13">
-            <a:extLst>
-              <a:ext uri="{FF2B5EF4-FFF2-40B4-BE49-F238E27FC236}">
-                <a16:creationId xmlns:a16="http://schemas.microsoft.com/office/drawing/2014/main" id="{86B41E51-F89B-F273-DCE0-C1ABA79D637F}"/>
-              </a:ext>
-            </a:extLst>
-          </p:cNvPr>
-          <p:cNvSpPr/>
-          <p:nvPr/>
-        </p:nvSpPr>
-        <p:spPr>
-          <a:xfrm>
-            <a:off x="6328590" y="3095437"/>
-            <a:ext cx="3228975" cy="1038225"/>
-          </a:xfrm>
-          <a:prstGeom prst="roundRect">
-            <a:avLst/>
-          </a:prstGeom>
-          <a:solidFill>
-            <a:schemeClr val="accent5">
-              <a:lumMod val="20000"/>
-              <a:lumOff val="80000"/>
-            </a:schemeClr>
-          </a:solidFill>
-        </p:spPr>
-        <p:style>
-          <a:lnRef idx="2">
-            <a:schemeClr val="accent1">
-              <a:shade val="50000"/>
-            </a:schemeClr>
-          </a:lnRef>
-          <a:fillRef idx="1">
+          <a:fillRef idx="0">
             <a:schemeClr val="accent1"/>
           </a:fillRef>
           <a:effectRef idx="0">
             <a:schemeClr val="accent1"/>
           </a:effectRef>
           <a:fontRef idx="minor">
-            <a:schemeClr val="lt1"/>
+            <a:schemeClr val="tx1"/>
           </a:fontRef>
         </p:style>
-        <p:txBody>
-          <a:bodyPr rtlCol="0" anchor="ctr"/>
-          <a:lstStyle/>
-          <a:p>
-            <a:pPr algn="ctr"/>
-            <a:endParaRPr lang="en-US"/>
-          </a:p>
-        </p:txBody>
-      </p:sp>
-      <p:sp>
-        <p:nvSpPr>
-          <p:cNvPr id="15" name="Oval 14">
-            <a:extLst>
-              <a:ext uri="{FF2B5EF4-FFF2-40B4-BE49-F238E27FC236}">
-                <a16:creationId xmlns:a16="http://schemas.microsoft.com/office/drawing/2014/main" id="{C43C68F0-EC49-D9B7-83E5-D672D60898DE}"/>
-              </a:ext>
-            </a:extLst>
-          </p:cNvPr>
-          <p:cNvSpPr>
-            <a:spLocks noChangeAspect="1"/>
-          </p:cNvSpPr>
-          <p:nvPr/>
-        </p:nvSpPr>
-        <p:spPr>
-          <a:xfrm>
-            <a:off x="6096000" y="2925573"/>
-            <a:ext cx="640080" cy="640080"/>
-          </a:xfrm>
-          <a:prstGeom prst="ellipse">
-            <a:avLst/>
-          </a:prstGeom>
+      </p:cxnSp>
+      <p:pic>
+        <p:nvPicPr>
+          <p:cNvPr id="2048" name="Picture 2047">
+            <a:extLst>
+              <a:ext uri="{FF2B5EF4-FFF2-40B4-BE49-F238E27FC236}">
+                <a16:creationId xmlns:a16="http://schemas.microsoft.com/office/drawing/2014/main" id="{A2A1D684-947B-D3CB-AA6B-39E5EDEF8211}"/>
+              </a:ext>
+            </a:extLst>
+          </p:cNvPr>
+          <p:cNvPicPr>
+            <a:picLocks noChangeAspect="1"/>
+          </p:cNvPicPr>
+          <p:nvPr/>
+        </p:nvPicPr>
+        <p:blipFill>
+          <a:blip r:embed="rId9"/>
+          <a:stretch>
+            <a:fillRect/>
+          </a:stretch>
+        </p:blipFill>
+        <p:spPr>
+          <a:xfrm>
+            <a:off x="6191417" y="4217253"/>
+            <a:ext cx="895350" cy="609600"/>
+          </a:xfrm>
+          <a:prstGeom prst="rect">
+            <a:avLst/>
+          </a:prstGeom>
+          <a:ln>
+            <a:solidFill>
+              <a:schemeClr val="tx1"/>
+            </a:solidFill>
+          </a:ln>
+        </p:spPr>
+      </p:pic>
+      <p:pic>
+        <p:nvPicPr>
+          <p:cNvPr id="2051" name="Picture 2050">
+            <a:extLst>
+              <a:ext uri="{FF2B5EF4-FFF2-40B4-BE49-F238E27FC236}">
+                <a16:creationId xmlns:a16="http://schemas.microsoft.com/office/drawing/2014/main" id="{D6648E55-E4C3-560E-058F-E7C92EC996A4}"/>
+              </a:ext>
+            </a:extLst>
+          </p:cNvPr>
+          <p:cNvPicPr>
+            <a:picLocks noChangeAspect="1"/>
+          </p:cNvPicPr>
+          <p:nvPr/>
+        </p:nvPicPr>
+        <p:blipFill>
+          <a:blip r:embed="rId10"/>
+          <a:stretch>
+            <a:fillRect/>
+          </a:stretch>
+        </p:blipFill>
+        <p:spPr>
+          <a:xfrm>
+            <a:off x="7548466" y="4217253"/>
+            <a:ext cx="1238250" cy="266700"/>
+          </a:xfrm>
+          <a:prstGeom prst="rect">
+            <a:avLst/>
+          </a:prstGeom>
+          <a:ln>
+            <a:solidFill>
+              <a:schemeClr val="tx1"/>
+            </a:solidFill>
+          </a:ln>
+        </p:spPr>
+      </p:pic>
+      <p:cxnSp>
+        <p:nvCxnSpPr>
+          <p:cNvPr id="2052" name="Straight Arrow Connector 2051">
+            <a:extLst>
+              <a:ext uri="{FF2B5EF4-FFF2-40B4-BE49-F238E27FC236}">
+                <a16:creationId xmlns:a16="http://schemas.microsoft.com/office/drawing/2014/main" id="{E5A3531C-1D13-8369-E306-8E8DFA19812D}"/>
+              </a:ext>
+            </a:extLst>
+          </p:cNvPr>
+          <p:cNvCxnSpPr>
+            <a:cxnSpLocks/>
+          </p:cNvCxnSpPr>
+          <p:nvPr/>
+        </p:nvCxnSpPr>
+        <p:spPr>
+          <a:xfrm>
+            <a:off x="6968415" y="4348601"/>
+            <a:ext cx="580051" cy="2002"/>
+          </a:xfrm>
+          <a:prstGeom prst="straightConnector1">
+            <a:avLst/>
+          </a:prstGeom>
+          <a:ln w="22225">
+            <a:solidFill>
+              <a:schemeClr val="tx1"/>
+            </a:solidFill>
+            <a:tailEnd type="triangle" w="lg" len="lg"/>
+          </a:ln>
         </p:spPr>
         <p:style>
-          <a:lnRef idx="2">
-            <a:schemeClr val="dk1">
-              <a:shade val="50000"/>
-            </a:schemeClr>
+          <a:lnRef idx="1">
+            <a:schemeClr val="accent1"/>
           </a:lnRef>
-          <a:fillRef idx="1">
-            <a:schemeClr val="dk1"/>
-          </a:fillRef>
-          <a:effectRef idx="0">
-            <a:schemeClr val="dk1"/>
-          </a:effectRef>
-          <a:fontRef idx="minor">
-            <a:schemeClr val="lt1"/>
-          </a:fontRef>
-        </p:style>
-        <p:txBody>
-          <a:bodyPr rtlCol="0" anchor="ctr"/>
-          <a:lstStyle/>
-          <a:p>
-            <a:pPr algn="ctr"/>
-            <a:r>
-              <a:rPr lang="en-US" sz="2800" b="1" dirty="0"/>
-              <a:t>4</a:t>
-            </a:r>
-          </a:p>
-        </p:txBody>
-      </p:sp>
-      <p:sp>
-        <p:nvSpPr>
-          <p:cNvPr id="16" name="TextBox 15">
-            <a:extLst>
-              <a:ext uri="{FF2B5EF4-FFF2-40B4-BE49-F238E27FC236}">
-                <a16:creationId xmlns:a16="http://schemas.microsoft.com/office/drawing/2014/main" id="{E5848AE2-9B8F-C77D-C55F-2E00CB94C3C0}"/>
-              </a:ext>
-            </a:extLst>
-          </p:cNvPr>
-          <p:cNvSpPr txBox="1"/>
-          <p:nvPr/>
-        </p:nvSpPr>
-        <p:spPr>
-          <a:xfrm>
-            <a:off x="7452398" y="3291383"/>
-            <a:ext cx="981359" cy="646331"/>
-          </a:xfrm>
-          <a:prstGeom prst="rect">
-            <a:avLst/>
-          </a:prstGeom>
-          <a:noFill/>
-        </p:spPr>
-        <p:txBody>
-          <a:bodyPr wrap="none" rtlCol="0">
-            <a:spAutoFit/>
-          </a:bodyPr>
-          <a:lstStyle/>
-          <a:p>
-            <a:pPr algn="ctr"/>
-            <a:r>
-              <a:rPr lang="en-US" b="1" dirty="0">
-                <a:latin typeface="Comic Sans MS" panose="030F0702030302020204" pitchFamily="66" charset="0"/>
-              </a:rPr>
-              <a:t>Update</a:t>
-            </a:r>
-          </a:p>
-          <a:p>
-            <a:pPr algn="ctr"/>
-            <a:r>
-              <a:rPr lang="en-US" b="1" dirty="0">
-                <a:latin typeface="Comic Sans MS" panose="030F0702030302020204" pitchFamily="66" charset="0"/>
-              </a:rPr>
-              <a:t>Tests</a:t>
-            </a:r>
-          </a:p>
-        </p:txBody>
-      </p:sp>
-      <p:sp>
-        <p:nvSpPr>
-          <p:cNvPr id="17" name="Rectangle: Rounded Corners 16">
-            <a:extLst>
-              <a:ext uri="{FF2B5EF4-FFF2-40B4-BE49-F238E27FC236}">
-                <a16:creationId xmlns:a16="http://schemas.microsoft.com/office/drawing/2014/main" id="{64EB4011-A2D4-A71F-0329-6B8E132AEF8A}"/>
-              </a:ext>
-            </a:extLst>
-          </p:cNvPr>
-          <p:cNvSpPr/>
-          <p:nvPr/>
-        </p:nvSpPr>
-        <p:spPr>
-          <a:xfrm>
-            <a:off x="4227452" y="4595222"/>
-            <a:ext cx="3228975" cy="1038225"/>
-          </a:xfrm>
-          <a:prstGeom prst="roundRect">
-            <a:avLst/>
-          </a:prstGeom>
-          <a:solidFill>
-            <a:schemeClr val="bg1">
-              <a:lumMod val="95000"/>
-            </a:schemeClr>
-          </a:solidFill>
-        </p:spPr>
-        <p:style>
-          <a:lnRef idx="2">
-            <a:schemeClr val="accent1">
-              <a:shade val="50000"/>
-            </a:schemeClr>
-          </a:lnRef>
-          <a:fillRef idx="1">
+          <a:fillRef idx="0">
             <a:schemeClr val="accent1"/>
           </a:fillRef>
           <a:effectRef idx="0">
             <a:schemeClr val="accent1"/>
           </a:effectRef>
           <a:fontRef idx="minor">
-            <a:schemeClr val="lt1"/>
+            <a:schemeClr val="tx1"/>
           </a:fontRef>
         </p:style>
-        <p:txBody>
-          <a:bodyPr rtlCol="0" anchor="ctr"/>
-          <a:lstStyle/>
-          <a:p>
-            <a:pPr algn="ctr"/>
-            <a:endParaRPr lang="en-US"/>
-          </a:p>
-        </p:txBody>
-      </p:sp>
-      <p:sp>
-        <p:nvSpPr>
-          <p:cNvPr id="18" name="Oval 17">
-            <a:extLst>
-              <a:ext uri="{FF2B5EF4-FFF2-40B4-BE49-F238E27FC236}">
-                <a16:creationId xmlns:a16="http://schemas.microsoft.com/office/drawing/2014/main" id="{E87B37C1-AA74-F362-1598-3E37E4E7BD4C}"/>
-              </a:ext>
-            </a:extLst>
-          </p:cNvPr>
-          <p:cNvSpPr>
-            <a:spLocks noChangeAspect="1"/>
-          </p:cNvSpPr>
-          <p:nvPr/>
-        </p:nvSpPr>
-        <p:spPr>
-          <a:xfrm>
-            <a:off x="3994862" y="4425358"/>
-            <a:ext cx="640080" cy="640080"/>
-          </a:xfrm>
-          <a:prstGeom prst="ellipse">
-            <a:avLst/>
-          </a:prstGeom>
+      </p:cxnSp>
+      <p:pic>
+        <p:nvPicPr>
+          <p:cNvPr id="2058" name="Picture 2057">
+            <a:extLst>
+              <a:ext uri="{FF2B5EF4-FFF2-40B4-BE49-F238E27FC236}">
+                <a16:creationId xmlns:a16="http://schemas.microsoft.com/office/drawing/2014/main" id="{E9BDEACD-52BA-EC9D-9BB9-E78EF3F187BA}"/>
+              </a:ext>
+            </a:extLst>
+          </p:cNvPr>
+          <p:cNvPicPr>
+            <a:picLocks noChangeAspect="1"/>
+          </p:cNvPicPr>
+          <p:nvPr/>
+        </p:nvPicPr>
+        <p:blipFill>
+          <a:blip r:embed="rId11"/>
+          <a:stretch>
+            <a:fillRect/>
+          </a:stretch>
+        </p:blipFill>
+        <p:spPr>
+          <a:xfrm>
+            <a:off x="6791661" y="2700737"/>
+            <a:ext cx="1657350" cy="619125"/>
+          </a:xfrm>
+          <a:prstGeom prst="rect">
+            <a:avLst/>
+          </a:prstGeom>
+          <a:ln>
+            <a:solidFill>
+              <a:schemeClr val="tx1"/>
+            </a:solidFill>
+          </a:ln>
+        </p:spPr>
+      </p:pic>
+      <p:cxnSp>
+        <p:nvCxnSpPr>
+          <p:cNvPr id="2066" name="Straight Arrow Connector 2065">
+            <a:extLst>
+              <a:ext uri="{FF2B5EF4-FFF2-40B4-BE49-F238E27FC236}">
+                <a16:creationId xmlns:a16="http://schemas.microsoft.com/office/drawing/2014/main" id="{A93EC36E-5082-074F-7160-CB7F46E8F9B4}"/>
+              </a:ext>
+            </a:extLst>
+          </p:cNvPr>
+          <p:cNvCxnSpPr>
+            <a:cxnSpLocks/>
+          </p:cNvCxnSpPr>
+          <p:nvPr/>
+        </p:nvCxnSpPr>
+        <p:spPr>
+          <a:xfrm>
+            <a:off x="5502428" y="1695042"/>
+            <a:ext cx="967064" cy="0"/>
+          </a:xfrm>
+          <a:prstGeom prst="straightConnector1">
+            <a:avLst/>
+          </a:prstGeom>
+          <a:ln w="22225">
+            <a:solidFill>
+              <a:schemeClr val="tx1"/>
+            </a:solidFill>
+            <a:tailEnd type="triangle" w="lg" len="lg"/>
+          </a:ln>
         </p:spPr>
         <p:style>
-          <a:lnRef idx="2">
-            <a:schemeClr val="dk1">
-              <a:shade val="50000"/>
-            </a:schemeClr>
+          <a:lnRef idx="1">
+            <a:schemeClr val="accent1"/>
           </a:lnRef>
-          <a:fillRef idx="1">
-            <a:schemeClr val="dk1"/>
-          </a:fillRef>
-          <a:effectRef idx="0">
-            <a:schemeClr val="dk1"/>
-          </a:effectRef>
-          <a:fontRef idx="minor">
-            <a:schemeClr val="lt1"/>
-          </a:fontRef>
-        </p:style>
-        <p:txBody>
-          <a:bodyPr rtlCol="0" anchor="ctr"/>
-          <a:lstStyle/>
-          <a:p>
-            <a:pPr algn="ctr"/>
-            <a:r>
-              <a:rPr lang="en-US" sz="2800" b="1" dirty="0"/>
-              <a:t>5</a:t>
-            </a:r>
-          </a:p>
-        </p:txBody>
-      </p:sp>
-      <p:sp>
-        <p:nvSpPr>
-          <p:cNvPr id="19" name="TextBox 18">
-            <a:extLst>
-              <a:ext uri="{FF2B5EF4-FFF2-40B4-BE49-F238E27FC236}">
-                <a16:creationId xmlns:a16="http://schemas.microsoft.com/office/drawing/2014/main" id="{256F0A8B-1BF0-8574-EC76-98D5B23FF0C3}"/>
-              </a:ext>
-            </a:extLst>
-          </p:cNvPr>
-          <p:cNvSpPr txBox="1"/>
-          <p:nvPr/>
-        </p:nvSpPr>
-        <p:spPr>
-          <a:xfrm>
-            <a:off x="4863949" y="4791168"/>
-            <a:ext cx="1955984" cy="646331"/>
-          </a:xfrm>
-          <a:prstGeom prst="rect">
-            <a:avLst/>
-          </a:prstGeom>
-          <a:noFill/>
-        </p:spPr>
-        <p:txBody>
-          <a:bodyPr wrap="none" rtlCol="0">
-            <a:spAutoFit/>
-          </a:bodyPr>
-          <a:lstStyle/>
-          <a:p>
-            <a:pPr algn="ctr"/>
-            <a:r>
-              <a:rPr lang="en-US" b="1" dirty="0">
-                <a:latin typeface="Comic Sans MS" panose="030F0702030302020204" pitchFamily="66" charset="0"/>
-              </a:rPr>
-              <a:t>Update Package</a:t>
-            </a:r>
-          </a:p>
-          <a:p>
-            <a:pPr algn="ctr"/>
-            <a:r>
-              <a:rPr lang="en-US" b="1" dirty="0">
-                <a:latin typeface="Comic Sans MS" panose="030F0702030302020204" pitchFamily="66" charset="0"/>
-              </a:rPr>
-              <a:t>Documentation</a:t>
-            </a:r>
-          </a:p>
-        </p:txBody>
-      </p:sp>
-      <p:sp>
-        <p:nvSpPr>
-          <p:cNvPr id="20" name="Rectangle: Rounded Corners 19">
-            <a:extLst>
-              <a:ext uri="{FF2B5EF4-FFF2-40B4-BE49-F238E27FC236}">
-                <a16:creationId xmlns:a16="http://schemas.microsoft.com/office/drawing/2014/main" id="{FBDA9442-E322-4DBD-CEB3-088FA08090DD}"/>
-              </a:ext>
-            </a:extLst>
-          </p:cNvPr>
-          <p:cNvSpPr/>
-          <p:nvPr/>
-        </p:nvSpPr>
-        <p:spPr>
-          <a:xfrm>
-            <a:off x="8181202" y="4918386"/>
-            <a:ext cx="3228975" cy="1038225"/>
-          </a:xfrm>
-          <a:prstGeom prst="roundRect">
-            <a:avLst/>
-          </a:prstGeom>
-          <a:solidFill>
-            <a:srgbClr val="ECE3FD"/>
-          </a:solidFill>
-        </p:spPr>
-        <p:style>
-          <a:lnRef idx="2">
-            <a:schemeClr val="accent1">
-              <a:shade val="50000"/>
-            </a:schemeClr>
-          </a:lnRef>
-          <a:fillRef idx="1">
+          <a:fillRef idx="0">
             <a:schemeClr val="accent1"/>
           </a:fillRef>
           <a:effectRef idx="0">
             <a:schemeClr val="accent1"/>
           </a:effectRef>
           <a:fontRef idx="minor">
-            <a:schemeClr val="lt1"/>
+            <a:schemeClr val="tx1"/>
           </a:fontRef>
         </p:style>
-        <p:txBody>
-          <a:bodyPr rtlCol="0" anchor="ctr"/>
-          <a:lstStyle/>
-          <a:p>
-            <a:pPr algn="ctr"/>
-            <a:endParaRPr lang="en-US"/>
-          </a:p>
-        </p:txBody>
-      </p:sp>
-      <p:sp>
-        <p:nvSpPr>
-          <p:cNvPr id="21" name="Oval 20">
-            <a:extLst>
-              <a:ext uri="{FF2B5EF4-FFF2-40B4-BE49-F238E27FC236}">
-                <a16:creationId xmlns:a16="http://schemas.microsoft.com/office/drawing/2014/main" id="{41420F3C-0CDE-4860-146B-076DE5184749}"/>
-              </a:ext>
-            </a:extLst>
-          </p:cNvPr>
-          <p:cNvSpPr>
-            <a:spLocks noChangeAspect="1"/>
-          </p:cNvSpPr>
-          <p:nvPr/>
-        </p:nvSpPr>
-        <p:spPr>
-          <a:xfrm>
-            <a:off x="7948612" y="4748522"/>
-            <a:ext cx="640080" cy="640080"/>
-          </a:xfrm>
-          <a:prstGeom prst="ellipse">
-            <a:avLst/>
-          </a:prstGeom>
-        </p:spPr>
-        <p:style>
-          <a:lnRef idx="2">
-            <a:schemeClr val="dk1">
-              <a:shade val="50000"/>
-            </a:schemeClr>
-          </a:lnRef>
-          <a:fillRef idx="1">
-            <a:schemeClr val="dk1"/>
-          </a:fillRef>
-          <a:effectRef idx="0">
-            <a:schemeClr val="dk1"/>
-          </a:effectRef>
-          <a:fontRef idx="minor">
-            <a:schemeClr val="lt1"/>
-          </a:fontRef>
-        </p:style>
-        <p:txBody>
-          <a:bodyPr rtlCol="0" anchor="ctr"/>
-          <a:lstStyle/>
-          <a:p>
-            <a:pPr algn="ctr"/>
-            <a:r>
-              <a:rPr lang="en-US" sz="2800" b="1" dirty="0"/>
-              <a:t>6</a:t>
-            </a:r>
-          </a:p>
-        </p:txBody>
-      </p:sp>
-      <p:sp>
-        <p:nvSpPr>
-          <p:cNvPr id="22" name="TextBox 21">
-            <a:extLst>
-              <a:ext uri="{FF2B5EF4-FFF2-40B4-BE49-F238E27FC236}">
-                <a16:creationId xmlns:a16="http://schemas.microsoft.com/office/drawing/2014/main" id="{30FE8FB5-4910-D170-5413-B06A335E0F3B}"/>
-              </a:ext>
-            </a:extLst>
-          </p:cNvPr>
-          <p:cNvSpPr txBox="1"/>
-          <p:nvPr/>
-        </p:nvSpPr>
-        <p:spPr>
-          <a:xfrm>
-            <a:off x="8886627" y="5114332"/>
-            <a:ext cx="1818126" cy="646331"/>
-          </a:xfrm>
-          <a:prstGeom prst="rect">
-            <a:avLst/>
-          </a:prstGeom>
-          <a:noFill/>
-        </p:spPr>
-        <p:txBody>
-          <a:bodyPr wrap="none" rtlCol="0">
-            <a:spAutoFit/>
-          </a:bodyPr>
-          <a:lstStyle/>
-          <a:p>
-            <a:pPr algn="ctr"/>
-            <a:r>
-              <a:rPr lang="en-US" b="1" dirty="0">
-                <a:latin typeface="Comic Sans MS" panose="030F0702030302020204" pitchFamily="66" charset="0"/>
-              </a:rPr>
-              <a:t>Activate</a:t>
-            </a:r>
-          </a:p>
-          <a:p>
-            <a:pPr algn="ctr"/>
-            <a:r>
-              <a:rPr lang="en-US" b="1" dirty="0" err="1">
-                <a:latin typeface="Comic Sans MS" panose="030F0702030302020204" pitchFamily="66" charset="0"/>
-              </a:rPr>
-              <a:t>Github</a:t>
-            </a:r>
-            <a:r>
-              <a:rPr lang="en-US" b="1" dirty="0">
-                <a:latin typeface="Comic Sans MS" panose="030F0702030302020204" pitchFamily="66" charset="0"/>
-              </a:rPr>
-              <a:t> Actions</a:t>
-            </a:r>
-          </a:p>
-        </p:txBody>
-      </p:sp>
-      <p:pic>
-        <p:nvPicPr>
-          <p:cNvPr id="3" name="Picture 2">
-            <a:extLst>
-              <a:ext uri="{FF2B5EF4-FFF2-40B4-BE49-F238E27FC236}">
-                <a16:creationId xmlns:a16="http://schemas.microsoft.com/office/drawing/2014/main" id="{BB807DDC-368A-E20B-44A0-6D98A76579E4}"/>
-              </a:ext>
-            </a:extLst>
-          </p:cNvPr>
-          <p:cNvPicPr>
-            <a:picLocks noChangeAspect="1"/>
-          </p:cNvPicPr>
-          <p:nvPr/>
-        </p:nvPicPr>
-        <p:blipFill>
-          <a:blip r:embed="rId3"/>
-          <a:stretch>
-            <a:fillRect/>
-          </a:stretch>
-        </p:blipFill>
-        <p:spPr>
-          <a:xfrm>
-            <a:off x="1146149" y="1543766"/>
-            <a:ext cx="1992202" cy="474854"/>
-          </a:xfrm>
-          <a:prstGeom prst="rect">
-            <a:avLst/>
-          </a:prstGeom>
-        </p:spPr>
-      </p:pic>
+      </p:cxnSp>
     </p:spTree>
     <p:extLst>
       <p:ext uri="{BB962C8B-B14F-4D97-AF65-F5344CB8AC3E}">
-        <p14:creationId xmlns:p14="http://schemas.microsoft.com/office/powerpoint/2010/main" val="197192251"/>
+        <p14:creationId xmlns:p14="http://schemas.microsoft.com/office/powerpoint/2010/main" val="202654186"/>
       </p:ext>
     </p:extLst>
   </p:cSld>
@@ -4502,10 +5327,10 @@
       </p:grpSpPr>
       <p:pic>
         <p:nvPicPr>
-          <p:cNvPr id="9" name="Picture 8">
-            <a:extLst>
-              <a:ext uri="{FF2B5EF4-FFF2-40B4-BE49-F238E27FC236}">
-                <a16:creationId xmlns:a16="http://schemas.microsoft.com/office/drawing/2014/main" id="{01997C8E-262D-5217-77E7-52DB20BA3DB4}"/>
+          <p:cNvPr id="19" name="Picture 18">
+            <a:extLst>
+              <a:ext uri="{FF2B5EF4-FFF2-40B4-BE49-F238E27FC236}">
+                <a16:creationId xmlns:a16="http://schemas.microsoft.com/office/drawing/2014/main" id="{584C8C3A-3AA5-AC37-7498-4328AE30F510}"/>
               </a:ext>
             </a:extLst>
           </p:cNvPr>
@@ -4522,20 +5347,25 @@
         </p:blipFill>
         <p:spPr>
           <a:xfrm>
-            <a:off x="563473" y="976593"/>
-            <a:ext cx="2212384" cy="553096"/>
+            <a:off x="6120713" y="2425147"/>
+            <a:ext cx="5092027" cy="2294210"/>
           </a:xfrm>
           <a:prstGeom prst="rect">
             <a:avLst/>
           </a:prstGeom>
+          <a:ln>
+            <a:solidFill>
+              <a:schemeClr val="tx1"/>
+            </a:solidFill>
+          </a:ln>
         </p:spPr>
       </p:pic>
       <p:pic>
         <p:nvPicPr>
-          <p:cNvPr id="13" name="Picture 12">
-            <a:extLst>
-              <a:ext uri="{FF2B5EF4-FFF2-40B4-BE49-F238E27FC236}">
-                <a16:creationId xmlns:a16="http://schemas.microsoft.com/office/drawing/2014/main" id="{A4E82D51-4B81-C78D-B392-2653A1556CE5}"/>
+          <p:cNvPr id="8" name="Picture 7">
+            <a:extLst>
+              <a:ext uri="{FF2B5EF4-FFF2-40B4-BE49-F238E27FC236}">
+                <a16:creationId xmlns:a16="http://schemas.microsoft.com/office/drawing/2014/main" id="{7DC9F075-8D53-F8C3-65EB-30A34771CDAF}"/>
               </a:ext>
             </a:extLst>
           </p:cNvPr>
@@ -4552,8 +5382,8 @@
         </p:blipFill>
         <p:spPr>
           <a:xfrm>
-            <a:off x="2455682" y="2149456"/>
-            <a:ext cx="1490432" cy="4084320"/>
+            <a:off x="665312" y="1895622"/>
+            <a:ext cx="5076031" cy="2369086"/>
           </a:xfrm>
           <a:prstGeom prst="rect">
             <a:avLst/>
@@ -4567,10 +5397,10 @@
       </p:pic>
       <p:pic>
         <p:nvPicPr>
-          <p:cNvPr id="15" name="Picture 14">
-            <a:extLst>
-              <a:ext uri="{FF2B5EF4-FFF2-40B4-BE49-F238E27FC236}">
-                <a16:creationId xmlns:a16="http://schemas.microsoft.com/office/drawing/2014/main" id="{5349D6C5-3F09-5BEC-8C76-BB0F6526446D}"/>
+          <p:cNvPr id="32" name="Picture 31">
+            <a:extLst>
+              <a:ext uri="{FF2B5EF4-FFF2-40B4-BE49-F238E27FC236}">
+                <a16:creationId xmlns:a16="http://schemas.microsoft.com/office/drawing/2014/main" id="{9EF5730C-70EB-08AB-2D3E-1255531F9D79}"/>
               </a:ext>
             </a:extLst>
           </p:cNvPr>
@@ -4587,124 +5417,14 @@
         </p:blipFill>
         <p:spPr>
           <a:xfrm>
-            <a:off x="4721078" y="1253141"/>
-            <a:ext cx="1384725" cy="1532238"/>
+            <a:off x="3747587" y="3886779"/>
+            <a:ext cx="5055998" cy="2673125"/>
           </a:xfrm>
           <a:prstGeom prst="rect">
             <a:avLst/>
           </a:prstGeom>
-          <a:ln>
-            <a:solidFill>
-              <a:schemeClr val="tx1"/>
-            </a:solidFill>
-          </a:ln>
         </p:spPr>
       </p:pic>
-      <p:pic>
-        <p:nvPicPr>
-          <p:cNvPr id="17" name="Picture 16">
-            <a:extLst>
-              <a:ext uri="{FF2B5EF4-FFF2-40B4-BE49-F238E27FC236}">
-                <a16:creationId xmlns:a16="http://schemas.microsoft.com/office/drawing/2014/main" id="{D33D2DC0-99AD-EA0F-F9A8-B207B3621CBF}"/>
-              </a:ext>
-            </a:extLst>
-          </p:cNvPr>
-          <p:cNvPicPr>
-            <a:picLocks noChangeAspect="1"/>
-          </p:cNvPicPr>
-          <p:nvPr/>
-        </p:nvPicPr>
-        <p:blipFill>
-          <a:blip r:embed="rId5"/>
-          <a:stretch>
-            <a:fillRect/>
-          </a:stretch>
-        </p:blipFill>
-        <p:spPr>
-          <a:xfrm>
-            <a:off x="4840658" y="3333015"/>
-            <a:ext cx="1196564" cy="1432251"/>
-          </a:xfrm>
-          <a:prstGeom prst="rect">
-            <a:avLst/>
-          </a:prstGeom>
-          <a:ln>
-            <a:solidFill>
-              <a:schemeClr val="tx1"/>
-            </a:solidFill>
-          </a:ln>
-        </p:spPr>
-      </p:pic>
-      <p:pic>
-        <p:nvPicPr>
-          <p:cNvPr id="19" name="Picture 18">
-            <a:extLst>
-              <a:ext uri="{FF2B5EF4-FFF2-40B4-BE49-F238E27FC236}">
-                <a16:creationId xmlns:a16="http://schemas.microsoft.com/office/drawing/2014/main" id="{20571CE5-F873-D6A8-867D-EA40A5DB2DF5}"/>
-              </a:ext>
-            </a:extLst>
-          </p:cNvPr>
-          <p:cNvPicPr>
-            <a:picLocks noChangeAspect="1"/>
-          </p:cNvPicPr>
-          <p:nvPr/>
-        </p:nvPicPr>
-        <p:blipFill>
-          <a:blip r:embed="rId6"/>
-          <a:stretch>
-            <a:fillRect/>
-          </a:stretch>
-        </p:blipFill>
-        <p:spPr>
-          <a:xfrm>
-            <a:off x="6574930" y="2627663"/>
-            <a:ext cx="1543206" cy="2842954"/>
-          </a:xfrm>
-          <a:prstGeom prst="rect">
-            <a:avLst/>
-          </a:prstGeom>
-          <a:ln>
-            <a:solidFill>
-              <a:schemeClr val="tx1"/>
-            </a:solidFill>
-          </a:ln>
-        </p:spPr>
-      </p:pic>
-      <p:pic>
-        <p:nvPicPr>
-          <p:cNvPr id="21" name="Picture 20">
-            <a:extLst>
-              <a:ext uri="{FF2B5EF4-FFF2-40B4-BE49-F238E27FC236}">
-                <a16:creationId xmlns:a16="http://schemas.microsoft.com/office/drawing/2014/main" id="{325A3AF8-2FB0-2E13-3DDE-F5011BC18E97}"/>
-              </a:ext>
-            </a:extLst>
-          </p:cNvPr>
-          <p:cNvPicPr>
-            <a:picLocks noChangeAspect="1"/>
-          </p:cNvPicPr>
-          <p:nvPr/>
-        </p:nvPicPr>
-        <p:blipFill>
-          <a:blip r:embed="rId7"/>
-          <a:stretch>
-            <a:fillRect/>
-          </a:stretch>
-        </p:blipFill>
-        <p:spPr>
-          <a:xfrm>
-            <a:off x="8655844" y="2915354"/>
-            <a:ext cx="1395463" cy="3679636"/>
-          </a:xfrm>
-          <a:prstGeom prst="rect">
-            <a:avLst/>
-          </a:prstGeom>
-          <a:ln>
-            <a:solidFill>
-              <a:schemeClr val="tx1"/>
-            </a:solidFill>
-          </a:ln>
-        </p:spPr>
-      </p:pic>
       <p:sp>
         <p:nvSpPr>
           <p:cNvPr id="22" name="TextBox 21">
@@ -4719,8 +5439,8 @@
         </p:nvSpPr>
         <p:spPr>
           <a:xfrm>
-            <a:off x="3071422" y="42660"/>
-            <a:ext cx="6049156" cy="461665"/>
+            <a:off x="2816020" y="10558"/>
+            <a:ext cx="6741013" cy="461665"/>
           </a:xfrm>
           <a:prstGeom prst="rect">
             <a:avLst/>
@@ -4735,41 +5455,287 @@
           <a:p>
             <a:r>
               <a:rPr lang="en-US" sz="2400" b="1" dirty="0" err="1"/>
-              <a:t>Pytemplate</a:t>
+              <a:t>rtemplate</a:t>
             </a:r>
             <a:r>
               <a:rPr lang="en-US" sz="2400" b="1" dirty="0"/>
-              <a:t> – Key Package Folders &amp; Structure</a:t>
+              <a:t> – Activate your documentation Webpage</a:t>
+            </a:r>
+          </a:p>
+        </p:txBody>
+      </p:sp>
+      <p:sp>
+        <p:nvSpPr>
+          <p:cNvPr id="11" name="Oval 10">
+            <a:extLst>
+              <a:ext uri="{FF2B5EF4-FFF2-40B4-BE49-F238E27FC236}">
+                <a16:creationId xmlns:a16="http://schemas.microsoft.com/office/drawing/2014/main" id="{63FE65BB-F999-4E36-5F48-8DCA86FBE31A}"/>
+              </a:ext>
+            </a:extLst>
+          </p:cNvPr>
+          <p:cNvSpPr/>
+          <p:nvPr/>
+        </p:nvSpPr>
+        <p:spPr>
+          <a:xfrm>
+            <a:off x="495350" y="1066155"/>
+            <a:ext cx="492330" cy="457200"/>
+          </a:xfrm>
+          <a:prstGeom prst="ellipse">
+            <a:avLst/>
+          </a:prstGeom>
+        </p:spPr>
+        <p:style>
+          <a:lnRef idx="2">
+            <a:schemeClr val="dk1">
+              <a:shade val="50000"/>
+            </a:schemeClr>
+          </a:lnRef>
+          <a:fillRef idx="1">
+            <a:schemeClr val="dk1"/>
+          </a:fillRef>
+          <a:effectRef idx="0">
+            <a:schemeClr val="dk1"/>
+          </a:effectRef>
+          <a:fontRef idx="minor">
+            <a:schemeClr val="lt1"/>
+          </a:fontRef>
+        </p:style>
+        <p:txBody>
+          <a:bodyPr rtlCol="0" anchor="ctr"/>
+          <a:lstStyle/>
+          <a:p>
+            <a:pPr algn="ctr"/>
+            <a:r>
+              <a:rPr lang="en-US" b="1" dirty="0"/>
+              <a:t>1</a:t>
             </a:r>
           </a:p>
         </p:txBody>
       </p:sp>
       <p:cxnSp>
         <p:nvCxnSpPr>
-          <p:cNvPr id="30" name="Connector: Elbow 29">
-            <a:extLst>
-              <a:ext uri="{FF2B5EF4-FFF2-40B4-BE49-F238E27FC236}">
-                <a16:creationId xmlns:a16="http://schemas.microsoft.com/office/drawing/2014/main" id="{47786A61-F7E6-B742-78C2-7CB3EC59A2ED}"/>
+          <p:cNvPr id="14" name="Straight Arrow Connector 13">
+            <a:extLst>
+              <a:ext uri="{FF2B5EF4-FFF2-40B4-BE49-F238E27FC236}">
+                <a16:creationId xmlns:a16="http://schemas.microsoft.com/office/drawing/2014/main" id="{2C9314CA-3728-8B5B-BDE9-BF463A6D2D3D}"/>
               </a:ext>
             </a:extLst>
           </p:cNvPr>
           <p:cNvCxnSpPr>
             <a:cxnSpLocks/>
-            <a:endCxn id="15" idx="1"/>
           </p:cNvCxnSpPr>
           <p:nvPr/>
         </p:nvCxnSpPr>
         <p:spPr>
-          <a:xfrm flipV="1">
-            <a:off x="3856886" y="2019260"/>
-            <a:ext cx="864192" cy="254922"/>
-          </a:xfrm>
-          <a:prstGeom prst="bentConnector3">
+          <a:xfrm flipH="1">
+            <a:off x="3650650" y="1820337"/>
+            <a:ext cx="125312" cy="462949"/>
+          </a:xfrm>
+          <a:prstGeom prst="straightConnector1">
             <a:avLst/>
           </a:prstGeom>
           <a:ln w="22225">
             <a:solidFill>
-              <a:schemeClr val="tx1"/>
+              <a:srgbClr val="C00000"/>
+            </a:solidFill>
+            <a:tailEnd type="triangle" w="lg" len="lg"/>
+          </a:ln>
+        </p:spPr>
+        <p:style>
+          <a:lnRef idx="1">
+            <a:schemeClr val="accent1"/>
+          </a:lnRef>
+          <a:fillRef idx="0">
+            <a:schemeClr val="accent1"/>
+          </a:fillRef>
+          <a:effectRef idx="0">
+            <a:schemeClr val="accent1"/>
+          </a:effectRef>
+          <a:fontRef idx="minor">
+            <a:schemeClr val="tx1"/>
+          </a:fontRef>
+        </p:style>
+      </p:cxnSp>
+      <p:sp>
+        <p:nvSpPr>
+          <p:cNvPr id="20" name="TextBox 19">
+            <a:extLst>
+              <a:ext uri="{FF2B5EF4-FFF2-40B4-BE49-F238E27FC236}">
+                <a16:creationId xmlns:a16="http://schemas.microsoft.com/office/drawing/2014/main" id="{FD843E75-A4E1-4548-8E82-C3FCAF2F8158}"/>
+              </a:ext>
+            </a:extLst>
+          </p:cNvPr>
+          <p:cNvSpPr txBox="1"/>
+          <p:nvPr/>
+        </p:nvSpPr>
+        <p:spPr>
+          <a:xfrm>
+            <a:off x="3138521" y="1544734"/>
+            <a:ext cx="1165575" cy="307777"/>
+          </a:xfrm>
+          <a:prstGeom prst="rect">
+            <a:avLst/>
+          </a:prstGeom>
+          <a:noFill/>
+        </p:spPr>
+        <p:txBody>
+          <a:bodyPr wrap="none" rtlCol="0">
+            <a:spAutoFit/>
+          </a:bodyPr>
+          <a:lstStyle/>
+          <a:p>
+            <a:r>
+              <a:rPr lang="en-US" sz="1400" b="1" dirty="0">
+                <a:solidFill>
+                  <a:srgbClr val="C00000"/>
+                </a:solidFill>
+              </a:rPr>
+              <a:t>Click Settings</a:t>
+            </a:r>
+          </a:p>
+        </p:txBody>
+      </p:sp>
+      <p:sp>
+        <p:nvSpPr>
+          <p:cNvPr id="23" name="TextBox 22">
+            <a:extLst>
+              <a:ext uri="{FF2B5EF4-FFF2-40B4-BE49-F238E27FC236}">
+                <a16:creationId xmlns:a16="http://schemas.microsoft.com/office/drawing/2014/main" id="{858A3856-07CC-8156-3B6B-24532C2143F7}"/>
+              </a:ext>
+            </a:extLst>
+          </p:cNvPr>
+          <p:cNvSpPr txBox="1"/>
+          <p:nvPr/>
+        </p:nvSpPr>
+        <p:spPr>
+          <a:xfrm>
+            <a:off x="1029974" y="1140866"/>
+            <a:ext cx="4147482" cy="307777"/>
+          </a:xfrm>
+          <a:prstGeom prst="rect">
+            <a:avLst/>
+          </a:prstGeom>
+          <a:noFill/>
+        </p:spPr>
+        <p:txBody>
+          <a:bodyPr wrap="none" rtlCol="0">
+            <a:spAutoFit/>
+          </a:bodyPr>
+          <a:lstStyle/>
+          <a:p>
+            <a:r>
+              <a:rPr lang="en-US" sz="1400" b="1" dirty="0">
+                <a:solidFill>
+                  <a:srgbClr val="C00000"/>
+                </a:solidFill>
+              </a:rPr>
+              <a:t>On your page </a:t>
+            </a:r>
+            <a:r>
+              <a:rPr lang="en-US" sz="1400" b="1" dirty="0">
+                <a:solidFill>
+                  <a:srgbClr val="C00000"/>
+                </a:solidFill>
+                <a:hlinkClick r:id="rId5"/>
+              </a:rPr>
+              <a:t>https://github.com/JGCRI/rtemplate/</a:t>
+            </a:r>
+            <a:r>
+              <a:rPr lang="en-US" sz="1400" b="1" dirty="0">
+                <a:solidFill>
+                  <a:srgbClr val="C00000"/>
+                </a:solidFill>
+              </a:rPr>
+              <a:t> </a:t>
+            </a:r>
+          </a:p>
+        </p:txBody>
+      </p:sp>
+      <p:sp>
+        <p:nvSpPr>
+          <p:cNvPr id="24" name="Oval 23">
+            <a:extLst>
+              <a:ext uri="{FF2B5EF4-FFF2-40B4-BE49-F238E27FC236}">
+                <a16:creationId xmlns:a16="http://schemas.microsoft.com/office/drawing/2014/main" id="{7621C61B-A44C-BC80-C38F-F0E2587A44EF}"/>
+              </a:ext>
+            </a:extLst>
+          </p:cNvPr>
+          <p:cNvSpPr>
+            <a:spLocks noChangeAspect="1"/>
+          </p:cNvSpPr>
+          <p:nvPr/>
+        </p:nvSpPr>
+        <p:spPr>
+          <a:xfrm>
+            <a:off x="2905595" y="1546017"/>
+            <a:ext cx="274320" cy="274320"/>
+          </a:xfrm>
+          <a:prstGeom prst="ellipse">
+            <a:avLst/>
+          </a:prstGeom>
+          <a:solidFill>
+            <a:srgbClr val="C00000"/>
+          </a:solidFill>
+        </p:spPr>
+        <p:style>
+          <a:lnRef idx="2">
+            <a:schemeClr val="dk1">
+              <a:shade val="50000"/>
+            </a:schemeClr>
+          </a:lnRef>
+          <a:fillRef idx="1">
+            <a:schemeClr val="dk1"/>
+          </a:fillRef>
+          <a:effectRef idx="0">
+            <a:schemeClr val="dk1"/>
+          </a:effectRef>
+          <a:fontRef idx="minor">
+            <a:schemeClr val="lt1"/>
+          </a:fontRef>
+        </p:style>
+        <p:txBody>
+          <a:bodyPr rtlCol="0" anchor="ctr"/>
+          <a:lstStyle/>
+          <a:p>
+            <a:pPr algn="ctr"/>
+            <a:r>
+              <a:rPr lang="en-US" sz="1200" b="1" dirty="0">
+                <a:solidFill>
+                  <a:schemeClr val="bg1"/>
+                </a:solidFill>
+              </a:rPr>
+              <a:t>a</a:t>
+            </a:r>
+          </a:p>
+        </p:txBody>
+      </p:sp>
+      <p:cxnSp>
+        <p:nvCxnSpPr>
+          <p:cNvPr id="25" name="Straight Arrow Connector 24">
+            <a:extLst>
+              <a:ext uri="{FF2B5EF4-FFF2-40B4-BE49-F238E27FC236}">
+                <a16:creationId xmlns:a16="http://schemas.microsoft.com/office/drawing/2014/main" id="{53A1E170-4794-A2D9-0B38-162E522E568E}"/>
+              </a:ext>
+            </a:extLst>
+          </p:cNvPr>
+          <p:cNvCxnSpPr>
+            <a:cxnSpLocks/>
+            <a:stCxn id="38" idx="0"/>
+          </p:cNvCxnSpPr>
+          <p:nvPr/>
+        </p:nvCxnSpPr>
+        <p:spPr>
+          <a:xfrm flipV="1">
+            <a:off x="1377309" y="3736910"/>
+            <a:ext cx="732385" cy="1308633"/>
+          </a:xfrm>
+          <a:prstGeom prst="straightConnector1">
+            <a:avLst/>
+          </a:prstGeom>
+          <a:ln w="22225">
+            <a:solidFill>
+              <a:srgbClr val="C00000"/>
             </a:solidFill>
             <a:tailEnd type="triangle" w="lg" len="lg"/>
           </a:ln>
@@ -4791,32 +5757,30 @@
       </p:cxnSp>
       <p:cxnSp>
         <p:nvCxnSpPr>
-          <p:cNvPr id="32" name="Connector: Elbow 31">
-            <a:extLst>
-              <a:ext uri="{FF2B5EF4-FFF2-40B4-BE49-F238E27FC236}">
-                <a16:creationId xmlns:a16="http://schemas.microsoft.com/office/drawing/2014/main" id="{5B020241-C00E-5659-1404-1D5277D05F50}"/>
+          <p:cNvPr id="29" name="Straight Arrow Connector 28">
+            <a:extLst>
+              <a:ext uri="{FF2B5EF4-FFF2-40B4-BE49-F238E27FC236}">
+                <a16:creationId xmlns:a16="http://schemas.microsoft.com/office/drawing/2014/main" id="{991E161E-6811-2AD8-A63D-48E0F0EB0577}"/>
               </a:ext>
             </a:extLst>
           </p:cNvPr>
           <p:cNvCxnSpPr>
             <a:cxnSpLocks/>
-            <a:endCxn id="17" idx="1"/>
+            <a:stCxn id="41" idx="0"/>
           </p:cNvCxnSpPr>
           <p:nvPr/>
         </p:nvCxnSpPr>
         <p:spPr>
-          <a:xfrm>
-            <a:off x="3200898" y="2627663"/>
-            <a:ext cx="1639760" cy="1421478"/>
-          </a:xfrm>
-          <a:prstGeom prst="bentConnector3">
-            <a:avLst>
-              <a:gd name="adj1" fmla="val 66729"/>
-            </a:avLst>
+          <a:xfrm flipV="1">
+            <a:off x="2065555" y="4184780"/>
+            <a:ext cx="236714" cy="1465943"/>
+          </a:xfrm>
+          <a:prstGeom prst="straightConnector1">
+            <a:avLst/>
           </a:prstGeom>
           <a:ln w="22225">
             <a:solidFill>
-              <a:schemeClr val="tx1"/>
+              <a:srgbClr val="C00000"/>
             </a:solidFill>
             <a:tailEnd type="triangle" w="lg" len="lg"/>
           </a:ln>
@@ -4838,31 +5802,30 @@
       </p:cxnSp>
       <p:cxnSp>
         <p:nvCxnSpPr>
-          <p:cNvPr id="36" name="Straight Arrow Connector 35">
-            <a:extLst>
-              <a:ext uri="{FF2B5EF4-FFF2-40B4-BE49-F238E27FC236}">
-                <a16:creationId xmlns:a16="http://schemas.microsoft.com/office/drawing/2014/main" id="{141F7D1C-6AC4-3326-0374-5A7EEA289423}"/>
+          <p:cNvPr id="33" name="Straight Arrow Connector 32">
+            <a:extLst>
+              <a:ext uri="{FF2B5EF4-FFF2-40B4-BE49-F238E27FC236}">
+                <a16:creationId xmlns:a16="http://schemas.microsoft.com/office/drawing/2014/main" id="{D13DF4F7-E25B-A09F-7D6D-88171BE49000}"/>
               </a:ext>
             </a:extLst>
           </p:cNvPr>
           <p:cNvCxnSpPr>
             <a:cxnSpLocks/>
-            <a:stCxn id="17" idx="3"/>
-            <a:endCxn id="19" idx="1"/>
+            <a:stCxn id="43" idx="0"/>
           </p:cNvCxnSpPr>
           <p:nvPr/>
         </p:nvCxnSpPr>
         <p:spPr>
-          <a:xfrm flipV="1">
-            <a:off x="6037222" y="4049140"/>
-            <a:ext cx="537708" cy="1"/>
+          <a:xfrm flipH="1" flipV="1">
+            <a:off x="2869721" y="4110135"/>
+            <a:ext cx="292179" cy="1606999"/>
           </a:xfrm>
           <a:prstGeom prst="straightConnector1">
             <a:avLst/>
           </a:prstGeom>
           <a:ln w="22225">
             <a:solidFill>
-              <a:schemeClr val="tx1"/>
+              <a:srgbClr val="C00000"/>
             </a:solidFill>
             <a:tailEnd type="triangle" w="lg" len="lg"/>
           </a:ln>
@@ -4882,12 +5845,370 @@
           </a:fontRef>
         </p:style>
       </p:cxnSp>
+      <p:sp>
+        <p:nvSpPr>
+          <p:cNvPr id="38" name="TextBox 37">
+            <a:extLst>
+              <a:ext uri="{FF2B5EF4-FFF2-40B4-BE49-F238E27FC236}">
+                <a16:creationId xmlns:a16="http://schemas.microsoft.com/office/drawing/2014/main" id="{BFE0C49C-52C4-BA14-9F1B-3C6DA581CBA9}"/>
+              </a:ext>
+            </a:extLst>
+          </p:cNvPr>
+          <p:cNvSpPr txBox="1"/>
+          <p:nvPr/>
+        </p:nvSpPr>
+        <p:spPr>
+          <a:xfrm>
+            <a:off x="802472" y="5045543"/>
+            <a:ext cx="1149674" cy="523220"/>
+          </a:xfrm>
+          <a:prstGeom prst="rect">
+            <a:avLst/>
+          </a:prstGeom>
+          <a:noFill/>
+        </p:spPr>
+        <p:txBody>
+          <a:bodyPr wrap="none" rtlCol="0">
+            <a:spAutoFit/>
+          </a:bodyPr>
+          <a:lstStyle/>
+          <a:p>
+            <a:r>
+              <a:rPr lang="en-US" sz="1400" b="1" dirty="0">
+                <a:solidFill>
+                  <a:srgbClr val="C00000"/>
+                </a:solidFill>
+              </a:rPr>
+              <a:t>Deploy from </a:t>
+            </a:r>
+          </a:p>
+          <a:p>
+            <a:r>
+              <a:rPr lang="en-US" sz="1400" b="1" dirty="0">
+                <a:solidFill>
+                  <a:srgbClr val="C00000"/>
+                </a:solidFill>
+              </a:rPr>
+              <a:t>branch</a:t>
+            </a:r>
+          </a:p>
+        </p:txBody>
+      </p:sp>
+      <p:sp>
+        <p:nvSpPr>
+          <p:cNvPr id="40" name="Oval 39">
+            <a:extLst>
+              <a:ext uri="{FF2B5EF4-FFF2-40B4-BE49-F238E27FC236}">
+                <a16:creationId xmlns:a16="http://schemas.microsoft.com/office/drawing/2014/main" id="{EF186BA6-C913-DD80-32A2-637E55015AD1}"/>
+              </a:ext>
+            </a:extLst>
+          </p:cNvPr>
+          <p:cNvSpPr>
+            <a:spLocks noChangeAspect="1"/>
+          </p:cNvSpPr>
+          <p:nvPr/>
+        </p:nvSpPr>
+        <p:spPr>
+          <a:xfrm>
+            <a:off x="528152" y="5169993"/>
+            <a:ext cx="274320" cy="274320"/>
+          </a:xfrm>
+          <a:prstGeom prst="ellipse">
+            <a:avLst/>
+          </a:prstGeom>
+          <a:solidFill>
+            <a:srgbClr val="C00000"/>
+          </a:solidFill>
+        </p:spPr>
+        <p:style>
+          <a:lnRef idx="2">
+            <a:schemeClr val="dk1">
+              <a:shade val="50000"/>
+            </a:schemeClr>
+          </a:lnRef>
+          <a:fillRef idx="1">
+            <a:schemeClr val="dk1"/>
+          </a:fillRef>
+          <a:effectRef idx="0">
+            <a:schemeClr val="dk1"/>
+          </a:effectRef>
+          <a:fontRef idx="minor">
+            <a:schemeClr val="lt1"/>
+          </a:fontRef>
+        </p:style>
+        <p:txBody>
+          <a:bodyPr rtlCol="0" anchor="ctr"/>
+          <a:lstStyle/>
+          <a:p>
+            <a:pPr algn="ctr"/>
+            <a:r>
+              <a:rPr lang="en-US" sz="1200" b="1" dirty="0">
+                <a:solidFill>
+                  <a:schemeClr val="bg1"/>
+                </a:solidFill>
+              </a:rPr>
+              <a:t>c</a:t>
+            </a:r>
+          </a:p>
+        </p:txBody>
+      </p:sp>
+      <p:sp>
+        <p:nvSpPr>
+          <p:cNvPr id="41" name="TextBox 40">
+            <a:extLst>
+              <a:ext uri="{FF2B5EF4-FFF2-40B4-BE49-F238E27FC236}">
+                <a16:creationId xmlns:a16="http://schemas.microsoft.com/office/drawing/2014/main" id="{0593CE8E-F243-2DD3-84DD-5EFE2016F2E0}"/>
+              </a:ext>
+            </a:extLst>
+          </p:cNvPr>
+          <p:cNvSpPr txBox="1"/>
+          <p:nvPr/>
+        </p:nvSpPr>
+        <p:spPr>
+          <a:xfrm>
+            <a:off x="1640759" y="5650723"/>
+            <a:ext cx="849592" cy="307777"/>
+          </a:xfrm>
+          <a:prstGeom prst="rect">
+            <a:avLst/>
+          </a:prstGeom>
+          <a:noFill/>
+        </p:spPr>
+        <p:txBody>
+          <a:bodyPr wrap="none" rtlCol="0">
+            <a:spAutoFit/>
+          </a:bodyPr>
+          <a:lstStyle/>
+          <a:p>
+            <a:r>
+              <a:rPr lang="en-US" sz="1400" b="1" dirty="0" err="1">
+                <a:solidFill>
+                  <a:srgbClr val="C00000"/>
+                </a:solidFill>
+              </a:rPr>
+              <a:t>gh</a:t>
+            </a:r>
+            <a:r>
+              <a:rPr lang="en-US" sz="1400" b="1" dirty="0">
+                <a:solidFill>
+                  <a:srgbClr val="C00000"/>
+                </a:solidFill>
+              </a:rPr>
+              <a:t>-pages</a:t>
+            </a:r>
+          </a:p>
+        </p:txBody>
+      </p:sp>
+      <p:sp>
+        <p:nvSpPr>
+          <p:cNvPr id="42" name="Oval 41">
+            <a:extLst>
+              <a:ext uri="{FF2B5EF4-FFF2-40B4-BE49-F238E27FC236}">
+                <a16:creationId xmlns:a16="http://schemas.microsoft.com/office/drawing/2014/main" id="{495A2B85-ECC5-9900-860B-F5BD96A2E95E}"/>
+              </a:ext>
+            </a:extLst>
+          </p:cNvPr>
+          <p:cNvSpPr>
+            <a:spLocks noChangeAspect="1"/>
+          </p:cNvSpPr>
+          <p:nvPr/>
+        </p:nvSpPr>
+        <p:spPr>
+          <a:xfrm>
+            <a:off x="1366439" y="5667452"/>
+            <a:ext cx="274320" cy="274320"/>
+          </a:xfrm>
+          <a:prstGeom prst="ellipse">
+            <a:avLst/>
+          </a:prstGeom>
+          <a:solidFill>
+            <a:srgbClr val="C00000"/>
+          </a:solidFill>
+        </p:spPr>
+        <p:style>
+          <a:lnRef idx="2">
+            <a:schemeClr val="dk1">
+              <a:shade val="50000"/>
+            </a:schemeClr>
+          </a:lnRef>
+          <a:fillRef idx="1">
+            <a:schemeClr val="dk1"/>
+          </a:fillRef>
+          <a:effectRef idx="0">
+            <a:schemeClr val="dk1"/>
+          </a:effectRef>
+          <a:fontRef idx="minor">
+            <a:schemeClr val="lt1"/>
+          </a:fontRef>
+        </p:style>
+        <p:txBody>
+          <a:bodyPr rtlCol="0" anchor="ctr"/>
+          <a:lstStyle/>
+          <a:p>
+            <a:pPr algn="ctr"/>
+            <a:r>
+              <a:rPr lang="en-US" sz="1200" b="1" dirty="0">
+                <a:solidFill>
+                  <a:schemeClr val="bg1"/>
+                </a:solidFill>
+              </a:rPr>
+              <a:t>d</a:t>
+            </a:r>
+          </a:p>
+        </p:txBody>
+      </p:sp>
+      <p:sp>
+        <p:nvSpPr>
+          <p:cNvPr id="43" name="TextBox 42">
+            <a:extLst>
+              <a:ext uri="{FF2B5EF4-FFF2-40B4-BE49-F238E27FC236}">
+                <a16:creationId xmlns:a16="http://schemas.microsoft.com/office/drawing/2014/main" id="{911EF34D-C7BF-C513-0A60-E4E4A03D18C6}"/>
+              </a:ext>
+            </a:extLst>
+          </p:cNvPr>
+          <p:cNvSpPr txBox="1"/>
+          <p:nvPr/>
+        </p:nvSpPr>
+        <p:spPr>
+          <a:xfrm>
+            <a:off x="2816581" y="5717134"/>
+            <a:ext cx="690638" cy="307777"/>
+          </a:xfrm>
+          <a:prstGeom prst="rect">
+            <a:avLst/>
+          </a:prstGeom>
+          <a:noFill/>
+        </p:spPr>
+        <p:txBody>
+          <a:bodyPr wrap="none" rtlCol="0">
+            <a:spAutoFit/>
+          </a:bodyPr>
+          <a:lstStyle/>
+          <a:p>
+            <a:r>
+              <a:rPr lang="en-US" sz="1400" b="1" dirty="0">
+                <a:solidFill>
+                  <a:srgbClr val="C00000"/>
+                </a:solidFill>
+              </a:rPr>
+              <a:t>/(root)</a:t>
+            </a:r>
+          </a:p>
+        </p:txBody>
+      </p:sp>
+      <p:sp>
+        <p:nvSpPr>
+          <p:cNvPr id="46" name="Oval 45">
+            <a:extLst>
+              <a:ext uri="{FF2B5EF4-FFF2-40B4-BE49-F238E27FC236}">
+                <a16:creationId xmlns:a16="http://schemas.microsoft.com/office/drawing/2014/main" id="{80C0FF98-6668-2B2C-2865-42C9F952A438}"/>
+              </a:ext>
+            </a:extLst>
+          </p:cNvPr>
+          <p:cNvSpPr>
+            <a:spLocks noChangeAspect="1"/>
+          </p:cNvSpPr>
+          <p:nvPr/>
+        </p:nvSpPr>
+        <p:spPr>
+          <a:xfrm>
+            <a:off x="2542261" y="5733863"/>
+            <a:ext cx="274320" cy="274320"/>
+          </a:xfrm>
+          <a:prstGeom prst="ellipse">
+            <a:avLst/>
+          </a:prstGeom>
+          <a:solidFill>
+            <a:srgbClr val="C00000"/>
+          </a:solidFill>
+        </p:spPr>
+        <p:style>
+          <a:lnRef idx="2">
+            <a:schemeClr val="dk1">
+              <a:shade val="50000"/>
+            </a:schemeClr>
+          </a:lnRef>
+          <a:fillRef idx="1">
+            <a:schemeClr val="dk1"/>
+          </a:fillRef>
+          <a:effectRef idx="0">
+            <a:schemeClr val="dk1"/>
+          </a:effectRef>
+          <a:fontRef idx="minor">
+            <a:schemeClr val="lt1"/>
+          </a:fontRef>
+        </p:style>
+        <p:txBody>
+          <a:bodyPr rtlCol="0" anchor="ctr"/>
+          <a:lstStyle/>
+          <a:p>
+            <a:pPr algn="ctr"/>
+            <a:r>
+              <a:rPr lang="en-US" sz="1200" b="1" dirty="0">
+                <a:solidFill>
+                  <a:schemeClr val="bg1"/>
+                </a:solidFill>
+              </a:rPr>
+              <a:t>e</a:t>
+            </a:r>
+          </a:p>
+        </p:txBody>
+      </p:sp>
+      <p:sp>
+        <p:nvSpPr>
+          <p:cNvPr id="48" name="Oval 47">
+            <a:extLst>
+              <a:ext uri="{FF2B5EF4-FFF2-40B4-BE49-F238E27FC236}">
+                <a16:creationId xmlns:a16="http://schemas.microsoft.com/office/drawing/2014/main" id="{E86A5B06-372C-8513-DB8F-53B8DA46AA79}"/>
+              </a:ext>
+            </a:extLst>
+          </p:cNvPr>
+          <p:cNvSpPr/>
+          <p:nvPr/>
+        </p:nvSpPr>
+        <p:spPr>
+          <a:xfrm>
+            <a:off x="6212078" y="1539406"/>
+            <a:ext cx="492330" cy="457200"/>
+          </a:xfrm>
+          <a:prstGeom prst="ellipse">
+            <a:avLst/>
+          </a:prstGeom>
+        </p:spPr>
+        <p:style>
+          <a:lnRef idx="2">
+            <a:schemeClr val="dk1">
+              <a:shade val="50000"/>
+            </a:schemeClr>
+          </a:lnRef>
+          <a:fillRef idx="1">
+            <a:schemeClr val="dk1"/>
+          </a:fillRef>
+          <a:effectRef idx="0">
+            <a:schemeClr val="dk1"/>
+          </a:effectRef>
+          <a:fontRef idx="minor">
+            <a:schemeClr val="lt1"/>
+          </a:fontRef>
+        </p:style>
+        <p:txBody>
+          <a:bodyPr rtlCol="0" anchor="ctr"/>
+          <a:lstStyle/>
+          <a:p>
+            <a:pPr algn="ctr"/>
+            <a:r>
+              <a:rPr lang="en-US" b="1" dirty="0"/>
+              <a:t>2</a:t>
+            </a:r>
+          </a:p>
+        </p:txBody>
+      </p:sp>
       <p:cxnSp>
         <p:nvCxnSpPr>
-          <p:cNvPr id="39" name="Connector: Elbow 38">
-            <a:extLst>
-              <a:ext uri="{FF2B5EF4-FFF2-40B4-BE49-F238E27FC236}">
-                <a16:creationId xmlns:a16="http://schemas.microsoft.com/office/drawing/2014/main" id="{78894F86-13D1-F8A7-1492-1A22FC4AC243}"/>
+          <p:cNvPr id="49" name="Straight Arrow Connector 48">
+            <a:extLst>
+              <a:ext uri="{FF2B5EF4-FFF2-40B4-BE49-F238E27FC236}">
+                <a16:creationId xmlns:a16="http://schemas.microsoft.com/office/drawing/2014/main" id="{CFDD4B6E-5C6D-DDCF-ADE5-04BBEC6BE39B}"/>
               </a:ext>
             </a:extLst>
           </p:cNvPr>
@@ -4898,17 +6219,15 @@
         </p:nvCxnSpPr>
         <p:spPr>
           <a:xfrm>
-            <a:off x="3513716" y="3913486"/>
-            <a:ext cx="5142128" cy="1843503"/>
-          </a:xfrm>
-          <a:prstGeom prst="bentConnector3">
-            <a:avLst>
-              <a:gd name="adj1" fmla="val 12711"/>
-            </a:avLst>
+            <a:off x="9759820" y="2283286"/>
+            <a:ext cx="1226976" cy="941569"/>
+          </a:xfrm>
+          <a:prstGeom prst="straightConnector1">
+            <a:avLst/>
           </a:prstGeom>
           <a:ln w="22225">
             <a:solidFill>
-              <a:schemeClr val="tx1"/>
+              <a:srgbClr val="C00000"/>
             </a:solidFill>
             <a:tailEnd type="triangle" w="lg" len="lg"/>
           </a:ln>
@@ -4928,12 +6247,165 @@
           </a:fontRef>
         </p:style>
       </p:cxnSp>
+      <p:sp>
+        <p:nvSpPr>
+          <p:cNvPr id="56" name="TextBox 55">
+            <a:extLst>
+              <a:ext uri="{FF2B5EF4-FFF2-40B4-BE49-F238E27FC236}">
+                <a16:creationId xmlns:a16="http://schemas.microsoft.com/office/drawing/2014/main" id="{C7DD83A6-B7A1-F104-61B8-F763CFD79E91}"/>
+              </a:ext>
+            </a:extLst>
+          </p:cNvPr>
+          <p:cNvSpPr txBox="1"/>
+          <p:nvPr/>
+        </p:nvSpPr>
+        <p:spPr>
+          <a:xfrm>
+            <a:off x="8852717" y="1975509"/>
+            <a:ext cx="1363578" cy="307777"/>
+          </a:xfrm>
+          <a:prstGeom prst="rect">
+            <a:avLst/>
+          </a:prstGeom>
+          <a:noFill/>
+        </p:spPr>
+        <p:txBody>
+          <a:bodyPr wrap="none" rtlCol="0">
+            <a:spAutoFit/>
+          </a:bodyPr>
+          <a:lstStyle/>
+          <a:p>
+            <a:r>
+              <a:rPr lang="en-US" sz="1400" b="1" dirty="0">
+                <a:solidFill>
+                  <a:srgbClr val="C00000"/>
+                </a:solidFill>
+              </a:rPr>
+              <a:t>Click             icon</a:t>
+            </a:r>
+          </a:p>
+        </p:txBody>
+      </p:sp>
+      <p:sp>
+        <p:nvSpPr>
+          <p:cNvPr id="57" name="TextBox 56">
+            <a:extLst>
+              <a:ext uri="{FF2B5EF4-FFF2-40B4-BE49-F238E27FC236}">
+                <a16:creationId xmlns:a16="http://schemas.microsoft.com/office/drawing/2014/main" id="{2E4CF440-D0DE-706F-BAB0-55C3C3DACAB2}"/>
+              </a:ext>
+            </a:extLst>
+          </p:cNvPr>
+          <p:cNvSpPr txBox="1"/>
+          <p:nvPr/>
+        </p:nvSpPr>
+        <p:spPr>
+          <a:xfrm>
+            <a:off x="6746702" y="1614117"/>
+            <a:ext cx="4147482" cy="307777"/>
+          </a:xfrm>
+          <a:prstGeom prst="rect">
+            <a:avLst/>
+          </a:prstGeom>
+          <a:noFill/>
+        </p:spPr>
+        <p:txBody>
+          <a:bodyPr wrap="none" rtlCol="0">
+            <a:spAutoFit/>
+          </a:bodyPr>
+          <a:lstStyle/>
+          <a:p>
+            <a:r>
+              <a:rPr lang="en-US" sz="1400" b="1" dirty="0">
+                <a:solidFill>
+                  <a:srgbClr val="C00000"/>
+                </a:solidFill>
+              </a:rPr>
+              <a:t>On your page </a:t>
+            </a:r>
+            <a:r>
+              <a:rPr lang="en-US" sz="1400" b="1" dirty="0">
+                <a:solidFill>
+                  <a:srgbClr val="C00000"/>
+                </a:solidFill>
+                <a:hlinkClick r:id="rId5"/>
+              </a:rPr>
+              <a:t>https://github.com/JGCRI/rtemplate/</a:t>
+            </a:r>
+            <a:r>
+              <a:rPr lang="en-US" sz="1400" b="1" dirty="0">
+                <a:solidFill>
+                  <a:srgbClr val="C00000"/>
+                </a:solidFill>
+              </a:rPr>
+              <a:t> </a:t>
+            </a:r>
+          </a:p>
+        </p:txBody>
+      </p:sp>
+      <p:sp>
+        <p:nvSpPr>
+          <p:cNvPr id="58" name="Oval 57">
+            <a:extLst>
+              <a:ext uri="{FF2B5EF4-FFF2-40B4-BE49-F238E27FC236}">
+                <a16:creationId xmlns:a16="http://schemas.microsoft.com/office/drawing/2014/main" id="{594EDBE8-E052-8207-3EE6-98D9998B3C82}"/>
+              </a:ext>
+            </a:extLst>
+          </p:cNvPr>
+          <p:cNvSpPr>
+            <a:spLocks noChangeAspect="1"/>
+          </p:cNvSpPr>
+          <p:nvPr/>
+        </p:nvSpPr>
+        <p:spPr>
+          <a:xfrm>
+            <a:off x="8632356" y="1980448"/>
+            <a:ext cx="274320" cy="274320"/>
+          </a:xfrm>
+          <a:prstGeom prst="ellipse">
+            <a:avLst/>
+          </a:prstGeom>
+          <a:solidFill>
+            <a:srgbClr val="C00000"/>
+          </a:solidFill>
+        </p:spPr>
+        <p:style>
+          <a:lnRef idx="2">
+            <a:schemeClr val="dk1">
+              <a:shade val="50000"/>
+            </a:schemeClr>
+          </a:lnRef>
+          <a:fillRef idx="1">
+            <a:schemeClr val="dk1"/>
+          </a:fillRef>
+          <a:effectRef idx="0">
+            <a:schemeClr val="dk1"/>
+          </a:effectRef>
+          <a:fontRef idx="minor">
+            <a:schemeClr val="lt1"/>
+          </a:fontRef>
+        </p:style>
+        <p:txBody>
+          <a:bodyPr rtlCol="0" anchor="ctr"/>
+          <a:lstStyle/>
+          <a:p>
+            <a:pPr algn="ctr"/>
+            <a:r>
+              <a:rPr lang="en-US" sz="1200" b="1" dirty="0">
+                <a:solidFill>
+                  <a:schemeClr val="bg1"/>
+                </a:solidFill>
+              </a:rPr>
+              <a:t>a</a:t>
+            </a:r>
+          </a:p>
+        </p:txBody>
+      </p:sp>
       <p:pic>
         <p:nvPicPr>
-          <p:cNvPr id="44" name="Picture 43">
-            <a:extLst>
-              <a:ext uri="{FF2B5EF4-FFF2-40B4-BE49-F238E27FC236}">
-                <a16:creationId xmlns:a16="http://schemas.microsoft.com/office/drawing/2014/main" id="{287E9A82-304F-2B60-A6E8-F4BBF9DEC48F}"/>
+          <p:cNvPr id="62" name="Graphic 61" descr="Single gear with solid fill">
+            <a:extLst>
+              <a:ext uri="{FF2B5EF4-FFF2-40B4-BE49-F238E27FC236}">
+                <a16:creationId xmlns:a16="http://schemas.microsoft.com/office/drawing/2014/main" id="{DFE705BF-61B8-C38A-8D3D-F3516C2BC3F6}"/>
               </a:ext>
             </a:extLst>
           </p:cNvPr>
@@ -4943,52 +6415,104 @@
           <p:nvPr/>
         </p:nvPicPr>
         <p:blipFill>
-          <a:blip r:embed="rId8"/>
+          <a:blip r:embed="rId6">
+            <a:extLst>
+              <a:ext uri="{28A0092B-C50C-407E-A947-70E740481C1C}">
+                <a14:useLocalDpi xmlns:a14="http://schemas.microsoft.com/office/drawing/2010/main" val="0"/>
+              </a:ext>
+              <a:ext uri="{96DAC541-7B7A-43D3-8B79-37D633B846F1}">
+                <asvg:svgBlip xmlns:asvg="http://schemas.microsoft.com/office/drawing/2016/SVG/main" r:embed="rId7"/>
+              </a:ext>
+            </a:extLst>
+          </a:blip>
           <a:stretch>
             <a:fillRect/>
           </a:stretch>
         </p:blipFill>
         <p:spPr>
           <a:xfrm>
-            <a:off x="10502160" y="3104677"/>
-            <a:ext cx="1106055" cy="491580"/>
+            <a:off x="9277244" y="1865666"/>
+            <a:ext cx="530489" cy="530489"/>
           </a:xfrm>
           <a:prstGeom prst="rect">
             <a:avLst/>
           </a:prstGeom>
-          <a:ln>
-            <a:solidFill>
-              <a:schemeClr val="tx1"/>
-            </a:solidFill>
-          </a:ln>
         </p:spPr>
       </p:pic>
+      <p:sp>
+        <p:nvSpPr>
+          <p:cNvPr id="63" name="Oval 62">
+            <a:extLst>
+              <a:ext uri="{FF2B5EF4-FFF2-40B4-BE49-F238E27FC236}">
+                <a16:creationId xmlns:a16="http://schemas.microsoft.com/office/drawing/2014/main" id="{3BEA198E-5502-6391-BB85-77573395080A}"/>
+              </a:ext>
+            </a:extLst>
+          </p:cNvPr>
+          <p:cNvSpPr/>
+          <p:nvPr/>
+        </p:nvSpPr>
+        <p:spPr>
+          <a:xfrm>
+            <a:off x="8927064" y="4937754"/>
+            <a:ext cx="492330" cy="457200"/>
+          </a:xfrm>
+          <a:prstGeom prst="ellipse">
+            <a:avLst/>
+          </a:prstGeom>
+        </p:spPr>
+        <p:style>
+          <a:lnRef idx="2">
+            <a:schemeClr val="dk1">
+              <a:shade val="50000"/>
+            </a:schemeClr>
+          </a:lnRef>
+          <a:fillRef idx="1">
+            <a:schemeClr val="dk1"/>
+          </a:fillRef>
+          <a:effectRef idx="0">
+            <a:schemeClr val="dk1"/>
+          </a:effectRef>
+          <a:fontRef idx="minor">
+            <a:schemeClr val="lt1"/>
+          </a:fontRef>
+        </p:style>
+        <p:txBody>
+          <a:bodyPr rtlCol="0" anchor="ctr"/>
+          <a:lstStyle/>
+          <a:p>
+            <a:pPr algn="ctr"/>
+            <a:r>
+              <a:rPr lang="en-US" b="1" dirty="0"/>
+              <a:t>3</a:t>
+            </a:r>
+          </a:p>
+        </p:txBody>
+      </p:sp>
       <p:cxnSp>
         <p:nvCxnSpPr>
-          <p:cNvPr id="45" name="Straight Arrow Connector 44">
-            <a:extLst>
-              <a:ext uri="{FF2B5EF4-FFF2-40B4-BE49-F238E27FC236}">
-                <a16:creationId xmlns:a16="http://schemas.microsoft.com/office/drawing/2014/main" id="{D7F2AF71-39EB-99A0-9A6F-E32ABA10313D}"/>
+          <p:cNvPr id="64" name="Straight Arrow Connector 63">
+            <a:extLst>
+              <a:ext uri="{FF2B5EF4-FFF2-40B4-BE49-F238E27FC236}">
+                <a16:creationId xmlns:a16="http://schemas.microsoft.com/office/drawing/2014/main" id="{50AE811F-2789-69F7-EB40-214D764606C7}"/>
               </a:ext>
             </a:extLst>
           </p:cNvPr>
           <p:cNvCxnSpPr>
             <a:cxnSpLocks/>
-            <a:endCxn id="44" idx="1"/>
           </p:cNvCxnSpPr>
           <p:nvPr/>
         </p:nvCxnSpPr>
         <p:spPr>
-          <a:xfrm>
-            <a:off x="9354959" y="3350467"/>
-            <a:ext cx="1147201" cy="0"/>
+          <a:xfrm flipH="1" flipV="1">
+            <a:off x="7357188" y="4748349"/>
+            <a:ext cx="1607976" cy="902374"/>
           </a:xfrm>
           <a:prstGeom prst="straightConnector1">
             <a:avLst/>
           </a:prstGeom>
           <a:ln w="22225">
             <a:solidFill>
-              <a:schemeClr val="tx1"/>
+              <a:srgbClr val="C00000"/>
             </a:solidFill>
             <a:tailEnd type="triangle" w="lg" len="lg"/>
           </a:ln>
@@ -5010,10 +6534,10 @@
       </p:cxnSp>
       <p:sp>
         <p:nvSpPr>
-          <p:cNvPr id="50" name="TextBox 49">
-            <a:extLst>
-              <a:ext uri="{FF2B5EF4-FFF2-40B4-BE49-F238E27FC236}">
-                <a16:creationId xmlns:a16="http://schemas.microsoft.com/office/drawing/2014/main" id="{40911C3A-FAE2-BBE6-66F2-723936A0B3FD}"/>
+          <p:cNvPr id="65" name="TextBox 64">
+            <a:extLst>
+              <a:ext uri="{FF2B5EF4-FFF2-40B4-BE49-F238E27FC236}">
+                <a16:creationId xmlns:a16="http://schemas.microsoft.com/office/drawing/2014/main" id="{7BC4B169-5AA8-EC3E-1CF0-AF0863570D72}"/>
               </a:ext>
             </a:extLst>
           </p:cNvPr>
@@ -5022,8 +6546,8 @@
         </p:nvSpPr>
         <p:spPr>
           <a:xfrm>
-            <a:off x="4612579" y="833518"/>
-            <a:ext cx="1601721" cy="369332"/>
+            <a:off x="9262909" y="5580606"/>
+            <a:ext cx="1876732" cy="307777"/>
           </a:xfrm>
           <a:prstGeom prst="rect">
             <a:avLst/>
@@ -5037,293 +6561,99 @@
           <a:lstStyle/>
           <a:p>
             <a:r>
-              <a:rPr lang="en-US" b="1" dirty="0" err="1">
+              <a:rPr lang="en-US" sz="1400" b="1" dirty="0">
                 <a:solidFill>
                   <a:srgbClr val="C00000"/>
                 </a:solidFill>
               </a:rPr>
-              <a:t>Github</a:t>
-            </a:r>
-            <a:r>
-              <a:rPr lang="en-US" b="1" dirty="0">
+              <a:t>Add model description</a:t>
+            </a:r>
+          </a:p>
+        </p:txBody>
+      </p:sp>
+      <p:sp>
+        <p:nvSpPr>
+          <p:cNvPr id="66" name="Oval 65">
+            <a:extLst>
+              <a:ext uri="{FF2B5EF4-FFF2-40B4-BE49-F238E27FC236}">
+                <a16:creationId xmlns:a16="http://schemas.microsoft.com/office/drawing/2014/main" id="{50370FDB-4097-B1D3-E281-DC4E08C83F52}"/>
+              </a:ext>
+            </a:extLst>
+          </p:cNvPr>
+          <p:cNvSpPr>
+            <a:spLocks noChangeAspect="1"/>
+          </p:cNvSpPr>
+          <p:nvPr/>
+        </p:nvSpPr>
+        <p:spPr>
+          <a:xfrm>
+            <a:off x="9029983" y="5581889"/>
+            <a:ext cx="274320" cy="274320"/>
+          </a:xfrm>
+          <a:prstGeom prst="ellipse">
+            <a:avLst/>
+          </a:prstGeom>
+          <a:solidFill>
+            <a:srgbClr val="C00000"/>
+          </a:solidFill>
+        </p:spPr>
+        <p:style>
+          <a:lnRef idx="2">
+            <a:schemeClr val="dk1">
+              <a:shade val="50000"/>
+            </a:schemeClr>
+          </a:lnRef>
+          <a:fillRef idx="1">
+            <a:schemeClr val="dk1"/>
+          </a:fillRef>
+          <a:effectRef idx="0">
+            <a:schemeClr val="dk1"/>
+          </a:effectRef>
+          <a:fontRef idx="minor">
+            <a:schemeClr val="lt1"/>
+          </a:fontRef>
+        </p:style>
+        <p:txBody>
+          <a:bodyPr rtlCol="0" anchor="ctr"/>
+          <a:lstStyle/>
+          <a:p>
+            <a:pPr algn="ctr"/>
+            <a:r>
+              <a:rPr lang="en-US" sz="1200" b="1" dirty="0">
                 <a:solidFill>
-                  <a:srgbClr val="C00000"/>
+                  <a:schemeClr val="bg1"/>
                 </a:solidFill>
               </a:rPr>
-              <a:t> Actions</a:t>
-            </a:r>
-          </a:p>
-        </p:txBody>
-      </p:sp>
-      <p:sp>
-        <p:nvSpPr>
-          <p:cNvPr id="51" name="TextBox 50">
-            <a:extLst>
-              <a:ext uri="{FF2B5EF4-FFF2-40B4-BE49-F238E27FC236}">
-                <a16:creationId xmlns:a16="http://schemas.microsoft.com/office/drawing/2014/main" id="{E49F4F21-0670-AB98-008F-20E166CF07B1}"/>
-              </a:ext>
-            </a:extLst>
-          </p:cNvPr>
-          <p:cNvSpPr txBox="1"/>
-          <p:nvPr/>
-        </p:nvSpPr>
-        <p:spPr>
-          <a:xfrm>
-            <a:off x="4603647" y="2949241"/>
-            <a:ext cx="1670586" cy="369332"/>
-          </a:xfrm>
-          <a:prstGeom prst="rect">
-            <a:avLst/>
-          </a:prstGeom>
-          <a:noFill/>
-        </p:spPr>
-        <p:txBody>
-          <a:bodyPr wrap="none" rtlCol="0">
-            <a:spAutoFit/>
-          </a:bodyPr>
-          <a:lstStyle/>
-          <a:p>
-            <a:r>
-              <a:rPr lang="en-US" b="1" dirty="0">
-                <a:solidFill>
-                  <a:srgbClr val="C00000"/>
-                </a:solidFill>
-              </a:rPr>
-              <a:t>Documentation</a:t>
-            </a:r>
-          </a:p>
-        </p:txBody>
-      </p:sp>
-      <p:sp>
-        <p:nvSpPr>
-          <p:cNvPr id="52" name="TextBox 51">
-            <a:extLst>
-              <a:ext uri="{FF2B5EF4-FFF2-40B4-BE49-F238E27FC236}">
-                <a16:creationId xmlns:a16="http://schemas.microsoft.com/office/drawing/2014/main" id="{2603ED7A-F456-D68F-EEE9-AA2BAA0C721B}"/>
-              </a:ext>
-            </a:extLst>
-          </p:cNvPr>
-          <p:cNvSpPr txBox="1"/>
-          <p:nvPr/>
-        </p:nvSpPr>
-        <p:spPr>
-          <a:xfrm>
-            <a:off x="6664583" y="2220731"/>
-            <a:ext cx="1363900" cy="369332"/>
-          </a:xfrm>
-          <a:prstGeom prst="rect">
-            <a:avLst/>
-          </a:prstGeom>
-          <a:noFill/>
-        </p:spPr>
-        <p:txBody>
-          <a:bodyPr wrap="none" rtlCol="0">
-            <a:spAutoFit/>
-          </a:bodyPr>
-          <a:lstStyle/>
-          <a:p>
-            <a:r>
-              <a:rPr lang="en-US" b="1" dirty="0">
-                <a:solidFill>
-                  <a:srgbClr val="C00000"/>
-                </a:solidFill>
-              </a:rPr>
-              <a:t>Docs - Pages</a:t>
-            </a:r>
-          </a:p>
-        </p:txBody>
-      </p:sp>
-      <p:sp>
-        <p:nvSpPr>
-          <p:cNvPr id="53" name="TextBox 52">
-            <a:extLst>
-              <a:ext uri="{FF2B5EF4-FFF2-40B4-BE49-F238E27FC236}">
-                <a16:creationId xmlns:a16="http://schemas.microsoft.com/office/drawing/2014/main" id="{EF24D064-C42A-FF7E-856C-D87A322560B3}"/>
-              </a:ext>
-            </a:extLst>
-          </p:cNvPr>
-          <p:cNvSpPr txBox="1"/>
-          <p:nvPr/>
-        </p:nvSpPr>
-        <p:spPr>
-          <a:xfrm>
-            <a:off x="8924611" y="2513132"/>
-            <a:ext cx="857927" cy="369332"/>
-          </a:xfrm>
-          <a:prstGeom prst="rect">
-            <a:avLst/>
-          </a:prstGeom>
-          <a:noFill/>
-        </p:spPr>
-        <p:txBody>
-          <a:bodyPr wrap="none" rtlCol="0">
-            <a:spAutoFit/>
-          </a:bodyPr>
-          <a:lstStyle/>
-          <a:p>
-            <a:r>
-              <a:rPr lang="en-US" b="1" dirty="0">
-                <a:solidFill>
-                  <a:srgbClr val="C00000"/>
-                </a:solidFill>
-              </a:rPr>
-              <a:t>Model </a:t>
-            </a:r>
-          </a:p>
-        </p:txBody>
-      </p:sp>
-      <p:sp>
-        <p:nvSpPr>
-          <p:cNvPr id="54" name="TextBox 53">
-            <a:extLst>
-              <a:ext uri="{FF2B5EF4-FFF2-40B4-BE49-F238E27FC236}">
-                <a16:creationId xmlns:a16="http://schemas.microsoft.com/office/drawing/2014/main" id="{AABBAD63-1988-12EB-5172-A21379BE1FE9}"/>
-              </a:ext>
-            </a:extLst>
-          </p:cNvPr>
-          <p:cNvSpPr txBox="1"/>
-          <p:nvPr/>
-        </p:nvSpPr>
-        <p:spPr>
-          <a:xfrm>
-            <a:off x="10762667" y="2770012"/>
-            <a:ext cx="654282" cy="369332"/>
-          </a:xfrm>
-          <a:prstGeom prst="rect">
-            <a:avLst/>
-          </a:prstGeom>
-          <a:noFill/>
-        </p:spPr>
-        <p:txBody>
-          <a:bodyPr wrap="none" rtlCol="0">
-            <a:spAutoFit/>
-          </a:bodyPr>
-          <a:lstStyle/>
-          <a:p>
-            <a:r>
-              <a:rPr lang="en-US" b="1" dirty="0">
-                <a:solidFill>
-                  <a:srgbClr val="C00000"/>
-                </a:solidFill>
-              </a:rPr>
-              <a:t>Tests</a:t>
-            </a:r>
-          </a:p>
-        </p:txBody>
-      </p:sp>
-      <p:sp>
-        <p:nvSpPr>
-          <p:cNvPr id="55" name="TextBox 54">
-            <a:extLst>
-              <a:ext uri="{FF2B5EF4-FFF2-40B4-BE49-F238E27FC236}">
-                <a16:creationId xmlns:a16="http://schemas.microsoft.com/office/drawing/2014/main" id="{14A2A9DF-BBF1-085A-310C-B5C5C1B562FB}"/>
-              </a:ext>
-            </a:extLst>
-          </p:cNvPr>
-          <p:cNvSpPr txBox="1"/>
-          <p:nvPr/>
-        </p:nvSpPr>
-        <p:spPr>
-          <a:xfrm>
-            <a:off x="2532894" y="1791195"/>
-            <a:ext cx="1336007" cy="369332"/>
-          </a:xfrm>
-          <a:prstGeom prst="rect">
-            <a:avLst/>
-          </a:prstGeom>
-          <a:noFill/>
-        </p:spPr>
-        <p:txBody>
-          <a:bodyPr wrap="none" rtlCol="0">
-            <a:spAutoFit/>
-          </a:bodyPr>
-          <a:lstStyle/>
-          <a:p>
-            <a:r>
-              <a:rPr lang="en-US" b="1" dirty="0">
-                <a:solidFill>
-                  <a:srgbClr val="C00000"/>
-                </a:solidFill>
-              </a:rPr>
-              <a:t>Main Folder</a:t>
-            </a:r>
-          </a:p>
-        </p:txBody>
-      </p:sp>
-      <p:pic>
-        <p:nvPicPr>
-          <p:cNvPr id="2050" name="Picture 2" descr="Cluster Data icon PNG and SVG Vector Free Download">
-            <a:extLst>
-              <a:ext uri="{FF2B5EF4-FFF2-40B4-BE49-F238E27FC236}">
-                <a16:creationId xmlns:a16="http://schemas.microsoft.com/office/drawing/2014/main" id="{F33A426C-DCC4-544E-F05C-9485284EC602}"/>
-              </a:ext>
-            </a:extLst>
-          </p:cNvPr>
-          <p:cNvPicPr>
-            <a:picLocks noChangeAspect="1" noChangeArrowheads="1"/>
-          </p:cNvPicPr>
-          <p:nvPr/>
-        </p:nvPicPr>
-        <p:blipFill>
-          <a:blip r:embed="rId9">
-            <a:extLst>
-              <a:ext uri="{28A0092B-C50C-407E-A947-70E740481C1C}">
-                <a14:useLocalDpi xmlns:a14="http://schemas.microsoft.com/office/drawing/2010/main" val="0"/>
-              </a:ext>
-            </a:extLst>
-          </a:blip>
-          <a:srcRect/>
-          <a:stretch>
-            <a:fillRect/>
-          </a:stretch>
-        </p:blipFill>
-        <p:spPr bwMode="auto">
-          <a:xfrm>
-            <a:off x="9802804" y="108227"/>
-            <a:ext cx="1865242" cy="1865242"/>
-          </a:xfrm>
-          <a:prstGeom prst="rect">
-            <a:avLst/>
-          </a:prstGeom>
-          <a:noFill/>
-          <a:extLst>
-            <a:ext uri="{909E8E84-426E-40DD-AFC4-6F175D3DCCD1}">
-              <a14:hiddenFill xmlns:a14="http://schemas.microsoft.com/office/drawing/2010/main">
-                <a:solidFill>
-                  <a:srgbClr val="FFFFFF"/>
-                </a:solidFill>
-              </a14:hiddenFill>
-            </a:ext>
-          </a:extLst>
-        </p:spPr>
-      </p:pic>
+              <a:t>a</a:t>
+            </a:r>
+          </a:p>
+        </p:txBody>
+      </p:sp>
       <p:cxnSp>
         <p:nvCxnSpPr>
-          <p:cNvPr id="8" name="Connector: Elbow 7">
-            <a:extLst>
-              <a:ext uri="{FF2B5EF4-FFF2-40B4-BE49-F238E27FC236}">
-                <a16:creationId xmlns:a16="http://schemas.microsoft.com/office/drawing/2014/main" id="{E379032E-7329-7626-CD09-BAB04319E71A}"/>
+          <p:cNvPr id="69" name="Straight Arrow Connector 68">
+            <a:extLst>
+              <a:ext uri="{FF2B5EF4-FFF2-40B4-BE49-F238E27FC236}">
+                <a16:creationId xmlns:a16="http://schemas.microsoft.com/office/drawing/2014/main" id="{E347C59D-391F-B45A-8DCA-CFDC2DA0E77B}"/>
               </a:ext>
             </a:extLst>
           </p:cNvPr>
           <p:cNvCxnSpPr>
             <a:cxnSpLocks/>
-            <a:stCxn id="9" idx="2"/>
-            <a:endCxn id="13" idx="1"/>
           </p:cNvCxnSpPr>
           <p:nvPr/>
         </p:nvCxnSpPr>
         <p:spPr>
-          <a:xfrm rot="16200000" flipH="1">
-            <a:off x="731710" y="2467643"/>
-            <a:ext cx="2661927" cy="786017"/>
-          </a:xfrm>
-          <a:prstGeom prst="bentConnector2">
+          <a:xfrm flipH="1" flipV="1">
+            <a:off x="6050902" y="5222610"/>
+            <a:ext cx="2914262" cy="1127160"/>
+          </a:xfrm>
+          <a:prstGeom prst="straightConnector1">
             <a:avLst/>
           </a:prstGeom>
           <a:ln w="22225">
             <a:solidFill>
-              <a:schemeClr val="tx1"/>
+              <a:srgbClr val="C00000"/>
             </a:solidFill>
             <a:tailEnd type="triangle" w="lg" len="lg"/>
           </a:ln>
@@ -5343,10 +6673,293 @@
           </a:fontRef>
         </p:style>
       </p:cxnSp>
+      <p:sp>
+        <p:nvSpPr>
+          <p:cNvPr id="70" name="TextBox 69">
+            <a:extLst>
+              <a:ext uri="{FF2B5EF4-FFF2-40B4-BE49-F238E27FC236}">
+                <a16:creationId xmlns:a16="http://schemas.microsoft.com/office/drawing/2014/main" id="{C6E6AC32-2689-53E0-F588-FE3C7F3E109C}"/>
+              </a:ext>
+            </a:extLst>
+          </p:cNvPr>
+          <p:cNvSpPr txBox="1"/>
+          <p:nvPr/>
+        </p:nvSpPr>
+        <p:spPr>
+          <a:xfrm>
+            <a:off x="9330052" y="6208437"/>
+            <a:ext cx="2115303" cy="523220"/>
+          </a:xfrm>
+          <a:prstGeom prst="rect">
+            <a:avLst/>
+          </a:prstGeom>
+          <a:noFill/>
+        </p:spPr>
+        <p:txBody>
+          <a:bodyPr wrap="square" rtlCol="0">
+            <a:spAutoFit/>
+          </a:bodyPr>
+          <a:lstStyle/>
+          <a:p>
+            <a:r>
+              <a:rPr lang="en-US" sz="1400" b="1" dirty="0">
+                <a:solidFill>
+                  <a:srgbClr val="C00000"/>
+                </a:solidFill>
+              </a:rPr>
+              <a:t>Click Use your GitHub Pages website</a:t>
+            </a:r>
+          </a:p>
+        </p:txBody>
+      </p:sp>
+      <p:sp>
+        <p:nvSpPr>
+          <p:cNvPr id="71" name="Oval 70">
+            <a:extLst>
+              <a:ext uri="{FF2B5EF4-FFF2-40B4-BE49-F238E27FC236}">
+                <a16:creationId xmlns:a16="http://schemas.microsoft.com/office/drawing/2014/main" id="{B9C64E5A-542B-346B-F38C-86A3CCD6F957}"/>
+              </a:ext>
+            </a:extLst>
+          </p:cNvPr>
+          <p:cNvSpPr>
+            <a:spLocks noChangeAspect="1"/>
+          </p:cNvSpPr>
+          <p:nvPr/>
+        </p:nvSpPr>
+        <p:spPr>
+          <a:xfrm>
+            <a:off x="9071377" y="6284750"/>
+            <a:ext cx="274320" cy="274320"/>
+          </a:xfrm>
+          <a:prstGeom prst="ellipse">
+            <a:avLst/>
+          </a:prstGeom>
+          <a:solidFill>
+            <a:srgbClr val="C00000"/>
+          </a:solidFill>
+        </p:spPr>
+        <p:style>
+          <a:lnRef idx="2">
+            <a:schemeClr val="dk1">
+              <a:shade val="50000"/>
+            </a:schemeClr>
+          </a:lnRef>
+          <a:fillRef idx="1">
+            <a:schemeClr val="dk1"/>
+          </a:fillRef>
+          <a:effectRef idx="0">
+            <a:schemeClr val="dk1"/>
+          </a:effectRef>
+          <a:fontRef idx="minor">
+            <a:schemeClr val="lt1"/>
+          </a:fontRef>
+        </p:style>
+        <p:txBody>
+          <a:bodyPr rtlCol="0" anchor="ctr"/>
+          <a:lstStyle/>
+          <a:p>
+            <a:pPr algn="ctr"/>
+            <a:r>
+              <a:rPr lang="en-US" sz="1200" b="1" dirty="0">
+                <a:solidFill>
+                  <a:schemeClr val="bg1"/>
+                </a:solidFill>
+              </a:rPr>
+              <a:t>b</a:t>
+            </a:r>
+          </a:p>
+        </p:txBody>
+      </p:sp>
+      <p:cxnSp>
+        <p:nvCxnSpPr>
+          <p:cNvPr id="2" name="Straight Arrow Connector 1">
+            <a:extLst>
+              <a:ext uri="{FF2B5EF4-FFF2-40B4-BE49-F238E27FC236}">
+                <a16:creationId xmlns:a16="http://schemas.microsoft.com/office/drawing/2014/main" id="{1C81B307-92D1-B04E-1586-8B0D5CF255D4}"/>
+              </a:ext>
+            </a:extLst>
+          </p:cNvPr>
+          <p:cNvCxnSpPr>
+            <a:cxnSpLocks/>
+          </p:cNvCxnSpPr>
+          <p:nvPr/>
+        </p:nvCxnSpPr>
+        <p:spPr>
+          <a:xfrm flipV="1">
+            <a:off x="387578" y="4236455"/>
+            <a:ext cx="477282" cy="221249"/>
+          </a:xfrm>
+          <a:prstGeom prst="straightConnector1">
+            <a:avLst/>
+          </a:prstGeom>
+          <a:ln w="22225">
+            <a:solidFill>
+              <a:srgbClr val="C00000"/>
+            </a:solidFill>
+            <a:tailEnd type="triangle" w="lg" len="lg"/>
+          </a:ln>
+        </p:spPr>
+        <p:style>
+          <a:lnRef idx="1">
+            <a:schemeClr val="accent1"/>
+          </a:lnRef>
+          <a:fillRef idx="0">
+            <a:schemeClr val="accent1"/>
+          </a:fillRef>
+          <a:effectRef idx="0">
+            <a:schemeClr val="accent1"/>
+          </a:effectRef>
+          <a:fontRef idx="minor">
+            <a:schemeClr val="tx1"/>
+          </a:fontRef>
+        </p:style>
+      </p:cxnSp>
+      <p:sp>
+        <p:nvSpPr>
+          <p:cNvPr id="3" name="TextBox 2">
+            <a:extLst>
+              <a:ext uri="{FF2B5EF4-FFF2-40B4-BE49-F238E27FC236}">
+                <a16:creationId xmlns:a16="http://schemas.microsoft.com/office/drawing/2014/main" id="{8788374C-22D8-A947-EE29-8A772FF38573}"/>
+              </a:ext>
+            </a:extLst>
+          </p:cNvPr>
+          <p:cNvSpPr txBox="1"/>
+          <p:nvPr/>
+        </p:nvSpPr>
+        <p:spPr>
+          <a:xfrm>
+            <a:off x="369691" y="4521653"/>
+            <a:ext cx="996748" cy="307777"/>
+          </a:xfrm>
+          <a:prstGeom prst="rect">
+            <a:avLst/>
+          </a:prstGeom>
+          <a:noFill/>
+        </p:spPr>
+        <p:txBody>
+          <a:bodyPr wrap="none" rtlCol="0">
+            <a:spAutoFit/>
+          </a:bodyPr>
+          <a:lstStyle/>
+          <a:p>
+            <a:r>
+              <a:rPr lang="en-US" sz="1400" b="1" dirty="0">
+                <a:solidFill>
+                  <a:srgbClr val="C00000"/>
+                </a:solidFill>
+              </a:rPr>
+              <a:t>Click Pages</a:t>
+            </a:r>
+          </a:p>
+        </p:txBody>
+      </p:sp>
+      <p:sp>
+        <p:nvSpPr>
+          <p:cNvPr id="4" name="Oval 3">
+            <a:extLst>
+              <a:ext uri="{FF2B5EF4-FFF2-40B4-BE49-F238E27FC236}">
+                <a16:creationId xmlns:a16="http://schemas.microsoft.com/office/drawing/2014/main" id="{4DDB41AA-D8E7-834D-BEB5-C16041D688E1}"/>
+              </a:ext>
+            </a:extLst>
+          </p:cNvPr>
+          <p:cNvSpPr>
+            <a:spLocks noChangeAspect="1"/>
+          </p:cNvSpPr>
+          <p:nvPr/>
+        </p:nvSpPr>
+        <p:spPr>
+          <a:xfrm>
+            <a:off x="165321" y="4549948"/>
+            <a:ext cx="274320" cy="274320"/>
+          </a:xfrm>
+          <a:prstGeom prst="ellipse">
+            <a:avLst/>
+          </a:prstGeom>
+          <a:solidFill>
+            <a:srgbClr val="C00000"/>
+          </a:solidFill>
+        </p:spPr>
+        <p:style>
+          <a:lnRef idx="2">
+            <a:schemeClr val="dk1">
+              <a:shade val="50000"/>
+            </a:schemeClr>
+          </a:lnRef>
+          <a:fillRef idx="1">
+            <a:schemeClr val="dk1"/>
+          </a:fillRef>
+          <a:effectRef idx="0">
+            <a:schemeClr val="dk1"/>
+          </a:effectRef>
+          <a:fontRef idx="minor">
+            <a:schemeClr val="lt1"/>
+          </a:fontRef>
+        </p:style>
+        <p:txBody>
+          <a:bodyPr rtlCol="0" anchor="ctr"/>
+          <a:lstStyle/>
+          <a:p>
+            <a:pPr algn="ctr"/>
+            <a:r>
+              <a:rPr lang="en-US" sz="1200" b="1" dirty="0">
+                <a:solidFill>
+                  <a:schemeClr val="bg1"/>
+                </a:solidFill>
+              </a:rPr>
+              <a:t>b</a:t>
+            </a:r>
+          </a:p>
+        </p:txBody>
+      </p:sp>
+      <p:pic>
+        <p:nvPicPr>
+          <p:cNvPr id="3076" name="Picture 4" descr="Vector Webpage Icon 440918 Vector Art at Vecteezy">
+            <a:extLst>
+              <a:ext uri="{FF2B5EF4-FFF2-40B4-BE49-F238E27FC236}">
+                <a16:creationId xmlns:a16="http://schemas.microsoft.com/office/drawing/2014/main" id="{3801104C-3647-EBD8-0F3D-117110CCE278}"/>
+              </a:ext>
+            </a:extLst>
+          </p:cNvPr>
+          <p:cNvPicPr>
+            <a:picLocks noChangeAspect="1" noChangeArrowheads="1"/>
+          </p:cNvPicPr>
+          <p:nvPr/>
+        </p:nvPicPr>
+        <p:blipFill rotWithShape="1">
+          <a:blip r:embed="rId8">
+            <a:extLst>
+              <a:ext uri="{28A0092B-C50C-407E-A947-70E740481C1C}">
+                <a14:useLocalDpi xmlns:a14="http://schemas.microsoft.com/office/drawing/2010/main" val="0"/>
+              </a:ext>
+            </a:extLst>
+          </a:blip>
+          <a:srcRect l="16282" t="22917" r="17287" b="23539"/>
+          <a:stretch/>
+        </p:blipFill>
+        <p:spPr bwMode="auto">
+          <a:xfrm>
+            <a:off x="10098350" y="129832"/>
+            <a:ext cx="1701472" cy="1371416"/>
+          </a:xfrm>
+          <a:prstGeom prst="rect">
+            <a:avLst/>
+          </a:prstGeom>
+          <a:noFill/>
+          <a:extLst>
+            <a:ext uri="{909E8E84-426E-40DD-AFC4-6F175D3DCCD1}">
+              <a14:hiddenFill xmlns:a14="http://schemas.microsoft.com/office/drawing/2010/main">
+                <a:solidFill>
+                  <a:srgbClr val="FFFFFF"/>
+                </a:solidFill>
+              </a14:hiddenFill>
+            </a:ext>
+          </a:extLst>
+        </p:spPr>
+      </p:pic>
     </p:spTree>
     <p:extLst>
       <p:ext uri="{BB962C8B-B14F-4D97-AF65-F5344CB8AC3E}">
-        <p14:creationId xmlns:p14="http://schemas.microsoft.com/office/powerpoint/2010/main" val="202654186"/>
+        <p14:creationId xmlns:p14="http://schemas.microsoft.com/office/powerpoint/2010/main" val="2193995892"/>
       </p:ext>
     </p:extLst>
   </p:cSld>
@@ -5373,51 +6986,12 @@
           <a:chExt cx="0" cy="0"/>
         </a:xfrm>
       </p:grpSpPr>
-      <p:sp>
-        <p:nvSpPr>
-          <p:cNvPr id="22" name="TextBox 21">
-            <a:extLst>
-              <a:ext uri="{FF2B5EF4-FFF2-40B4-BE49-F238E27FC236}">
-                <a16:creationId xmlns:a16="http://schemas.microsoft.com/office/drawing/2014/main" id="{C146D39A-EB65-58D8-2CB6-D8017864F073}"/>
-              </a:ext>
-            </a:extLst>
-          </p:cNvPr>
-          <p:cNvSpPr txBox="1"/>
-          <p:nvPr/>
-        </p:nvSpPr>
-        <p:spPr>
-          <a:xfrm>
-            <a:off x="2816020" y="10558"/>
-            <a:ext cx="7046096" cy="461665"/>
-          </a:xfrm>
-          <a:prstGeom prst="rect">
-            <a:avLst/>
-          </a:prstGeom>
-          <a:noFill/>
-        </p:spPr>
-        <p:txBody>
-          <a:bodyPr wrap="none" rtlCol="0">
-            <a:spAutoFit/>
-          </a:bodyPr>
-          <a:lstStyle/>
-          <a:p>
-            <a:r>
-              <a:rPr lang="en-US" sz="2400" b="1" dirty="0" err="1"/>
-              <a:t>Pytemplate</a:t>
-            </a:r>
-            <a:r>
-              <a:rPr lang="en-US" sz="2400" b="1" dirty="0"/>
-              <a:t> – Activate your documentation Webpage</a:t>
-            </a:r>
-          </a:p>
-        </p:txBody>
-      </p:sp>
       <p:pic>
         <p:nvPicPr>
-          <p:cNvPr id="5" name="Picture 4">
-            <a:extLst>
-              <a:ext uri="{FF2B5EF4-FFF2-40B4-BE49-F238E27FC236}">
-                <a16:creationId xmlns:a16="http://schemas.microsoft.com/office/drawing/2014/main" id="{C8937322-7022-2EC5-5ED0-6F18914C2966}"/>
+          <p:cNvPr id="11" name="Picture 10">
+            <a:extLst>
+              <a:ext uri="{FF2B5EF4-FFF2-40B4-BE49-F238E27FC236}">
+                <a16:creationId xmlns:a16="http://schemas.microsoft.com/office/drawing/2014/main" id="{D3F256C3-B1F5-8358-995E-B61508EBE010}"/>
               </a:ext>
             </a:extLst>
           </p:cNvPr>
@@ -5434,8 +7008,8 @@
         </p:blipFill>
         <p:spPr>
           <a:xfrm>
-            <a:off x="741515" y="2014723"/>
-            <a:ext cx="4724400" cy="2620781"/>
+            <a:off x="7816073" y="3788229"/>
+            <a:ext cx="4264792" cy="2412054"/>
           </a:xfrm>
           <a:prstGeom prst="rect">
             <a:avLst/>
@@ -5449,10 +7023,10 @@
       </p:pic>
       <p:pic>
         <p:nvPicPr>
-          <p:cNvPr id="10" name="Picture 9">
-            <a:extLst>
-              <a:ext uri="{FF2B5EF4-FFF2-40B4-BE49-F238E27FC236}">
-                <a16:creationId xmlns:a16="http://schemas.microsoft.com/office/drawing/2014/main" id="{3A034E07-279C-CD71-7FF2-6F724AB048A3}"/>
+          <p:cNvPr id="3" name="Picture 2">
+            <a:extLst>
+              <a:ext uri="{FF2B5EF4-FFF2-40B4-BE49-F238E27FC236}">
+                <a16:creationId xmlns:a16="http://schemas.microsoft.com/office/drawing/2014/main" id="{E26AAC87-83C8-A12D-FE0C-F4D68998D0AE}"/>
               </a:ext>
             </a:extLst>
           </p:cNvPr>
@@ -5469,8 +7043,8 @@
         </p:blipFill>
         <p:spPr>
           <a:xfrm>
-            <a:off x="6381967" y="2396155"/>
-            <a:ext cx="4567119" cy="2263052"/>
+            <a:off x="5347418" y="1694972"/>
+            <a:ext cx="5433736" cy="1681726"/>
           </a:xfrm>
           <a:prstGeom prst="rect">
             <a:avLst/>
@@ -5482,30 +7056,123 @@
           </a:ln>
         </p:spPr>
       </p:pic>
+      <p:sp>
+        <p:nvSpPr>
+          <p:cNvPr id="4" name="TextBox 3">
+            <a:extLst>
+              <a:ext uri="{FF2B5EF4-FFF2-40B4-BE49-F238E27FC236}">
+                <a16:creationId xmlns:a16="http://schemas.microsoft.com/office/drawing/2014/main" id="{F6C3DBBE-17C9-FE00-0076-1F36C5177151}"/>
+              </a:ext>
+            </a:extLst>
+          </p:cNvPr>
+          <p:cNvSpPr txBox="1"/>
+          <p:nvPr/>
+        </p:nvSpPr>
+        <p:spPr>
+          <a:xfrm>
+            <a:off x="3125834" y="12893"/>
+            <a:ext cx="5801909" cy="461665"/>
+          </a:xfrm>
+          <a:prstGeom prst="rect">
+            <a:avLst/>
+          </a:prstGeom>
+          <a:noFill/>
+        </p:spPr>
+        <p:txBody>
+          <a:bodyPr wrap="none" rtlCol="0">
+            <a:spAutoFit/>
+          </a:bodyPr>
+          <a:lstStyle/>
+          <a:p>
+            <a:r>
+              <a:rPr lang="en-US" sz="2400" b="1" dirty="0" err="1"/>
+              <a:t>rtemplate</a:t>
+            </a:r>
+            <a:r>
+              <a:rPr lang="en-US" sz="2400" b="1" dirty="0"/>
+              <a:t> – Connect </a:t>
+            </a:r>
+            <a:r>
+              <a:rPr lang="en-US" sz="2400" b="1" dirty="0" err="1"/>
+              <a:t>Codecov</a:t>
+            </a:r>
+            <a:r>
+              <a:rPr lang="en-US" sz="2400" b="1" dirty="0"/>
+              <a:t> to your repo</a:t>
+            </a:r>
+          </a:p>
+        </p:txBody>
+      </p:sp>
       <p:pic>
         <p:nvPicPr>
-          <p:cNvPr id="7" name="Picture 6">
-            <a:extLst>
-              <a:ext uri="{FF2B5EF4-FFF2-40B4-BE49-F238E27FC236}">
-                <a16:creationId xmlns:a16="http://schemas.microsoft.com/office/drawing/2014/main" id="{7101080F-D935-277B-3209-2893D44FA45E}"/>
+          <p:cNvPr id="4098" name="Picture 2" descr="Codecov · GitHub">
+            <a:extLst>
+              <a:ext uri="{FF2B5EF4-FFF2-40B4-BE49-F238E27FC236}">
+                <a16:creationId xmlns:a16="http://schemas.microsoft.com/office/drawing/2014/main" id="{FD19F633-346C-1769-E339-325B1A22B5F9}"/>
               </a:ext>
             </a:extLst>
           </p:cNvPr>
           <p:cNvPicPr>
-            <a:picLocks noChangeAspect="1"/>
+            <a:picLocks noChangeAspect="1" noChangeArrowheads="1"/>
           </p:cNvPicPr>
           <p:nvPr/>
         </p:nvPicPr>
         <p:blipFill>
-          <a:blip r:embed="rId4"/>
+          <a:blip r:embed="rId4">
+            <a:extLst>
+              <a:ext uri="{28A0092B-C50C-407E-A947-70E740481C1C}">
+                <a14:useLocalDpi xmlns:a14="http://schemas.microsoft.com/office/drawing/2010/main" val="0"/>
+              </a:ext>
+            </a:extLst>
+          </a:blip>
+          <a:srcRect/>
           <a:stretch>
             <a:fillRect/>
           </a:stretch>
         </p:blipFill>
-        <p:spPr>
-          <a:xfrm>
-            <a:off x="3923479" y="3875418"/>
-            <a:ext cx="4846037" cy="2794554"/>
+        <p:spPr bwMode="auto">
+          <a:xfrm>
+            <a:off x="10480059" y="188394"/>
+            <a:ext cx="1407141" cy="1407141"/>
+          </a:xfrm>
+          <a:prstGeom prst="rect">
+            <a:avLst/>
+          </a:prstGeom>
+          <a:noFill/>
+          <a:extLst>
+            <a:ext uri="{909E8E84-426E-40DD-AFC4-6F175D3DCCD1}">
+              <a14:hiddenFill xmlns:a14="http://schemas.microsoft.com/office/drawing/2010/main">
+                <a:solidFill>
+                  <a:srgbClr val="FFFFFF"/>
+                </a:solidFill>
+              </a14:hiddenFill>
+            </a:ext>
+          </a:extLst>
+        </p:spPr>
+      </p:pic>
+      <p:pic>
+        <p:nvPicPr>
+          <p:cNvPr id="10" name="Picture 9">
+            <a:extLst>
+              <a:ext uri="{FF2B5EF4-FFF2-40B4-BE49-F238E27FC236}">
+                <a16:creationId xmlns:a16="http://schemas.microsoft.com/office/drawing/2014/main" id="{8C4500FC-A8FD-3241-C6D2-A4EB07904C2E}"/>
+              </a:ext>
+            </a:extLst>
+          </p:cNvPr>
+          <p:cNvPicPr>
+            <a:picLocks noChangeAspect="1"/>
+          </p:cNvPicPr>
+          <p:nvPr/>
+        </p:nvPicPr>
+        <p:blipFill rotWithShape="1">
+          <a:blip r:embed="rId5"/>
+          <a:srcRect l="18867" t="12778" r="19492" b="29028"/>
+          <a:stretch/>
+        </p:blipFill>
+        <p:spPr>
+          <a:xfrm>
+            <a:off x="723421" y="1309675"/>
+            <a:ext cx="4107894" cy="2181505"/>
           </a:xfrm>
           <a:prstGeom prst="rect">
             <a:avLst/>
@@ -5519,10 +7186,10 @@
       </p:pic>
       <p:sp>
         <p:nvSpPr>
-          <p:cNvPr id="11" name="Oval 10">
-            <a:extLst>
-              <a:ext uri="{FF2B5EF4-FFF2-40B4-BE49-F238E27FC236}">
-                <a16:creationId xmlns:a16="http://schemas.microsoft.com/office/drawing/2014/main" id="{63FE65BB-F999-4E36-5F48-8DCA86FBE31A}"/>
+          <p:cNvPr id="17" name="Oval 16">
+            <a:extLst>
+              <a:ext uri="{FF2B5EF4-FFF2-40B4-BE49-F238E27FC236}">
+                <a16:creationId xmlns:a16="http://schemas.microsoft.com/office/drawing/2014/main" id="{76ACC09A-564E-AFFD-56CF-0F715EEBB961}"/>
               </a:ext>
             </a:extLst>
           </p:cNvPr>
@@ -5531,7 +7198,7 @@
         </p:nvSpPr>
         <p:spPr>
           <a:xfrm>
-            <a:off x="495350" y="1066155"/>
+            <a:off x="367123" y="733132"/>
             <a:ext cx="492330" cy="457200"/>
           </a:xfrm>
           <a:prstGeom prst="ellipse">
@@ -5568,10 +7235,10 @@
       </p:sp>
       <p:cxnSp>
         <p:nvCxnSpPr>
-          <p:cNvPr id="14" name="Straight Arrow Connector 13">
-            <a:extLst>
-              <a:ext uri="{FF2B5EF4-FFF2-40B4-BE49-F238E27FC236}">
-                <a16:creationId xmlns:a16="http://schemas.microsoft.com/office/drawing/2014/main" id="{2C9314CA-3728-8B5B-BDE9-BF463A6D2D3D}"/>
+          <p:cNvPr id="18" name="Straight Arrow Connector 17">
+            <a:extLst>
+              <a:ext uri="{FF2B5EF4-FFF2-40B4-BE49-F238E27FC236}">
+                <a16:creationId xmlns:a16="http://schemas.microsoft.com/office/drawing/2014/main" id="{61AB56DF-8F1C-8230-91AC-1667F01E5EEF}"/>
               </a:ext>
             </a:extLst>
           </p:cNvPr>
@@ -5582,8 +7249,8 @@
         </p:nvCxnSpPr>
         <p:spPr>
           <a:xfrm>
-            <a:off x="3775962" y="1820337"/>
-            <a:ext cx="347133" cy="694267"/>
+            <a:off x="3610947" y="1070632"/>
+            <a:ext cx="349898" cy="599549"/>
           </a:xfrm>
           <a:prstGeom prst="straightConnector1">
             <a:avLst/>
@@ -5615,7 +7282,7 @@
           <p:cNvPr id="20" name="TextBox 19">
             <a:extLst>
               <a:ext uri="{FF2B5EF4-FFF2-40B4-BE49-F238E27FC236}">
-                <a16:creationId xmlns:a16="http://schemas.microsoft.com/office/drawing/2014/main" id="{FD843E75-A4E1-4548-8E82-C3FCAF2F8158}"/>
+                <a16:creationId xmlns:a16="http://schemas.microsoft.com/office/drawing/2014/main" id="{81F4C9F0-B083-48B9-0A59-395DB2430A3B}"/>
               </a:ext>
             </a:extLst>
           </p:cNvPr>
@@ -5624,8 +7291,8 @@
         </p:nvSpPr>
         <p:spPr>
           <a:xfrm>
-            <a:off x="3138521" y="1544734"/>
-            <a:ext cx="1165575" cy="307777"/>
+            <a:off x="901747" y="807843"/>
+            <a:ext cx="4098814" cy="307777"/>
           </a:xfrm>
           <a:prstGeom prst="rect">
             <a:avLst/>
@@ -5644,92 +7311,48 @@
                   <a:srgbClr val="C00000"/>
                 </a:solidFill>
               </a:rPr>
-              <a:t>Click Settings</a:t>
-            </a:r>
-          </a:p>
-        </p:txBody>
-      </p:sp>
-      <p:sp>
-        <p:nvSpPr>
-          <p:cNvPr id="23" name="TextBox 22">
-            <a:extLst>
-              <a:ext uri="{FF2B5EF4-FFF2-40B4-BE49-F238E27FC236}">
-                <a16:creationId xmlns:a16="http://schemas.microsoft.com/office/drawing/2014/main" id="{858A3856-07CC-8156-3B6B-24532C2143F7}"/>
-              </a:ext>
-            </a:extLst>
-          </p:cNvPr>
-          <p:cNvSpPr txBox="1"/>
-          <p:nvPr/>
-        </p:nvSpPr>
-        <p:spPr>
-          <a:xfrm>
-            <a:off x="1029974" y="1140866"/>
-            <a:ext cx="4147482" cy="307777"/>
-          </a:xfrm>
-          <a:prstGeom prst="rect">
-            <a:avLst/>
-          </a:prstGeom>
-          <a:noFill/>
-        </p:spPr>
-        <p:txBody>
-          <a:bodyPr wrap="none" rtlCol="0">
-            <a:spAutoFit/>
-          </a:bodyPr>
-          <a:lstStyle/>
-          <a:p>
+              <a:t>Go to </a:t>
+            </a:r>
+            <a:r>
+              <a:rPr lang="en-US" sz="1400" b="1" dirty="0">
+                <a:solidFill>
+                  <a:srgbClr val="C00000"/>
+                </a:solidFill>
+                <a:hlinkClick r:id="rId6"/>
+              </a:rPr>
+              <a:t>codecov.io</a:t>
+            </a:r>
             <a:r>
               <a:rPr lang="en-US" sz="1400" b="1" dirty="0">
                 <a:solidFill>
                   <a:srgbClr val="C00000"/>
                 </a:solidFill>
               </a:rPr>
-              <a:t>On your page </a:t>
-            </a:r>
-            <a:r>
-              <a:rPr lang="en-US" sz="1400" b="1" dirty="0">
-                <a:solidFill>
-                  <a:srgbClr val="C00000"/>
-                </a:solidFill>
-                <a:hlinkClick r:id="rId5"/>
-              </a:rPr>
-              <a:t>https://github.com/JGCRI/pytemplate/</a:t>
-            </a:r>
-            <a:r>
-              <a:rPr lang="en-US" sz="1400" b="1" dirty="0">
-                <a:solidFill>
-                  <a:srgbClr val="C00000"/>
-                </a:solidFill>
-              </a:rPr>
-              <a:t> </a:t>
-            </a:r>
-          </a:p>
-        </p:txBody>
-      </p:sp>
-      <p:sp>
-        <p:nvSpPr>
-          <p:cNvPr id="24" name="Oval 23">
-            <a:extLst>
-              <a:ext uri="{FF2B5EF4-FFF2-40B4-BE49-F238E27FC236}">
-                <a16:creationId xmlns:a16="http://schemas.microsoft.com/office/drawing/2014/main" id="{7621C61B-A44C-BC80-C38F-F0E2587A44EF}"/>
-              </a:ext>
-            </a:extLst>
-          </p:cNvPr>
-          <p:cNvSpPr>
-            <a:spLocks noChangeAspect="1"/>
-          </p:cNvSpPr>
-          <p:nvPr/>
-        </p:nvSpPr>
-        <p:spPr>
-          <a:xfrm>
-            <a:off x="2905595" y="1546017"/>
-            <a:ext cx="274320" cy="274320"/>
+              <a:t> and login with your GitHub account</a:t>
+            </a:r>
+          </a:p>
+        </p:txBody>
+      </p:sp>
+      <p:sp>
+        <p:nvSpPr>
+          <p:cNvPr id="23" name="Oval 22">
+            <a:extLst>
+              <a:ext uri="{FF2B5EF4-FFF2-40B4-BE49-F238E27FC236}">
+                <a16:creationId xmlns:a16="http://schemas.microsoft.com/office/drawing/2014/main" id="{D8BCFCF0-6478-338A-1A67-225563EE731E}"/>
+              </a:ext>
+            </a:extLst>
+          </p:cNvPr>
+          <p:cNvSpPr/>
+          <p:nvPr/>
+        </p:nvSpPr>
+        <p:spPr>
+          <a:xfrm>
+            <a:off x="5603670" y="973854"/>
+            <a:ext cx="492330" cy="457200"/>
           </a:xfrm>
           <a:prstGeom prst="ellipse">
             <a:avLst/>
           </a:prstGeom>
-          <a:solidFill>
-            <a:srgbClr val="C00000"/>
-          </a:solidFill>
         </p:spPr>
         <p:style>
           <a:lnRef idx="2">
@@ -5753,35 +7376,30 @@
           <a:p>
             <a:pPr algn="ctr"/>
             <a:r>
-              <a:rPr lang="en-US" sz="1200" b="1" dirty="0">
-                <a:solidFill>
-                  <a:schemeClr val="bg1"/>
-                </a:solidFill>
-              </a:rPr>
-              <a:t>a</a:t>
+              <a:rPr lang="en-US" b="1" dirty="0"/>
+              <a:t>2</a:t>
             </a:r>
           </a:p>
         </p:txBody>
       </p:sp>
       <p:cxnSp>
         <p:nvCxnSpPr>
-          <p:cNvPr id="25" name="Straight Arrow Connector 24">
-            <a:extLst>
-              <a:ext uri="{FF2B5EF4-FFF2-40B4-BE49-F238E27FC236}">
-                <a16:creationId xmlns:a16="http://schemas.microsoft.com/office/drawing/2014/main" id="{53A1E170-4794-A2D9-0B38-162E522E568E}"/>
+          <p:cNvPr id="24" name="Straight Arrow Connector 23">
+            <a:extLst>
+              <a:ext uri="{FF2B5EF4-FFF2-40B4-BE49-F238E27FC236}">
+                <a16:creationId xmlns:a16="http://schemas.microsoft.com/office/drawing/2014/main" id="{29EE015E-3AD5-EB36-9827-F5743FB70DE1}"/>
               </a:ext>
             </a:extLst>
           </p:cNvPr>
           <p:cNvCxnSpPr>
             <a:cxnSpLocks/>
-            <a:stCxn id="38" idx="0"/>
           </p:cNvCxnSpPr>
           <p:nvPr/>
         </p:nvCxnSpPr>
         <p:spPr>
-          <a:xfrm flipV="1">
-            <a:off x="1377309" y="4042837"/>
-            <a:ext cx="688386" cy="1002706"/>
+          <a:xfrm flipH="1">
+            <a:off x="6784526" y="1359307"/>
+            <a:ext cx="621090" cy="1136632"/>
           </a:xfrm>
           <a:prstGeom prst="straightConnector1">
             <a:avLst/>
@@ -5808,25 +7426,63 @@
           </a:fontRef>
         </p:style>
       </p:cxnSp>
+      <p:sp>
+        <p:nvSpPr>
+          <p:cNvPr id="25" name="TextBox 24">
+            <a:extLst>
+              <a:ext uri="{FF2B5EF4-FFF2-40B4-BE49-F238E27FC236}">
+                <a16:creationId xmlns:a16="http://schemas.microsoft.com/office/drawing/2014/main" id="{3CC8CACF-EBBC-7BEA-A361-006A2983FFFF}"/>
+              </a:ext>
+            </a:extLst>
+          </p:cNvPr>
+          <p:cNvSpPr txBox="1"/>
+          <p:nvPr/>
+        </p:nvSpPr>
+        <p:spPr>
+          <a:xfrm>
+            <a:off x="6096000" y="1051530"/>
+            <a:ext cx="3574505" cy="307777"/>
+          </a:xfrm>
+          <a:prstGeom prst="rect">
+            <a:avLst/>
+          </a:prstGeom>
+          <a:noFill/>
+        </p:spPr>
+        <p:txBody>
+          <a:bodyPr wrap="none" rtlCol="0">
+            <a:spAutoFit/>
+          </a:bodyPr>
+          <a:lstStyle/>
+          <a:p>
+            <a:r>
+              <a:rPr lang="en-US" sz="1400" b="1" dirty="0">
+                <a:solidFill>
+                  <a:srgbClr val="C00000"/>
+                </a:solidFill>
+              </a:rPr>
+              <a:t>Search for your repository and then click on it</a:t>
+            </a:r>
+          </a:p>
+        </p:txBody>
+      </p:sp>
       <p:cxnSp>
         <p:nvCxnSpPr>
-          <p:cNvPr id="29" name="Straight Arrow Connector 28">
-            <a:extLst>
-              <a:ext uri="{FF2B5EF4-FFF2-40B4-BE49-F238E27FC236}">
-                <a16:creationId xmlns:a16="http://schemas.microsoft.com/office/drawing/2014/main" id="{991E161E-6811-2AD8-A63D-48E0F0EB0577}"/>
+          <p:cNvPr id="32" name="Straight Arrow Connector 31">
+            <a:extLst>
+              <a:ext uri="{FF2B5EF4-FFF2-40B4-BE49-F238E27FC236}">
+                <a16:creationId xmlns:a16="http://schemas.microsoft.com/office/drawing/2014/main" id="{A64BFB7D-C583-9562-737B-A4B322D06043}"/>
               </a:ext>
             </a:extLst>
           </p:cNvPr>
           <p:cNvCxnSpPr>
             <a:cxnSpLocks/>
-            <a:stCxn id="41" idx="0"/>
           </p:cNvCxnSpPr>
           <p:nvPr/>
         </p:nvCxnSpPr>
         <p:spPr>
-          <a:xfrm flipV="1">
-            <a:off x="2065555" y="4457704"/>
-            <a:ext cx="326107" cy="1193019"/>
+          <a:xfrm flipH="1">
+            <a:off x="6474140" y="1359307"/>
+            <a:ext cx="2725844" cy="1866839"/>
           </a:xfrm>
           <a:prstGeom prst="straightConnector1">
             <a:avLst/>
@@ -5853,125 +7509,26 @@
           </a:fontRef>
         </p:style>
       </p:cxnSp>
-      <p:cxnSp>
-        <p:nvCxnSpPr>
-          <p:cNvPr id="33" name="Straight Arrow Connector 32">
-            <a:extLst>
-              <a:ext uri="{FF2B5EF4-FFF2-40B4-BE49-F238E27FC236}">
-                <a16:creationId xmlns:a16="http://schemas.microsoft.com/office/drawing/2014/main" id="{D13DF4F7-E25B-A09F-7D6D-88171BE49000}"/>
-              </a:ext>
-            </a:extLst>
-          </p:cNvPr>
-          <p:cNvCxnSpPr>
-            <a:cxnSpLocks/>
-            <a:stCxn id="43" idx="0"/>
-          </p:cNvCxnSpPr>
-          <p:nvPr/>
-        </p:nvCxnSpPr>
-        <p:spPr>
-          <a:xfrm flipH="1" flipV="1">
-            <a:off x="2978500" y="4490911"/>
-            <a:ext cx="471342" cy="1266774"/>
-          </a:xfrm>
-          <a:prstGeom prst="straightConnector1">
-            <a:avLst/>
-          </a:prstGeom>
-          <a:ln w="22225">
-            <a:solidFill>
-              <a:srgbClr val="C00000"/>
-            </a:solidFill>
-            <a:tailEnd type="triangle" w="lg" len="lg"/>
-          </a:ln>
-        </p:spPr>
-        <p:style>
-          <a:lnRef idx="1">
-            <a:schemeClr val="accent1"/>
-          </a:lnRef>
-          <a:fillRef idx="0">
-            <a:schemeClr val="accent1"/>
-          </a:fillRef>
-          <a:effectRef idx="0">
-            <a:schemeClr val="accent1"/>
-          </a:effectRef>
-          <a:fontRef idx="minor">
-            <a:schemeClr val="tx1"/>
-          </a:fontRef>
-        </p:style>
-      </p:cxnSp>
-      <p:sp>
-        <p:nvSpPr>
-          <p:cNvPr id="38" name="TextBox 37">
-            <a:extLst>
-              <a:ext uri="{FF2B5EF4-FFF2-40B4-BE49-F238E27FC236}">
-                <a16:creationId xmlns:a16="http://schemas.microsoft.com/office/drawing/2014/main" id="{BFE0C49C-52C4-BA14-9F1B-3C6DA581CBA9}"/>
-              </a:ext>
-            </a:extLst>
-          </p:cNvPr>
-          <p:cNvSpPr txBox="1"/>
-          <p:nvPr/>
-        </p:nvSpPr>
-        <p:spPr>
-          <a:xfrm>
-            <a:off x="802472" y="5045543"/>
-            <a:ext cx="1149674" cy="523220"/>
-          </a:xfrm>
-          <a:prstGeom prst="rect">
-            <a:avLst/>
-          </a:prstGeom>
-          <a:noFill/>
-        </p:spPr>
-        <p:txBody>
-          <a:bodyPr wrap="none" rtlCol="0">
-            <a:spAutoFit/>
-          </a:bodyPr>
-          <a:lstStyle/>
-          <a:p>
-            <a:r>
-              <a:rPr lang="en-US" sz="1400" b="1" dirty="0">
-                <a:solidFill>
-                  <a:srgbClr val="C00000"/>
-                </a:solidFill>
-              </a:rPr>
-              <a:t>Deploy from </a:t>
-            </a:r>
-          </a:p>
-          <a:p>
-            <a:r>
-              <a:rPr lang="en-US" sz="1400" b="1" dirty="0">
-                <a:solidFill>
-                  <a:srgbClr val="C00000"/>
-                </a:solidFill>
-              </a:rPr>
-              <a:t>branch</a:t>
-            </a:r>
-          </a:p>
-        </p:txBody>
-      </p:sp>
-      <p:sp>
-        <p:nvSpPr>
-          <p:cNvPr id="40" name="Oval 39">
-            <a:extLst>
-              <a:ext uri="{FF2B5EF4-FFF2-40B4-BE49-F238E27FC236}">
-                <a16:creationId xmlns:a16="http://schemas.microsoft.com/office/drawing/2014/main" id="{EF186BA6-C913-DD80-32A2-637E55015AD1}"/>
-              </a:ext>
-            </a:extLst>
-          </p:cNvPr>
-          <p:cNvSpPr>
-            <a:spLocks noChangeAspect="1"/>
-          </p:cNvSpPr>
-          <p:nvPr/>
-        </p:nvSpPr>
-        <p:spPr>
-          <a:xfrm>
-            <a:off x="528152" y="5169993"/>
-            <a:ext cx="274320" cy="274320"/>
+      <p:sp>
+        <p:nvSpPr>
+          <p:cNvPr id="35" name="Oval 34">
+            <a:extLst>
+              <a:ext uri="{FF2B5EF4-FFF2-40B4-BE49-F238E27FC236}">
+                <a16:creationId xmlns:a16="http://schemas.microsoft.com/office/drawing/2014/main" id="{F986B623-EF39-BFD2-84CD-297DEDAF5895}"/>
+              </a:ext>
+            </a:extLst>
+          </p:cNvPr>
+          <p:cNvSpPr/>
+          <p:nvPr/>
+        </p:nvSpPr>
+        <p:spPr>
+          <a:xfrm>
+            <a:off x="357870" y="3987308"/>
+            <a:ext cx="492330" cy="457200"/>
           </a:xfrm>
           <a:prstGeom prst="ellipse">
             <a:avLst/>
           </a:prstGeom>
-          <a:solidFill>
-            <a:srgbClr val="C00000"/>
-          </a:solidFill>
         </p:spPr>
         <p:style>
           <a:lnRef idx="2">
@@ -5995,22 +7552,18 @@
           <a:p>
             <a:pPr algn="ctr"/>
             <a:r>
-              <a:rPr lang="en-US" sz="1200" b="1" dirty="0">
-                <a:solidFill>
-                  <a:schemeClr val="bg1"/>
-                </a:solidFill>
-              </a:rPr>
-              <a:t>c</a:t>
-            </a:r>
-          </a:p>
-        </p:txBody>
-      </p:sp>
-      <p:sp>
-        <p:nvSpPr>
-          <p:cNvPr id="41" name="TextBox 40">
-            <a:extLst>
-              <a:ext uri="{FF2B5EF4-FFF2-40B4-BE49-F238E27FC236}">
-                <a16:creationId xmlns:a16="http://schemas.microsoft.com/office/drawing/2014/main" id="{0593CE8E-F243-2DD3-84DD-5EFE2016F2E0}"/>
+              <a:rPr lang="en-US" b="1" dirty="0"/>
+              <a:t>3</a:t>
+            </a:r>
+          </a:p>
+        </p:txBody>
+      </p:sp>
+      <p:sp>
+        <p:nvSpPr>
+          <p:cNvPr id="36" name="TextBox 35">
+            <a:extLst>
+              <a:ext uri="{FF2B5EF4-FFF2-40B4-BE49-F238E27FC236}">
+                <a16:creationId xmlns:a16="http://schemas.microsoft.com/office/drawing/2014/main" id="{7CE1DBBE-31AD-42E2-83F8-8E19C0C97DB5}"/>
               </a:ext>
             </a:extLst>
           </p:cNvPr>
@@ -6019,8 +7572,8 @@
         </p:nvSpPr>
         <p:spPr>
           <a:xfrm>
-            <a:off x="1640759" y="5650723"/>
-            <a:ext cx="849592" cy="307777"/>
+            <a:off x="258147" y="4520893"/>
+            <a:ext cx="1184107" cy="523220"/>
           </a:xfrm>
           <a:prstGeom prst="rect">
             <a:avLst/>
@@ -6033,50 +7586,47 @@
           </a:bodyPr>
           <a:lstStyle/>
           <a:p>
-            <a:r>
-              <a:rPr lang="en-US" sz="1400" b="1" dirty="0" err="1">
-                <a:solidFill>
-                  <a:srgbClr val="C00000"/>
-                </a:solidFill>
-              </a:rPr>
-              <a:t>gh</a:t>
-            </a:r>
             <a:r>
               <a:rPr lang="en-US" sz="1400" b="1" dirty="0">
                 <a:solidFill>
                   <a:srgbClr val="C00000"/>
                 </a:solidFill>
               </a:rPr>
-              <a:t>-pages</a:t>
-            </a:r>
-          </a:p>
-        </p:txBody>
-      </p:sp>
-      <p:sp>
-        <p:nvSpPr>
-          <p:cNvPr id="42" name="Oval 41">
-            <a:extLst>
-              <a:ext uri="{FF2B5EF4-FFF2-40B4-BE49-F238E27FC236}">
-                <a16:creationId xmlns:a16="http://schemas.microsoft.com/office/drawing/2014/main" id="{495A2B85-ECC5-9900-860B-F5BD96A2E95E}"/>
-              </a:ext>
-            </a:extLst>
-          </p:cNvPr>
-          <p:cNvSpPr>
-            <a:spLocks noChangeAspect="1"/>
-          </p:cNvSpPr>
-          <p:nvPr/>
-        </p:nvSpPr>
-        <p:spPr>
-          <a:xfrm>
-            <a:off x="1366439" y="5667452"/>
-            <a:ext cx="274320" cy="274320"/>
+              <a:t>Explore your</a:t>
+            </a:r>
+          </a:p>
+          <a:p>
+            <a:r>
+              <a:rPr lang="en-US" sz="1400" b="1" dirty="0">
+                <a:solidFill>
+                  <a:srgbClr val="C00000"/>
+                </a:solidFill>
+              </a:rPr>
+              <a:t>Test coverage</a:t>
+            </a:r>
+          </a:p>
+        </p:txBody>
+      </p:sp>
+      <p:sp>
+        <p:nvSpPr>
+          <p:cNvPr id="37" name="Oval 36">
+            <a:extLst>
+              <a:ext uri="{FF2B5EF4-FFF2-40B4-BE49-F238E27FC236}">
+                <a16:creationId xmlns:a16="http://schemas.microsoft.com/office/drawing/2014/main" id="{21F71CBE-8383-7482-8F2A-19471A9202D6}"/>
+              </a:ext>
+            </a:extLst>
+          </p:cNvPr>
+          <p:cNvSpPr/>
+          <p:nvPr/>
+        </p:nvSpPr>
+        <p:spPr>
+          <a:xfrm>
+            <a:off x="5943948" y="3645449"/>
+            <a:ext cx="492330" cy="457200"/>
           </a:xfrm>
           <a:prstGeom prst="ellipse">
             <a:avLst/>
           </a:prstGeom>
-          <a:solidFill>
-            <a:srgbClr val="C00000"/>
-          </a:solidFill>
         </p:spPr>
         <p:style>
           <a:lnRef idx="2">
@@ -6100,22 +7650,18 @@
           <a:p>
             <a:pPr algn="ctr"/>
             <a:r>
-              <a:rPr lang="en-US" sz="1200" b="1" dirty="0">
-                <a:solidFill>
-                  <a:schemeClr val="bg1"/>
-                </a:solidFill>
-              </a:rPr>
-              <a:t>d</a:t>
-            </a:r>
-          </a:p>
-        </p:txBody>
-      </p:sp>
-      <p:sp>
-        <p:nvSpPr>
-          <p:cNvPr id="43" name="TextBox 42">
-            <a:extLst>
-              <a:ext uri="{FF2B5EF4-FFF2-40B4-BE49-F238E27FC236}">
-                <a16:creationId xmlns:a16="http://schemas.microsoft.com/office/drawing/2014/main" id="{911EF34D-C7BF-C513-0A60-E4E4A03D18C6}"/>
+              <a:rPr lang="en-US" b="1" dirty="0"/>
+              <a:t>4</a:t>
+            </a:r>
+          </a:p>
+        </p:txBody>
+      </p:sp>
+      <p:sp>
+        <p:nvSpPr>
+          <p:cNvPr id="38" name="TextBox 37">
+            <a:extLst>
+              <a:ext uri="{FF2B5EF4-FFF2-40B4-BE49-F238E27FC236}">
+                <a16:creationId xmlns:a16="http://schemas.microsoft.com/office/drawing/2014/main" id="{E0A020FC-923D-55E1-2703-DD543858C37B}"/>
               </a:ext>
             </a:extLst>
           </p:cNvPr>
@@ -6124,8 +7670,8 @@
         </p:nvSpPr>
         <p:spPr>
           <a:xfrm>
-            <a:off x="3104523" y="5757685"/>
-            <a:ext cx="690638" cy="307777"/>
+            <a:off x="6301109" y="4172629"/>
+            <a:ext cx="1253741" cy="307777"/>
           </a:xfrm>
           <a:prstGeom prst="rect">
             <a:avLst/>
@@ -6144,17 +7690,95 @@
                   <a:srgbClr val="C00000"/>
                 </a:solidFill>
               </a:rPr>
-              <a:t>/(root)</a:t>
-            </a:r>
-          </a:p>
-        </p:txBody>
-      </p:sp>
-      <p:sp>
-        <p:nvSpPr>
-          <p:cNvPr id="46" name="Oval 45">
-            <a:extLst>
-              <a:ext uri="{FF2B5EF4-FFF2-40B4-BE49-F238E27FC236}">
-                <a16:creationId xmlns:a16="http://schemas.microsoft.com/office/drawing/2014/main" id="{80C0FF98-6668-2B2C-2865-42C9F952A438}"/>
+              <a:t>Select settings</a:t>
+            </a:r>
+          </a:p>
+        </p:txBody>
+      </p:sp>
+      <p:sp>
+        <p:nvSpPr>
+          <p:cNvPr id="39" name="TextBox 38">
+            <a:extLst>
+              <a:ext uri="{FF2B5EF4-FFF2-40B4-BE49-F238E27FC236}">
+                <a16:creationId xmlns:a16="http://schemas.microsoft.com/office/drawing/2014/main" id="{41E66494-B72C-068B-8743-813EBE43D070}"/>
+              </a:ext>
+            </a:extLst>
+          </p:cNvPr>
+          <p:cNvSpPr txBox="1"/>
+          <p:nvPr/>
+        </p:nvSpPr>
+        <p:spPr>
+          <a:xfrm>
+            <a:off x="6301109" y="4647561"/>
+            <a:ext cx="1345328" cy="523220"/>
+          </a:xfrm>
+          <a:prstGeom prst="rect">
+            <a:avLst/>
+          </a:prstGeom>
+          <a:noFill/>
+        </p:spPr>
+        <p:txBody>
+          <a:bodyPr wrap="square" rtlCol="0">
+            <a:spAutoFit/>
+          </a:bodyPr>
+          <a:lstStyle/>
+          <a:p>
+            <a:r>
+              <a:rPr lang="en-US" sz="1400" b="1" dirty="0">
+                <a:solidFill>
+                  <a:srgbClr val="C00000"/>
+                </a:solidFill>
+              </a:rPr>
+              <a:t>Go to Badges &amp; Graphs</a:t>
+            </a:r>
+          </a:p>
+        </p:txBody>
+      </p:sp>
+      <p:sp>
+        <p:nvSpPr>
+          <p:cNvPr id="40" name="TextBox 39">
+            <a:extLst>
+              <a:ext uri="{FF2B5EF4-FFF2-40B4-BE49-F238E27FC236}">
+                <a16:creationId xmlns:a16="http://schemas.microsoft.com/office/drawing/2014/main" id="{B17254A5-280D-8565-4DA5-B687904B91A6}"/>
+              </a:ext>
+            </a:extLst>
+          </p:cNvPr>
+          <p:cNvSpPr txBox="1"/>
+          <p:nvPr/>
+        </p:nvSpPr>
+        <p:spPr>
+          <a:xfrm>
+            <a:off x="6301109" y="5282651"/>
+            <a:ext cx="1345328" cy="1169551"/>
+          </a:xfrm>
+          <a:prstGeom prst="rect">
+            <a:avLst/>
+          </a:prstGeom>
+          <a:noFill/>
+        </p:spPr>
+        <p:txBody>
+          <a:bodyPr wrap="square" rtlCol="0">
+            <a:spAutoFit/>
+          </a:bodyPr>
+          <a:lstStyle/>
+          <a:p>
+            <a:r>
+              <a:rPr lang="en-US" sz="1400" b="1" dirty="0">
+                <a:solidFill>
+                  <a:srgbClr val="C00000"/>
+                </a:solidFill>
+              </a:rPr>
+              <a:t>Copy the Markdown badge and paste in your README.md</a:t>
+            </a:r>
+          </a:p>
+        </p:txBody>
+      </p:sp>
+      <p:sp>
+        <p:nvSpPr>
+          <p:cNvPr id="41" name="Oval 40">
+            <a:extLst>
+              <a:ext uri="{FF2B5EF4-FFF2-40B4-BE49-F238E27FC236}">
+                <a16:creationId xmlns:a16="http://schemas.microsoft.com/office/drawing/2014/main" id="{C1301112-B61D-557F-1584-7B8084A4B56A}"/>
               </a:ext>
             </a:extLst>
           </p:cNvPr>
@@ -6165,7 +7789,7 @@
         </p:nvSpPr>
         <p:spPr>
           <a:xfrm>
-            <a:off x="2830203" y="5774414"/>
+            <a:off x="6047257" y="4206086"/>
             <a:ext cx="274320" cy="274320"/>
           </a:xfrm>
           <a:prstGeom prst="ellipse">
@@ -6202,31 +7826,36 @@
                   <a:schemeClr val="bg1"/>
                 </a:solidFill>
               </a:rPr>
-              <a:t>e</a:t>
-            </a:r>
-          </a:p>
-        </p:txBody>
-      </p:sp>
-      <p:sp>
-        <p:nvSpPr>
-          <p:cNvPr id="48" name="Oval 47">
-            <a:extLst>
-              <a:ext uri="{FF2B5EF4-FFF2-40B4-BE49-F238E27FC236}">
-                <a16:creationId xmlns:a16="http://schemas.microsoft.com/office/drawing/2014/main" id="{E86A5B06-372C-8513-DB8F-53B8DA46AA79}"/>
-              </a:ext>
-            </a:extLst>
-          </p:cNvPr>
-          <p:cNvSpPr/>
-          <p:nvPr/>
-        </p:nvSpPr>
-        <p:spPr>
-          <a:xfrm>
-            <a:off x="6212078" y="1539406"/>
-            <a:ext cx="492330" cy="457200"/>
+              <a:t>a</a:t>
+            </a:r>
+          </a:p>
+        </p:txBody>
+      </p:sp>
+      <p:sp>
+        <p:nvSpPr>
+          <p:cNvPr id="42" name="Oval 41">
+            <a:extLst>
+              <a:ext uri="{FF2B5EF4-FFF2-40B4-BE49-F238E27FC236}">
+                <a16:creationId xmlns:a16="http://schemas.microsoft.com/office/drawing/2014/main" id="{2743C688-090D-38E6-37CF-10266EA675EA}"/>
+              </a:ext>
+            </a:extLst>
+          </p:cNvPr>
+          <p:cNvSpPr>
+            <a:spLocks noChangeAspect="1"/>
+          </p:cNvSpPr>
+          <p:nvPr/>
+        </p:nvSpPr>
+        <p:spPr>
+          <a:xfrm>
+            <a:off x="6026789" y="4769219"/>
+            <a:ext cx="274320" cy="274320"/>
           </a:xfrm>
           <a:prstGeom prst="ellipse">
             <a:avLst/>
           </a:prstGeom>
+          <a:solidFill>
+            <a:srgbClr val="C00000"/>
+          </a:solidFill>
         </p:spPr>
         <p:style>
           <a:lnRef idx="2">
@@ -6250,157 +7879,22 @@
           <a:p>
             <a:pPr algn="ctr"/>
             <a:r>
-              <a:rPr lang="en-US" b="1" dirty="0"/>
-              <a:t>2</a:t>
-            </a:r>
-          </a:p>
-        </p:txBody>
-      </p:sp>
-      <p:cxnSp>
-        <p:nvCxnSpPr>
-          <p:cNvPr id="49" name="Straight Arrow Connector 48">
-            <a:extLst>
-              <a:ext uri="{FF2B5EF4-FFF2-40B4-BE49-F238E27FC236}">
-                <a16:creationId xmlns:a16="http://schemas.microsoft.com/office/drawing/2014/main" id="{CFDD4B6E-5C6D-DDCF-ADE5-04BBEC6BE39B}"/>
-              </a:ext>
-            </a:extLst>
-          </p:cNvPr>
-          <p:cNvCxnSpPr>
-            <a:cxnSpLocks/>
-          </p:cNvCxnSpPr>
-          <p:nvPr/>
-        </p:nvCxnSpPr>
-        <p:spPr>
-          <a:xfrm>
-            <a:off x="9807733" y="2283286"/>
-            <a:ext cx="942256" cy="1378636"/>
-          </a:xfrm>
-          <a:prstGeom prst="straightConnector1">
-            <a:avLst/>
-          </a:prstGeom>
-          <a:ln w="22225">
-            <a:solidFill>
-              <a:srgbClr val="C00000"/>
-            </a:solidFill>
-            <a:tailEnd type="triangle" w="lg" len="lg"/>
-          </a:ln>
-        </p:spPr>
-        <p:style>
-          <a:lnRef idx="1">
-            <a:schemeClr val="accent1"/>
-          </a:lnRef>
-          <a:fillRef idx="0">
-            <a:schemeClr val="accent1"/>
-          </a:fillRef>
-          <a:effectRef idx="0">
-            <a:schemeClr val="accent1"/>
-          </a:effectRef>
-          <a:fontRef idx="minor">
-            <a:schemeClr val="tx1"/>
-          </a:fontRef>
-        </p:style>
-      </p:cxnSp>
-      <p:sp>
-        <p:nvSpPr>
-          <p:cNvPr id="56" name="TextBox 55">
-            <a:extLst>
-              <a:ext uri="{FF2B5EF4-FFF2-40B4-BE49-F238E27FC236}">
-                <a16:creationId xmlns:a16="http://schemas.microsoft.com/office/drawing/2014/main" id="{C7DD83A6-B7A1-F104-61B8-F763CFD79E91}"/>
-              </a:ext>
-            </a:extLst>
-          </p:cNvPr>
-          <p:cNvSpPr txBox="1"/>
-          <p:nvPr/>
-        </p:nvSpPr>
-        <p:spPr>
-          <a:xfrm>
-            <a:off x="8852717" y="1975509"/>
-            <a:ext cx="1363578" cy="307777"/>
-          </a:xfrm>
-          <a:prstGeom prst="rect">
-            <a:avLst/>
-          </a:prstGeom>
-          <a:noFill/>
-        </p:spPr>
-        <p:txBody>
-          <a:bodyPr wrap="none" rtlCol="0">
-            <a:spAutoFit/>
-          </a:bodyPr>
-          <a:lstStyle/>
-          <a:p>
-            <a:r>
-              <a:rPr lang="en-US" sz="1400" b="1" dirty="0">
+              <a:rPr lang="en-US" sz="1200" b="1" dirty="0">
                 <a:solidFill>
-                  <a:srgbClr val="C00000"/>
+                  <a:schemeClr val="bg1"/>
                 </a:solidFill>
               </a:rPr>
-              <a:t>Click             icon</a:t>
-            </a:r>
-          </a:p>
-        </p:txBody>
-      </p:sp>
-      <p:sp>
-        <p:nvSpPr>
-          <p:cNvPr id="57" name="TextBox 56">
-            <a:extLst>
-              <a:ext uri="{FF2B5EF4-FFF2-40B4-BE49-F238E27FC236}">
-                <a16:creationId xmlns:a16="http://schemas.microsoft.com/office/drawing/2014/main" id="{2E4CF440-D0DE-706F-BAB0-55C3C3DACAB2}"/>
-              </a:ext>
-            </a:extLst>
-          </p:cNvPr>
-          <p:cNvSpPr txBox="1"/>
-          <p:nvPr/>
-        </p:nvSpPr>
-        <p:spPr>
-          <a:xfrm>
-            <a:off x="6746702" y="1614117"/>
-            <a:ext cx="4147482" cy="307777"/>
-          </a:xfrm>
-          <a:prstGeom prst="rect">
-            <a:avLst/>
-          </a:prstGeom>
-          <a:noFill/>
-        </p:spPr>
-        <p:txBody>
-          <a:bodyPr wrap="none" rtlCol="0">
-            <a:spAutoFit/>
-          </a:bodyPr>
-          <a:lstStyle/>
-          <a:p>
-            <a:r>
-              <a:rPr lang="en-US" sz="1400" b="1" dirty="0">
-                <a:solidFill>
-                  <a:srgbClr val="C00000"/>
-                </a:solidFill>
-              </a:rPr>
-              <a:t>On your page </a:t>
-            </a:r>
-            <a:r>
-              <a:rPr lang="en-US" sz="1400" b="1" dirty="0">
-                <a:solidFill>
-                  <a:srgbClr val="C00000"/>
-                </a:solidFill>
-                <a:hlinkClick r:id="rId5"/>
-              </a:rPr>
-              <a:t>https://github.com/JGCRI/pytemplate/</a:t>
-            </a:r>
-            <a:r>
-              <a:rPr lang="en-US" sz="1400" b="1" dirty="0">
-                <a:solidFill>
-                  <a:srgbClr val="C00000"/>
-                </a:solidFill>
-              </a:rPr>
-              <a:t> </a:t>
-            </a:r>
-          </a:p>
-        </p:txBody>
-      </p:sp>
-      <p:sp>
-        <p:nvSpPr>
-          <p:cNvPr id="58" name="Oval 57">
-            <a:extLst>
-              <a:ext uri="{FF2B5EF4-FFF2-40B4-BE49-F238E27FC236}">
-                <a16:creationId xmlns:a16="http://schemas.microsoft.com/office/drawing/2014/main" id="{594EDBE8-E052-8207-3EE6-98D9998B3C82}"/>
+              <a:t>b</a:t>
+            </a:r>
+          </a:p>
+        </p:txBody>
+      </p:sp>
+      <p:sp>
+        <p:nvSpPr>
+          <p:cNvPr id="43" name="Oval 42">
+            <a:extLst>
+              <a:ext uri="{FF2B5EF4-FFF2-40B4-BE49-F238E27FC236}">
+                <a16:creationId xmlns:a16="http://schemas.microsoft.com/office/drawing/2014/main" id="{EB7D51ED-5EE2-47F9-FB23-BB709B8154BD}"/>
               </a:ext>
             </a:extLst>
           </p:cNvPr>
@@ -6411,7 +7905,7 @@
         </p:nvSpPr>
         <p:spPr>
           <a:xfrm>
-            <a:off x="8632356" y="1980448"/>
+            <a:off x="6047257" y="5730266"/>
             <a:ext cx="274320" cy="274320"/>
           </a:xfrm>
           <a:prstGeom prst="ellipse">
@@ -6448,1587 +7942,6 @@
                   <a:schemeClr val="bg1"/>
                 </a:solidFill>
               </a:rPr>
-              <a:t>a</a:t>
-            </a:r>
-          </a:p>
-        </p:txBody>
-      </p:sp>
-      <p:pic>
-        <p:nvPicPr>
-          <p:cNvPr id="62" name="Graphic 61" descr="Single gear with solid fill">
-            <a:extLst>
-              <a:ext uri="{FF2B5EF4-FFF2-40B4-BE49-F238E27FC236}">
-                <a16:creationId xmlns:a16="http://schemas.microsoft.com/office/drawing/2014/main" id="{DFE705BF-61B8-C38A-8D3D-F3516C2BC3F6}"/>
-              </a:ext>
-            </a:extLst>
-          </p:cNvPr>
-          <p:cNvPicPr>
-            <a:picLocks noChangeAspect="1"/>
-          </p:cNvPicPr>
-          <p:nvPr/>
-        </p:nvPicPr>
-        <p:blipFill>
-          <a:blip r:embed="rId6">
-            <a:extLst>
-              <a:ext uri="{28A0092B-C50C-407E-A947-70E740481C1C}">
-                <a14:useLocalDpi xmlns:a14="http://schemas.microsoft.com/office/drawing/2010/main" val="0"/>
-              </a:ext>
-              <a:ext uri="{96DAC541-7B7A-43D3-8B79-37D633B846F1}">
-                <asvg:svgBlip xmlns:asvg="http://schemas.microsoft.com/office/drawing/2016/SVG/main" r:embed="rId7"/>
-              </a:ext>
-            </a:extLst>
-          </a:blip>
-          <a:stretch>
-            <a:fillRect/>
-          </a:stretch>
-        </p:blipFill>
-        <p:spPr>
-          <a:xfrm>
-            <a:off x="9277244" y="1865666"/>
-            <a:ext cx="530489" cy="530489"/>
-          </a:xfrm>
-          <a:prstGeom prst="rect">
-            <a:avLst/>
-          </a:prstGeom>
-        </p:spPr>
-      </p:pic>
-      <p:sp>
-        <p:nvSpPr>
-          <p:cNvPr id="63" name="Oval 62">
-            <a:extLst>
-              <a:ext uri="{FF2B5EF4-FFF2-40B4-BE49-F238E27FC236}">
-                <a16:creationId xmlns:a16="http://schemas.microsoft.com/office/drawing/2014/main" id="{3BEA198E-5502-6391-BB85-77573395080A}"/>
-              </a:ext>
-            </a:extLst>
-          </p:cNvPr>
-          <p:cNvSpPr/>
-          <p:nvPr/>
-        </p:nvSpPr>
-        <p:spPr>
-          <a:xfrm>
-            <a:off x="8927064" y="4937754"/>
-            <a:ext cx="492330" cy="457200"/>
-          </a:xfrm>
-          <a:prstGeom prst="ellipse">
-            <a:avLst/>
-          </a:prstGeom>
-        </p:spPr>
-        <p:style>
-          <a:lnRef idx="2">
-            <a:schemeClr val="dk1">
-              <a:shade val="50000"/>
-            </a:schemeClr>
-          </a:lnRef>
-          <a:fillRef idx="1">
-            <a:schemeClr val="dk1"/>
-          </a:fillRef>
-          <a:effectRef idx="0">
-            <a:schemeClr val="dk1"/>
-          </a:effectRef>
-          <a:fontRef idx="minor">
-            <a:schemeClr val="lt1"/>
-          </a:fontRef>
-        </p:style>
-        <p:txBody>
-          <a:bodyPr rtlCol="0" anchor="ctr"/>
-          <a:lstStyle/>
-          <a:p>
-            <a:pPr algn="ctr"/>
-            <a:r>
-              <a:rPr lang="en-US" b="1" dirty="0"/>
-              <a:t>3</a:t>
-            </a:r>
-          </a:p>
-        </p:txBody>
-      </p:sp>
-      <p:cxnSp>
-        <p:nvCxnSpPr>
-          <p:cNvPr id="64" name="Straight Arrow Connector 63">
-            <a:extLst>
-              <a:ext uri="{FF2B5EF4-FFF2-40B4-BE49-F238E27FC236}">
-                <a16:creationId xmlns:a16="http://schemas.microsoft.com/office/drawing/2014/main" id="{50AE811F-2789-69F7-EB40-214D764606C7}"/>
-              </a:ext>
-            </a:extLst>
-          </p:cNvPr>
-          <p:cNvCxnSpPr>
-            <a:cxnSpLocks/>
-          </p:cNvCxnSpPr>
-          <p:nvPr/>
-        </p:nvCxnSpPr>
-        <p:spPr>
-          <a:xfrm flipH="1" flipV="1">
-            <a:off x="7458097" y="4658861"/>
-            <a:ext cx="1507067" cy="991862"/>
-          </a:xfrm>
-          <a:prstGeom prst="straightConnector1">
-            <a:avLst/>
-          </a:prstGeom>
-          <a:ln w="22225">
-            <a:solidFill>
-              <a:srgbClr val="C00000"/>
-            </a:solidFill>
-            <a:tailEnd type="triangle" w="lg" len="lg"/>
-          </a:ln>
-        </p:spPr>
-        <p:style>
-          <a:lnRef idx="1">
-            <a:schemeClr val="accent1"/>
-          </a:lnRef>
-          <a:fillRef idx="0">
-            <a:schemeClr val="accent1"/>
-          </a:fillRef>
-          <a:effectRef idx="0">
-            <a:schemeClr val="accent1"/>
-          </a:effectRef>
-          <a:fontRef idx="minor">
-            <a:schemeClr val="tx1"/>
-          </a:fontRef>
-        </p:style>
-      </p:cxnSp>
-      <p:sp>
-        <p:nvSpPr>
-          <p:cNvPr id="65" name="TextBox 64">
-            <a:extLst>
-              <a:ext uri="{FF2B5EF4-FFF2-40B4-BE49-F238E27FC236}">
-                <a16:creationId xmlns:a16="http://schemas.microsoft.com/office/drawing/2014/main" id="{7BC4B169-5AA8-EC3E-1CF0-AF0863570D72}"/>
-              </a:ext>
-            </a:extLst>
-          </p:cNvPr>
-          <p:cNvSpPr txBox="1"/>
-          <p:nvPr/>
-        </p:nvSpPr>
-        <p:spPr>
-          <a:xfrm>
-            <a:off x="9262909" y="5580606"/>
-            <a:ext cx="1876732" cy="307777"/>
-          </a:xfrm>
-          <a:prstGeom prst="rect">
-            <a:avLst/>
-          </a:prstGeom>
-          <a:noFill/>
-        </p:spPr>
-        <p:txBody>
-          <a:bodyPr wrap="none" rtlCol="0">
-            <a:spAutoFit/>
-          </a:bodyPr>
-          <a:lstStyle/>
-          <a:p>
-            <a:r>
-              <a:rPr lang="en-US" sz="1400" b="1" dirty="0">
-                <a:solidFill>
-                  <a:srgbClr val="C00000"/>
-                </a:solidFill>
-              </a:rPr>
-              <a:t>Add model description</a:t>
-            </a:r>
-          </a:p>
-        </p:txBody>
-      </p:sp>
-      <p:sp>
-        <p:nvSpPr>
-          <p:cNvPr id="66" name="Oval 65">
-            <a:extLst>
-              <a:ext uri="{FF2B5EF4-FFF2-40B4-BE49-F238E27FC236}">
-                <a16:creationId xmlns:a16="http://schemas.microsoft.com/office/drawing/2014/main" id="{50370FDB-4097-B1D3-E281-DC4E08C83F52}"/>
-              </a:ext>
-            </a:extLst>
-          </p:cNvPr>
-          <p:cNvSpPr>
-            <a:spLocks noChangeAspect="1"/>
-          </p:cNvSpPr>
-          <p:nvPr/>
-        </p:nvSpPr>
-        <p:spPr>
-          <a:xfrm>
-            <a:off x="9029983" y="5581889"/>
-            <a:ext cx="274320" cy="274320"/>
-          </a:xfrm>
-          <a:prstGeom prst="ellipse">
-            <a:avLst/>
-          </a:prstGeom>
-          <a:solidFill>
-            <a:srgbClr val="C00000"/>
-          </a:solidFill>
-        </p:spPr>
-        <p:style>
-          <a:lnRef idx="2">
-            <a:schemeClr val="dk1">
-              <a:shade val="50000"/>
-            </a:schemeClr>
-          </a:lnRef>
-          <a:fillRef idx="1">
-            <a:schemeClr val="dk1"/>
-          </a:fillRef>
-          <a:effectRef idx="0">
-            <a:schemeClr val="dk1"/>
-          </a:effectRef>
-          <a:fontRef idx="minor">
-            <a:schemeClr val="lt1"/>
-          </a:fontRef>
-        </p:style>
-        <p:txBody>
-          <a:bodyPr rtlCol="0" anchor="ctr"/>
-          <a:lstStyle/>
-          <a:p>
-            <a:pPr algn="ctr"/>
-            <a:r>
-              <a:rPr lang="en-US" sz="1200" b="1" dirty="0">
-                <a:solidFill>
-                  <a:schemeClr val="bg1"/>
-                </a:solidFill>
-              </a:rPr>
-              <a:t>a</a:t>
-            </a:r>
-          </a:p>
-        </p:txBody>
-      </p:sp>
-      <p:cxnSp>
-        <p:nvCxnSpPr>
-          <p:cNvPr id="69" name="Straight Arrow Connector 68">
-            <a:extLst>
-              <a:ext uri="{FF2B5EF4-FFF2-40B4-BE49-F238E27FC236}">
-                <a16:creationId xmlns:a16="http://schemas.microsoft.com/office/drawing/2014/main" id="{E347C59D-391F-B45A-8DCA-CFDC2DA0E77B}"/>
-              </a:ext>
-            </a:extLst>
-          </p:cNvPr>
-          <p:cNvCxnSpPr>
-            <a:cxnSpLocks/>
-          </p:cNvCxnSpPr>
-          <p:nvPr/>
-        </p:nvCxnSpPr>
-        <p:spPr>
-          <a:xfrm flipH="1" flipV="1">
-            <a:off x="6103431" y="5151880"/>
-            <a:ext cx="2861733" cy="1197890"/>
-          </a:xfrm>
-          <a:prstGeom prst="straightConnector1">
-            <a:avLst/>
-          </a:prstGeom>
-          <a:ln w="22225">
-            <a:solidFill>
-              <a:srgbClr val="C00000"/>
-            </a:solidFill>
-            <a:tailEnd type="triangle" w="lg" len="lg"/>
-          </a:ln>
-        </p:spPr>
-        <p:style>
-          <a:lnRef idx="1">
-            <a:schemeClr val="accent1"/>
-          </a:lnRef>
-          <a:fillRef idx="0">
-            <a:schemeClr val="accent1"/>
-          </a:fillRef>
-          <a:effectRef idx="0">
-            <a:schemeClr val="accent1"/>
-          </a:effectRef>
-          <a:fontRef idx="minor">
-            <a:schemeClr val="tx1"/>
-          </a:fontRef>
-        </p:style>
-      </p:cxnSp>
-      <p:sp>
-        <p:nvSpPr>
-          <p:cNvPr id="70" name="TextBox 69">
-            <a:extLst>
-              <a:ext uri="{FF2B5EF4-FFF2-40B4-BE49-F238E27FC236}">
-                <a16:creationId xmlns:a16="http://schemas.microsoft.com/office/drawing/2014/main" id="{C6E6AC32-2689-53E0-F588-FE3C7F3E109C}"/>
-              </a:ext>
-            </a:extLst>
-          </p:cNvPr>
-          <p:cNvSpPr txBox="1"/>
-          <p:nvPr/>
-        </p:nvSpPr>
-        <p:spPr>
-          <a:xfrm>
-            <a:off x="9330052" y="6208437"/>
-            <a:ext cx="2115303" cy="523220"/>
-          </a:xfrm>
-          <a:prstGeom prst="rect">
-            <a:avLst/>
-          </a:prstGeom>
-          <a:noFill/>
-        </p:spPr>
-        <p:txBody>
-          <a:bodyPr wrap="square" rtlCol="0">
-            <a:spAutoFit/>
-          </a:bodyPr>
-          <a:lstStyle/>
-          <a:p>
-            <a:r>
-              <a:rPr lang="en-US" sz="1400" b="1" dirty="0">
-                <a:solidFill>
-                  <a:srgbClr val="C00000"/>
-                </a:solidFill>
-              </a:rPr>
-              <a:t>Click Use your GitHub Pages website</a:t>
-            </a:r>
-          </a:p>
-        </p:txBody>
-      </p:sp>
-      <p:sp>
-        <p:nvSpPr>
-          <p:cNvPr id="71" name="Oval 70">
-            <a:extLst>
-              <a:ext uri="{FF2B5EF4-FFF2-40B4-BE49-F238E27FC236}">
-                <a16:creationId xmlns:a16="http://schemas.microsoft.com/office/drawing/2014/main" id="{B9C64E5A-542B-346B-F38C-86A3CCD6F957}"/>
-              </a:ext>
-            </a:extLst>
-          </p:cNvPr>
-          <p:cNvSpPr>
-            <a:spLocks noChangeAspect="1"/>
-          </p:cNvSpPr>
-          <p:nvPr/>
-        </p:nvSpPr>
-        <p:spPr>
-          <a:xfrm>
-            <a:off x="9071377" y="6284750"/>
-            <a:ext cx="274320" cy="274320"/>
-          </a:xfrm>
-          <a:prstGeom prst="ellipse">
-            <a:avLst/>
-          </a:prstGeom>
-          <a:solidFill>
-            <a:srgbClr val="C00000"/>
-          </a:solidFill>
-        </p:spPr>
-        <p:style>
-          <a:lnRef idx="2">
-            <a:schemeClr val="dk1">
-              <a:shade val="50000"/>
-            </a:schemeClr>
-          </a:lnRef>
-          <a:fillRef idx="1">
-            <a:schemeClr val="dk1"/>
-          </a:fillRef>
-          <a:effectRef idx="0">
-            <a:schemeClr val="dk1"/>
-          </a:effectRef>
-          <a:fontRef idx="minor">
-            <a:schemeClr val="lt1"/>
-          </a:fontRef>
-        </p:style>
-        <p:txBody>
-          <a:bodyPr rtlCol="0" anchor="ctr"/>
-          <a:lstStyle/>
-          <a:p>
-            <a:pPr algn="ctr"/>
-            <a:r>
-              <a:rPr lang="en-US" sz="1200" b="1" dirty="0">
-                <a:solidFill>
-                  <a:schemeClr val="bg1"/>
-                </a:solidFill>
-              </a:rPr>
-              <a:t>b</a:t>
-            </a:r>
-          </a:p>
-        </p:txBody>
-      </p:sp>
-      <p:cxnSp>
-        <p:nvCxnSpPr>
-          <p:cNvPr id="2" name="Straight Arrow Connector 1">
-            <a:extLst>
-              <a:ext uri="{FF2B5EF4-FFF2-40B4-BE49-F238E27FC236}">
-                <a16:creationId xmlns:a16="http://schemas.microsoft.com/office/drawing/2014/main" id="{1C81B307-92D1-B04E-1586-8B0D5CF255D4}"/>
-              </a:ext>
-            </a:extLst>
-          </p:cNvPr>
-          <p:cNvCxnSpPr>
-            <a:cxnSpLocks/>
-          </p:cNvCxnSpPr>
-          <p:nvPr/>
-        </p:nvCxnSpPr>
-        <p:spPr>
-          <a:xfrm flipV="1">
-            <a:off x="665312" y="3620363"/>
-            <a:ext cx="322368" cy="573751"/>
-          </a:xfrm>
-          <a:prstGeom prst="straightConnector1">
-            <a:avLst/>
-          </a:prstGeom>
-          <a:ln w="22225">
-            <a:solidFill>
-              <a:srgbClr val="C00000"/>
-            </a:solidFill>
-            <a:tailEnd type="triangle" w="lg" len="lg"/>
-          </a:ln>
-        </p:spPr>
-        <p:style>
-          <a:lnRef idx="1">
-            <a:schemeClr val="accent1"/>
-          </a:lnRef>
-          <a:fillRef idx="0">
-            <a:schemeClr val="accent1"/>
-          </a:fillRef>
-          <a:effectRef idx="0">
-            <a:schemeClr val="accent1"/>
-          </a:effectRef>
-          <a:fontRef idx="minor">
-            <a:schemeClr val="tx1"/>
-          </a:fontRef>
-        </p:style>
-      </p:cxnSp>
-      <p:sp>
-        <p:nvSpPr>
-          <p:cNvPr id="3" name="TextBox 2">
-            <a:extLst>
-              <a:ext uri="{FF2B5EF4-FFF2-40B4-BE49-F238E27FC236}">
-                <a16:creationId xmlns:a16="http://schemas.microsoft.com/office/drawing/2014/main" id="{8788374C-22D8-A947-EE29-8A772FF38573}"/>
-              </a:ext>
-            </a:extLst>
-          </p:cNvPr>
-          <p:cNvSpPr txBox="1"/>
-          <p:nvPr/>
-        </p:nvSpPr>
-        <p:spPr>
-          <a:xfrm>
-            <a:off x="619918" y="4241575"/>
-            <a:ext cx="996748" cy="307777"/>
-          </a:xfrm>
-          <a:prstGeom prst="rect">
-            <a:avLst/>
-          </a:prstGeom>
-          <a:noFill/>
-        </p:spPr>
-        <p:txBody>
-          <a:bodyPr wrap="none" rtlCol="0">
-            <a:spAutoFit/>
-          </a:bodyPr>
-          <a:lstStyle/>
-          <a:p>
-            <a:r>
-              <a:rPr lang="en-US" sz="1400" b="1" dirty="0">
-                <a:solidFill>
-                  <a:srgbClr val="C00000"/>
-                </a:solidFill>
-              </a:rPr>
-              <a:t>Click Pages</a:t>
-            </a:r>
-          </a:p>
-        </p:txBody>
-      </p:sp>
-      <p:sp>
-        <p:nvSpPr>
-          <p:cNvPr id="4" name="Oval 3">
-            <a:extLst>
-              <a:ext uri="{FF2B5EF4-FFF2-40B4-BE49-F238E27FC236}">
-                <a16:creationId xmlns:a16="http://schemas.microsoft.com/office/drawing/2014/main" id="{4DDB41AA-D8E7-834D-BEB5-C16041D688E1}"/>
-              </a:ext>
-            </a:extLst>
-          </p:cNvPr>
-          <p:cNvSpPr>
-            <a:spLocks noChangeAspect="1"/>
-          </p:cNvSpPr>
-          <p:nvPr/>
-        </p:nvSpPr>
-        <p:spPr>
-          <a:xfrm>
-            <a:off x="415548" y="4269870"/>
-            <a:ext cx="274320" cy="274320"/>
-          </a:xfrm>
-          <a:prstGeom prst="ellipse">
-            <a:avLst/>
-          </a:prstGeom>
-          <a:solidFill>
-            <a:srgbClr val="C00000"/>
-          </a:solidFill>
-        </p:spPr>
-        <p:style>
-          <a:lnRef idx="2">
-            <a:schemeClr val="dk1">
-              <a:shade val="50000"/>
-            </a:schemeClr>
-          </a:lnRef>
-          <a:fillRef idx="1">
-            <a:schemeClr val="dk1"/>
-          </a:fillRef>
-          <a:effectRef idx="0">
-            <a:schemeClr val="dk1"/>
-          </a:effectRef>
-          <a:fontRef idx="minor">
-            <a:schemeClr val="lt1"/>
-          </a:fontRef>
-        </p:style>
-        <p:txBody>
-          <a:bodyPr rtlCol="0" anchor="ctr"/>
-          <a:lstStyle/>
-          <a:p>
-            <a:pPr algn="ctr"/>
-            <a:r>
-              <a:rPr lang="en-US" sz="1200" b="1" dirty="0">
-                <a:solidFill>
-                  <a:schemeClr val="bg1"/>
-                </a:solidFill>
-              </a:rPr>
-              <a:t>b</a:t>
-            </a:r>
-          </a:p>
-        </p:txBody>
-      </p:sp>
-      <p:pic>
-        <p:nvPicPr>
-          <p:cNvPr id="3076" name="Picture 4" descr="Vector Webpage Icon 440918 Vector Art at Vecteezy">
-            <a:extLst>
-              <a:ext uri="{FF2B5EF4-FFF2-40B4-BE49-F238E27FC236}">
-                <a16:creationId xmlns:a16="http://schemas.microsoft.com/office/drawing/2014/main" id="{3801104C-3647-EBD8-0F3D-117110CCE278}"/>
-              </a:ext>
-            </a:extLst>
-          </p:cNvPr>
-          <p:cNvPicPr>
-            <a:picLocks noChangeAspect="1" noChangeArrowheads="1"/>
-          </p:cNvPicPr>
-          <p:nvPr/>
-        </p:nvPicPr>
-        <p:blipFill rotWithShape="1">
-          <a:blip r:embed="rId8">
-            <a:extLst>
-              <a:ext uri="{28A0092B-C50C-407E-A947-70E740481C1C}">
-                <a14:useLocalDpi xmlns:a14="http://schemas.microsoft.com/office/drawing/2010/main" val="0"/>
-              </a:ext>
-            </a:extLst>
-          </a:blip>
-          <a:srcRect l="16282" t="22917" r="17287" b="23539"/>
-          <a:stretch/>
-        </p:blipFill>
-        <p:spPr bwMode="auto">
-          <a:xfrm>
-            <a:off x="10098350" y="129832"/>
-            <a:ext cx="1701472" cy="1371416"/>
-          </a:xfrm>
-          <a:prstGeom prst="rect">
-            <a:avLst/>
-          </a:prstGeom>
-          <a:noFill/>
-          <a:extLst>
-            <a:ext uri="{909E8E84-426E-40DD-AFC4-6F175D3DCCD1}">
-              <a14:hiddenFill xmlns:a14="http://schemas.microsoft.com/office/drawing/2010/main">
-                <a:solidFill>
-                  <a:srgbClr val="FFFFFF"/>
-                </a:solidFill>
-              </a14:hiddenFill>
-            </a:ext>
-          </a:extLst>
-        </p:spPr>
-      </p:pic>
-    </p:spTree>
-    <p:extLst>
-      <p:ext uri="{BB962C8B-B14F-4D97-AF65-F5344CB8AC3E}">
-        <p14:creationId xmlns:p14="http://schemas.microsoft.com/office/powerpoint/2010/main" val="2193995892"/>
-      </p:ext>
-    </p:extLst>
-  </p:cSld>
-  <p:clrMapOvr>
-    <a:masterClrMapping/>
-  </p:clrMapOvr>
-</p:sld>
-</file>
-
-<file path=ppt/slides/slide5.xml><?xml version="1.0" encoding="utf-8"?>
-<p:sld xmlns:a="http://schemas.openxmlformats.org/drawingml/2006/main" xmlns:r="http://schemas.openxmlformats.org/officeDocument/2006/relationships" xmlns:p="http://schemas.openxmlformats.org/presentationml/2006/main">
-  <p:cSld>
-    <p:spTree>
-      <p:nvGrpSpPr>
-        <p:cNvPr id="1" name=""/>
-        <p:cNvGrpSpPr/>
-        <p:nvPr/>
-      </p:nvGrpSpPr>
-      <p:grpSpPr>
-        <a:xfrm>
-          <a:off x="0" y="0"/>
-          <a:ext cx="0" cy="0"/>
-          <a:chOff x="0" y="0"/>
-          <a:chExt cx="0" cy="0"/>
-        </a:xfrm>
-      </p:grpSpPr>
-      <p:sp>
-        <p:nvSpPr>
-          <p:cNvPr id="4" name="TextBox 3">
-            <a:extLst>
-              <a:ext uri="{FF2B5EF4-FFF2-40B4-BE49-F238E27FC236}">
-                <a16:creationId xmlns:a16="http://schemas.microsoft.com/office/drawing/2014/main" id="{F6C3DBBE-17C9-FE00-0076-1F36C5177151}"/>
-              </a:ext>
-            </a:extLst>
-          </p:cNvPr>
-          <p:cNvSpPr txBox="1"/>
-          <p:nvPr/>
-        </p:nvSpPr>
-        <p:spPr>
-          <a:xfrm>
-            <a:off x="2816020" y="10558"/>
-            <a:ext cx="5801909" cy="461665"/>
-          </a:xfrm>
-          <a:prstGeom prst="rect">
-            <a:avLst/>
-          </a:prstGeom>
-          <a:noFill/>
-        </p:spPr>
-        <p:txBody>
-          <a:bodyPr wrap="none" rtlCol="0">
-            <a:spAutoFit/>
-          </a:bodyPr>
-          <a:lstStyle/>
-          <a:p>
-            <a:r>
-              <a:rPr lang="en-US" sz="2400" b="1" dirty="0" err="1"/>
-              <a:t>Pytemplate</a:t>
-            </a:r>
-            <a:r>
-              <a:rPr lang="en-US" sz="2400" b="1" dirty="0"/>
-              <a:t> – Connect </a:t>
-            </a:r>
-            <a:r>
-              <a:rPr lang="en-US" sz="2400" b="1" dirty="0" err="1"/>
-              <a:t>Codecov</a:t>
-            </a:r>
-            <a:r>
-              <a:rPr lang="en-US" sz="2400" b="1" dirty="0"/>
-              <a:t> to your repo</a:t>
-            </a:r>
-          </a:p>
-        </p:txBody>
-      </p:sp>
-      <p:pic>
-        <p:nvPicPr>
-          <p:cNvPr id="4098" name="Picture 2" descr="Codecov · GitHub">
-            <a:extLst>
-              <a:ext uri="{FF2B5EF4-FFF2-40B4-BE49-F238E27FC236}">
-                <a16:creationId xmlns:a16="http://schemas.microsoft.com/office/drawing/2014/main" id="{FD19F633-346C-1769-E339-325B1A22B5F9}"/>
-              </a:ext>
-            </a:extLst>
-          </p:cNvPr>
-          <p:cNvPicPr>
-            <a:picLocks noChangeAspect="1" noChangeArrowheads="1"/>
-          </p:cNvPicPr>
-          <p:nvPr/>
-        </p:nvPicPr>
-        <p:blipFill>
-          <a:blip r:embed="rId2">
-            <a:extLst>
-              <a:ext uri="{28A0092B-C50C-407E-A947-70E740481C1C}">
-                <a14:useLocalDpi xmlns:a14="http://schemas.microsoft.com/office/drawing/2010/main" val="0"/>
-              </a:ext>
-            </a:extLst>
-          </a:blip>
-          <a:srcRect/>
-          <a:stretch>
-            <a:fillRect/>
-          </a:stretch>
-        </p:blipFill>
-        <p:spPr bwMode="auto">
-          <a:xfrm>
-            <a:off x="10480059" y="188394"/>
-            <a:ext cx="1407141" cy="1407141"/>
-          </a:xfrm>
-          <a:prstGeom prst="rect">
-            <a:avLst/>
-          </a:prstGeom>
-          <a:noFill/>
-          <a:extLst>
-            <a:ext uri="{909E8E84-426E-40DD-AFC4-6F175D3DCCD1}">
-              <a14:hiddenFill xmlns:a14="http://schemas.microsoft.com/office/drawing/2010/main">
-                <a:solidFill>
-                  <a:srgbClr val="FFFFFF"/>
-                </a:solidFill>
-              </a14:hiddenFill>
-            </a:ext>
-          </a:extLst>
-        </p:spPr>
-      </p:pic>
-      <p:pic>
-        <p:nvPicPr>
-          <p:cNvPr id="10" name="Picture 9">
-            <a:extLst>
-              <a:ext uri="{FF2B5EF4-FFF2-40B4-BE49-F238E27FC236}">
-                <a16:creationId xmlns:a16="http://schemas.microsoft.com/office/drawing/2014/main" id="{8C4500FC-A8FD-3241-C6D2-A4EB07904C2E}"/>
-              </a:ext>
-            </a:extLst>
-          </p:cNvPr>
-          <p:cNvPicPr>
-            <a:picLocks noChangeAspect="1"/>
-          </p:cNvPicPr>
-          <p:nvPr/>
-        </p:nvPicPr>
-        <p:blipFill rotWithShape="1">
-          <a:blip r:embed="rId3"/>
-          <a:srcRect l="18867" t="12778" r="19492" b="29028"/>
-          <a:stretch/>
-        </p:blipFill>
-        <p:spPr>
-          <a:xfrm>
-            <a:off x="723421" y="1309675"/>
-            <a:ext cx="4107894" cy="2181505"/>
-          </a:xfrm>
-          <a:prstGeom prst="rect">
-            <a:avLst/>
-          </a:prstGeom>
-          <a:ln>
-            <a:solidFill>
-              <a:schemeClr val="tx1"/>
-            </a:solidFill>
-          </a:ln>
-        </p:spPr>
-      </p:pic>
-      <p:pic>
-        <p:nvPicPr>
-          <p:cNvPr id="12" name="Picture 11">
-            <a:extLst>
-              <a:ext uri="{FF2B5EF4-FFF2-40B4-BE49-F238E27FC236}">
-                <a16:creationId xmlns:a16="http://schemas.microsoft.com/office/drawing/2014/main" id="{1D3ACF94-0604-0DE6-84B6-21F1E9ED13C7}"/>
-              </a:ext>
-            </a:extLst>
-          </p:cNvPr>
-          <p:cNvPicPr>
-            <a:picLocks noChangeAspect="1"/>
-          </p:cNvPicPr>
-          <p:nvPr/>
-        </p:nvPicPr>
-        <p:blipFill>
-          <a:blip r:embed="rId4"/>
-          <a:stretch>
-            <a:fillRect/>
-          </a:stretch>
-        </p:blipFill>
-        <p:spPr>
-          <a:xfrm>
-            <a:off x="5716974" y="1798807"/>
-            <a:ext cx="4765143" cy="1407142"/>
-          </a:xfrm>
-          <a:prstGeom prst="rect">
-            <a:avLst/>
-          </a:prstGeom>
-          <a:ln>
-            <a:solidFill>
-              <a:schemeClr val="tx1"/>
-            </a:solidFill>
-          </a:ln>
-        </p:spPr>
-      </p:pic>
-      <p:pic>
-        <p:nvPicPr>
-          <p:cNvPr id="14" name="Picture 13">
-            <a:extLst>
-              <a:ext uri="{FF2B5EF4-FFF2-40B4-BE49-F238E27FC236}">
-                <a16:creationId xmlns:a16="http://schemas.microsoft.com/office/drawing/2014/main" id="{F3983FEE-25B3-E5EB-CDFA-71B9273CD82B}"/>
-              </a:ext>
-            </a:extLst>
-          </p:cNvPr>
-          <p:cNvPicPr>
-            <a:picLocks noChangeAspect="1"/>
-          </p:cNvPicPr>
-          <p:nvPr/>
-        </p:nvPicPr>
-        <p:blipFill rotWithShape="1">
-          <a:blip r:embed="rId5"/>
-          <a:srcRect b="13609"/>
-          <a:stretch/>
-        </p:blipFill>
-        <p:spPr>
-          <a:xfrm>
-            <a:off x="1553913" y="3862875"/>
-            <a:ext cx="4039789" cy="2717598"/>
-          </a:xfrm>
-          <a:prstGeom prst="rect">
-            <a:avLst/>
-          </a:prstGeom>
-          <a:ln>
-            <a:solidFill>
-              <a:schemeClr val="tx1"/>
-            </a:solidFill>
-          </a:ln>
-        </p:spPr>
-      </p:pic>
-      <p:pic>
-        <p:nvPicPr>
-          <p:cNvPr id="16" name="Picture 15">
-            <a:extLst>
-              <a:ext uri="{FF2B5EF4-FFF2-40B4-BE49-F238E27FC236}">
-                <a16:creationId xmlns:a16="http://schemas.microsoft.com/office/drawing/2014/main" id="{13AF07A6-5003-9C9D-88E2-0039B9BAFAB4}"/>
-              </a:ext>
-            </a:extLst>
-          </p:cNvPr>
-          <p:cNvPicPr>
-            <a:picLocks noChangeAspect="1"/>
-          </p:cNvPicPr>
-          <p:nvPr/>
-        </p:nvPicPr>
-        <p:blipFill>
-          <a:blip r:embed="rId6"/>
-          <a:stretch>
-            <a:fillRect/>
-          </a:stretch>
-        </p:blipFill>
-        <p:spPr>
-          <a:xfrm>
-            <a:off x="7817618" y="3819356"/>
-            <a:ext cx="3938954" cy="2159482"/>
-          </a:xfrm>
-          <a:prstGeom prst="rect">
-            <a:avLst/>
-          </a:prstGeom>
-          <a:ln>
-            <a:solidFill>
-              <a:schemeClr val="tx1"/>
-            </a:solidFill>
-          </a:ln>
-        </p:spPr>
-      </p:pic>
-      <p:sp>
-        <p:nvSpPr>
-          <p:cNvPr id="17" name="Oval 16">
-            <a:extLst>
-              <a:ext uri="{FF2B5EF4-FFF2-40B4-BE49-F238E27FC236}">
-                <a16:creationId xmlns:a16="http://schemas.microsoft.com/office/drawing/2014/main" id="{76ACC09A-564E-AFFD-56CF-0F715EEBB961}"/>
-              </a:ext>
-            </a:extLst>
-          </p:cNvPr>
-          <p:cNvSpPr/>
-          <p:nvPr/>
-        </p:nvSpPr>
-        <p:spPr>
-          <a:xfrm>
-            <a:off x="367123" y="733132"/>
-            <a:ext cx="492330" cy="457200"/>
-          </a:xfrm>
-          <a:prstGeom prst="ellipse">
-            <a:avLst/>
-          </a:prstGeom>
-        </p:spPr>
-        <p:style>
-          <a:lnRef idx="2">
-            <a:schemeClr val="dk1">
-              <a:shade val="50000"/>
-            </a:schemeClr>
-          </a:lnRef>
-          <a:fillRef idx="1">
-            <a:schemeClr val="dk1"/>
-          </a:fillRef>
-          <a:effectRef idx="0">
-            <a:schemeClr val="dk1"/>
-          </a:effectRef>
-          <a:fontRef idx="minor">
-            <a:schemeClr val="lt1"/>
-          </a:fontRef>
-        </p:style>
-        <p:txBody>
-          <a:bodyPr rtlCol="0" anchor="ctr"/>
-          <a:lstStyle/>
-          <a:p>
-            <a:pPr algn="ctr"/>
-            <a:r>
-              <a:rPr lang="en-US" b="1" dirty="0"/>
-              <a:t>1</a:t>
-            </a:r>
-          </a:p>
-        </p:txBody>
-      </p:sp>
-      <p:cxnSp>
-        <p:nvCxnSpPr>
-          <p:cNvPr id="18" name="Straight Arrow Connector 17">
-            <a:extLst>
-              <a:ext uri="{FF2B5EF4-FFF2-40B4-BE49-F238E27FC236}">
-                <a16:creationId xmlns:a16="http://schemas.microsoft.com/office/drawing/2014/main" id="{61AB56DF-8F1C-8230-91AC-1667F01E5EEF}"/>
-              </a:ext>
-            </a:extLst>
-          </p:cNvPr>
-          <p:cNvCxnSpPr>
-            <a:cxnSpLocks/>
-          </p:cNvCxnSpPr>
-          <p:nvPr/>
-        </p:nvCxnSpPr>
-        <p:spPr>
-          <a:xfrm>
-            <a:off x="3610947" y="1070632"/>
-            <a:ext cx="349898" cy="599549"/>
-          </a:xfrm>
-          <a:prstGeom prst="straightConnector1">
-            <a:avLst/>
-          </a:prstGeom>
-          <a:ln w="22225">
-            <a:solidFill>
-              <a:srgbClr val="C00000"/>
-            </a:solidFill>
-            <a:tailEnd type="triangle" w="lg" len="lg"/>
-          </a:ln>
-        </p:spPr>
-        <p:style>
-          <a:lnRef idx="1">
-            <a:schemeClr val="accent1"/>
-          </a:lnRef>
-          <a:fillRef idx="0">
-            <a:schemeClr val="accent1"/>
-          </a:fillRef>
-          <a:effectRef idx="0">
-            <a:schemeClr val="accent1"/>
-          </a:effectRef>
-          <a:fontRef idx="minor">
-            <a:schemeClr val="tx1"/>
-          </a:fontRef>
-        </p:style>
-      </p:cxnSp>
-      <p:sp>
-        <p:nvSpPr>
-          <p:cNvPr id="20" name="TextBox 19">
-            <a:extLst>
-              <a:ext uri="{FF2B5EF4-FFF2-40B4-BE49-F238E27FC236}">
-                <a16:creationId xmlns:a16="http://schemas.microsoft.com/office/drawing/2014/main" id="{81F4C9F0-B083-48B9-0A59-395DB2430A3B}"/>
-              </a:ext>
-            </a:extLst>
-          </p:cNvPr>
-          <p:cNvSpPr txBox="1"/>
-          <p:nvPr/>
-        </p:nvSpPr>
-        <p:spPr>
-          <a:xfrm>
-            <a:off x="901747" y="807843"/>
-            <a:ext cx="4098814" cy="307777"/>
-          </a:xfrm>
-          <a:prstGeom prst="rect">
-            <a:avLst/>
-          </a:prstGeom>
-          <a:noFill/>
-        </p:spPr>
-        <p:txBody>
-          <a:bodyPr wrap="none" rtlCol="0">
-            <a:spAutoFit/>
-          </a:bodyPr>
-          <a:lstStyle/>
-          <a:p>
-            <a:r>
-              <a:rPr lang="en-US" sz="1400" b="1" dirty="0">
-                <a:solidFill>
-                  <a:srgbClr val="C00000"/>
-                </a:solidFill>
-              </a:rPr>
-              <a:t>Go to </a:t>
-            </a:r>
-            <a:r>
-              <a:rPr lang="en-US" sz="1400" b="1" dirty="0">
-                <a:solidFill>
-                  <a:srgbClr val="C00000"/>
-                </a:solidFill>
-                <a:hlinkClick r:id="rId7"/>
-              </a:rPr>
-              <a:t>codecov.io</a:t>
-            </a:r>
-            <a:r>
-              <a:rPr lang="en-US" sz="1400" b="1" dirty="0">
-                <a:solidFill>
-                  <a:srgbClr val="C00000"/>
-                </a:solidFill>
-              </a:rPr>
-              <a:t> and login with your GitHub account</a:t>
-            </a:r>
-          </a:p>
-        </p:txBody>
-      </p:sp>
-      <p:sp>
-        <p:nvSpPr>
-          <p:cNvPr id="23" name="Oval 22">
-            <a:extLst>
-              <a:ext uri="{FF2B5EF4-FFF2-40B4-BE49-F238E27FC236}">
-                <a16:creationId xmlns:a16="http://schemas.microsoft.com/office/drawing/2014/main" id="{D8BCFCF0-6478-338A-1A67-225563EE731E}"/>
-              </a:ext>
-            </a:extLst>
-          </p:cNvPr>
-          <p:cNvSpPr/>
-          <p:nvPr/>
-        </p:nvSpPr>
-        <p:spPr>
-          <a:xfrm>
-            <a:off x="5603670" y="973854"/>
-            <a:ext cx="492330" cy="457200"/>
-          </a:xfrm>
-          <a:prstGeom prst="ellipse">
-            <a:avLst/>
-          </a:prstGeom>
-        </p:spPr>
-        <p:style>
-          <a:lnRef idx="2">
-            <a:schemeClr val="dk1">
-              <a:shade val="50000"/>
-            </a:schemeClr>
-          </a:lnRef>
-          <a:fillRef idx="1">
-            <a:schemeClr val="dk1"/>
-          </a:fillRef>
-          <a:effectRef idx="0">
-            <a:schemeClr val="dk1"/>
-          </a:effectRef>
-          <a:fontRef idx="minor">
-            <a:schemeClr val="lt1"/>
-          </a:fontRef>
-        </p:style>
-        <p:txBody>
-          <a:bodyPr rtlCol="0" anchor="ctr"/>
-          <a:lstStyle/>
-          <a:p>
-            <a:pPr algn="ctr"/>
-            <a:r>
-              <a:rPr lang="en-US" b="1" dirty="0"/>
-              <a:t>2</a:t>
-            </a:r>
-          </a:p>
-        </p:txBody>
-      </p:sp>
-      <p:cxnSp>
-        <p:nvCxnSpPr>
-          <p:cNvPr id="24" name="Straight Arrow Connector 23">
-            <a:extLst>
-              <a:ext uri="{FF2B5EF4-FFF2-40B4-BE49-F238E27FC236}">
-                <a16:creationId xmlns:a16="http://schemas.microsoft.com/office/drawing/2014/main" id="{29EE015E-3AD5-EB36-9827-F5743FB70DE1}"/>
-              </a:ext>
-            </a:extLst>
-          </p:cNvPr>
-          <p:cNvCxnSpPr>
-            <a:cxnSpLocks/>
-          </p:cNvCxnSpPr>
-          <p:nvPr/>
-        </p:nvCxnSpPr>
-        <p:spPr>
-          <a:xfrm flipH="1">
-            <a:off x="6927980" y="1359307"/>
-            <a:ext cx="477636" cy="1143071"/>
-          </a:xfrm>
-          <a:prstGeom prst="straightConnector1">
-            <a:avLst/>
-          </a:prstGeom>
-          <a:ln w="22225">
-            <a:solidFill>
-              <a:srgbClr val="C00000"/>
-            </a:solidFill>
-            <a:tailEnd type="triangle" w="lg" len="lg"/>
-          </a:ln>
-        </p:spPr>
-        <p:style>
-          <a:lnRef idx="1">
-            <a:schemeClr val="accent1"/>
-          </a:lnRef>
-          <a:fillRef idx="0">
-            <a:schemeClr val="accent1"/>
-          </a:fillRef>
-          <a:effectRef idx="0">
-            <a:schemeClr val="accent1"/>
-          </a:effectRef>
-          <a:fontRef idx="minor">
-            <a:schemeClr val="tx1"/>
-          </a:fontRef>
-        </p:style>
-      </p:cxnSp>
-      <p:sp>
-        <p:nvSpPr>
-          <p:cNvPr id="25" name="TextBox 24">
-            <a:extLst>
-              <a:ext uri="{FF2B5EF4-FFF2-40B4-BE49-F238E27FC236}">
-                <a16:creationId xmlns:a16="http://schemas.microsoft.com/office/drawing/2014/main" id="{3CC8CACF-EBBC-7BEA-A361-006A2983FFFF}"/>
-              </a:ext>
-            </a:extLst>
-          </p:cNvPr>
-          <p:cNvSpPr txBox="1"/>
-          <p:nvPr/>
-        </p:nvSpPr>
-        <p:spPr>
-          <a:xfrm>
-            <a:off x="6096000" y="1051530"/>
-            <a:ext cx="3574505" cy="307777"/>
-          </a:xfrm>
-          <a:prstGeom prst="rect">
-            <a:avLst/>
-          </a:prstGeom>
-          <a:noFill/>
-        </p:spPr>
-        <p:txBody>
-          <a:bodyPr wrap="none" rtlCol="0">
-            <a:spAutoFit/>
-          </a:bodyPr>
-          <a:lstStyle/>
-          <a:p>
-            <a:r>
-              <a:rPr lang="en-US" sz="1400" b="1" dirty="0">
-                <a:solidFill>
-                  <a:srgbClr val="C00000"/>
-                </a:solidFill>
-              </a:rPr>
-              <a:t>Search for your repository and then click on it</a:t>
-            </a:r>
-          </a:p>
-        </p:txBody>
-      </p:sp>
-      <p:cxnSp>
-        <p:nvCxnSpPr>
-          <p:cNvPr id="32" name="Straight Arrow Connector 31">
-            <a:extLst>
-              <a:ext uri="{FF2B5EF4-FFF2-40B4-BE49-F238E27FC236}">
-                <a16:creationId xmlns:a16="http://schemas.microsoft.com/office/drawing/2014/main" id="{A64BFB7D-C583-9562-737B-A4B322D06043}"/>
-              </a:ext>
-            </a:extLst>
-          </p:cNvPr>
-          <p:cNvCxnSpPr>
-            <a:cxnSpLocks/>
-          </p:cNvCxnSpPr>
-          <p:nvPr/>
-        </p:nvCxnSpPr>
-        <p:spPr>
-          <a:xfrm flipH="1">
-            <a:off x="6699380" y="1359307"/>
-            <a:ext cx="2500604" cy="1617158"/>
-          </a:xfrm>
-          <a:prstGeom prst="straightConnector1">
-            <a:avLst/>
-          </a:prstGeom>
-          <a:ln w="22225">
-            <a:solidFill>
-              <a:srgbClr val="C00000"/>
-            </a:solidFill>
-            <a:tailEnd type="triangle" w="lg" len="lg"/>
-          </a:ln>
-        </p:spPr>
-        <p:style>
-          <a:lnRef idx="1">
-            <a:schemeClr val="accent1"/>
-          </a:lnRef>
-          <a:fillRef idx="0">
-            <a:schemeClr val="accent1"/>
-          </a:fillRef>
-          <a:effectRef idx="0">
-            <a:schemeClr val="accent1"/>
-          </a:effectRef>
-          <a:fontRef idx="minor">
-            <a:schemeClr val="tx1"/>
-          </a:fontRef>
-        </p:style>
-      </p:cxnSp>
-      <p:sp>
-        <p:nvSpPr>
-          <p:cNvPr id="35" name="Oval 34">
-            <a:extLst>
-              <a:ext uri="{FF2B5EF4-FFF2-40B4-BE49-F238E27FC236}">
-                <a16:creationId xmlns:a16="http://schemas.microsoft.com/office/drawing/2014/main" id="{F986B623-EF39-BFD2-84CD-297DEDAF5895}"/>
-              </a:ext>
-            </a:extLst>
-          </p:cNvPr>
-          <p:cNvSpPr/>
-          <p:nvPr/>
-        </p:nvSpPr>
-        <p:spPr>
-          <a:xfrm>
-            <a:off x="357870" y="3987308"/>
-            <a:ext cx="492330" cy="457200"/>
-          </a:xfrm>
-          <a:prstGeom prst="ellipse">
-            <a:avLst/>
-          </a:prstGeom>
-        </p:spPr>
-        <p:style>
-          <a:lnRef idx="2">
-            <a:schemeClr val="dk1">
-              <a:shade val="50000"/>
-            </a:schemeClr>
-          </a:lnRef>
-          <a:fillRef idx="1">
-            <a:schemeClr val="dk1"/>
-          </a:fillRef>
-          <a:effectRef idx="0">
-            <a:schemeClr val="dk1"/>
-          </a:effectRef>
-          <a:fontRef idx="minor">
-            <a:schemeClr val="lt1"/>
-          </a:fontRef>
-        </p:style>
-        <p:txBody>
-          <a:bodyPr rtlCol="0" anchor="ctr"/>
-          <a:lstStyle/>
-          <a:p>
-            <a:pPr algn="ctr"/>
-            <a:r>
-              <a:rPr lang="en-US" b="1" dirty="0"/>
-              <a:t>3</a:t>
-            </a:r>
-          </a:p>
-        </p:txBody>
-      </p:sp>
-      <p:sp>
-        <p:nvSpPr>
-          <p:cNvPr id="36" name="TextBox 35">
-            <a:extLst>
-              <a:ext uri="{FF2B5EF4-FFF2-40B4-BE49-F238E27FC236}">
-                <a16:creationId xmlns:a16="http://schemas.microsoft.com/office/drawing/2014/main" id="{7CE1DBBE-31AD-42E2-83F8-8E19C0C97DB5}"/>
-              </a:ext>
-            </a:extLst>
-          </p:cNvPr>
-          <p:cNvSpPr txBox="1"/>
-          <p:nvPr/>
-        </p:nvSpPr>
-        <p:spPr>
-          <a:xfrm>
-            <a:off x="258147" y="4520893"/>
-            <a:ext cx="1184107" cy="523220"/>
-          </a:xfrm>
-          <a:prstGeom prst="rect">
-            <a:avLst/>
-          </a:prstGeom>
-          <a:noFill/>
-        </p:spPr>
-        <p:txBody>
-          <a:bodyPr wrap="none" rtlCol="0">
-            <a:spAutoFit/>
-          </a:bodyPr>
-          <a:lstStyle/>
-          <a:p>
-            <a:r>
-              <a:rPr lang="en-US" sz="1400" b="1" dirty="0">
-                <a:solidFill>
-                  <a:srgbClr val="C00000"/>
-                </a:solidFill>
-              </a:rPr>
-              <a:t>Explore your</a:t>
-            </a:r>
-          </a:p>
-          <a:p>
-            <a:r>
-              <a:rPr lang="en-US" sz="1400" b="1" dirty="0">
-                <a:solidFill>
-                  <a:srgbClr val="C00000"/>
-                </a:solidFill>
-              </a:rPr>
-              <a:t>Test coverage</a:t>
-            </a:r>
-          </a:p>
-        </p:txBody>
-      </p:sp>
-      <p:sp>
-        <p:nvSpPr>
-          <p:cNvPr id="37" name="Oval 36">
-            <a:extLst>
-              <a:ext uri="{FF2B5EF4-FFF2-40B4-BE49-F238E27FC236}">
-                <a16:creationId xmlns:a16="http://schemas.microsoft.com/office/drawing/2014/main" id="{21F71CBE-8383-7482-8F2A-19471A9202D6}"/>
-              </a:ext>
-            </a:extLst>
-          </p:cNvPr>
-          <p:cNvSpPr/>
-          <p:nvPr/>
-        </p:nvSpPr>
-        <p:spPr>
-          <a:xfrm>
-            <a:off x="5943948" y="3645449"/>
-            <a:ext cx="492330" cy="457200"/>
-          </a:xfrm>
-          <a:prstGeom prst="ellipse">
-            <a:avLst/>
-          </a:prstGeom>
-        </p:spPr>
-        <p:style>
-          <a:lnRef idx="2">
-            <a:schemeClr val="dk1">
-              <a:shade val="50000"/>
-            </a:schemeClr>
-          </a:lnRef>
-          <a:fillRef idx="1">
-            <a:schemeClr val="dk1"/>
-          </a:fillRef>
-          <a:effectRef idx="0">
-            <a:schemeClr val="dk1"/>
-          </a:effectRef>
-          <a:fontRef idx="minor">
-            <a:schemeClr val="lt1"/>
-          </a:fontRef>
-        </p:style>
-        <p:txBody>
-          <a:bodyPr rtlCol="0" anchor="ctr"/>
-          <a:lstStyle/>
-          <a:p>
-            <a:pPr algn="ctr"/>
-            <a:r>
-              <a:rPr lang="en-US" b="1" dirty="0"/>
-              <a:t>4</a:t>
-            </a:r>
-          </a:p>
-        </p:txBody>
-      </p:sp>
-      <p:sp>
-        <p:nvSpPr>
-          <p:cNvPr id="38" name="TextBox 37">
-            <a:extLst>
-              <a:ext uri="{FF2B5EF4-FFF2-40B4-BE49-F238E27FC236}">
-                <a16:creationId xmlns:a16="http://schemas.microsoft.com/office/drawing/2014/main" id="{E0A020FC-923D-55E1-2703-DD543858C37B}"/>
-              </a:ext>
-            </a:extLst>
-          </p:cNvPr>
-          <p:cNvSpPr txBox="1"/>
-          <p:nvPr/>
-        </p:nvSpPr>
-        <p:spPr>
-          <a:xfrm>
-            <a:off x="6301109" y="4172629"/>
-            <a:ext cx="1253741" cy="307777"/>
-          </a:xfrm>
-          <a:prstGeom prst="rect">
-            <a:avLst/>
-          </a:prstGeom>
-          <a:noFill/>
-        </p:spPr>
-        <p:txBody>
-          <a:bodyPr wrap="none" rtlCol="0">
-            <a:spAutoFit/>
-          </a:bodyPr>
-          <a:lstStyle/>
-          <a:p>
-            <a:r>
-              <a:rPr lang="en-US" sz="1400" b="1" dirty="0">
-                <a:solidFill>
-                  <a:srgbClr val="C00000"/>
-                </a:solidFill>
-              </a:rPr>
-              <a:t>Select settings</a:t>
-            </a:r>
-          </a:p>
-        </p:txBody>
-      </p:sp>
-      <p:sp>
-        <p:nvSpPr>
-          <p:cNvPr id="39" name="TextBox 38">
-            <a:extLst>
-              <a:ext uri="{FF2B5EF4-FFF2-40B4-BE49-F238E27FC236}">
-                <a16:creationId xmlns:a16="http://schemas.microsoft.com/office/drawing/2014/main" id="{41E66494-B72C-068B-8743-813EBE43D070}"/>
-              </a:ext>
-            </a:extLst>
-          </p:cNvPr>
-          <p:cNvSpPr txBox="1"/>
-          <p:nvPr/>
-        </p:nvSpPr>
-        <p:spPr>
-          <a:xfrm>
-            <a:off x="6301109" y="4647561"/>
-            <a:ext cx="1345328" cy="523220"/>
-          </a:xfrm>
-          <a:prstGeom prst="rect">
-            <a:avLst/>
-          </a:prstGeom>
-          <a:noFill/>
-        </p:spPr>
-        <p:txBody>
-          <a:bodyPr wrap="square" rtlCol="0">
-            <a:spAutoFit/>
-          </a:bodyPr>
-          <a:lstStyle/>
-          <a:p>
-            <a:r>
-              <a:rPr lang="en-US" sz="1400" b="1" dirty="0">
-                <a:solidFill>
-                  <a:srgbClr val="C00000"/>
-                </a:solidFill>
-              </a:rPr>
-              <a:t>Go to Badges &amp; Graphs</a:t>
-            </a:r>
-          </a:p>
-        </p:txBody>
-      </p:sp>
-      <p:sp>
-        <p:nvSpPr>
-          <p:cNvPr id="40" name="TextBox 39">
-            <a:extLst>
-              <a:ext uri="{FF2B5EF4-FFF2-40B4-BE49-F238E27FC236}">
-                <a16:creationId xmlns:a16="http://schemas.microsoft.com/office/drawing/2014/main" id="{B17254A5-280D-8565-4DA5-B687904B91A6}"/>
-              </a:ext>
-            </a:extLst>
-          </p:cNvPr>
-          <p:cNvSpPr txBox="1"/>
-          <p:nvPr/>
-        </p:nvSpPr>
-        <p:spPr>
-          <a:xfrm>
-            <a:off x="6301109" y="5282651"/>
-            <a:ext cx="1345328" cy="1169551"/>
-          </a:xfrm>
-          <a:prstGeom prst="rect">
-            <a:avLst/>
-          </a:prstGeom>
-          <a:noFill/>
-        </p:spPr>
-        <p:txBody>
-          <a:bodyPr wrap="square" rtlCol="0">
-            <a:spAutoFit/>
-          </a:bodyPr>
-          <a:lstStyle/>
-          <a:p>
-            <a:r>
-              <a:rPr lang="en-US" sz="1400" b="1" dirty="0">
-                <a:solidFill>
-                  <a:srgbClr val="C00000"/>
-                </a:solidFill>
-              </a:rPr>
-              <a:t>Copy the Markdown badge and paste in your README.md</a:t>
-            </a:r>
-          </a:p>
-        </p:txBody>
-      </p:sp>
-      <p:sp>
-        <p:nvSpPr>
-          <p:cNvPr id="41" name="Oval 40">
-            <a:extLst>
-              <a:ext uri="{FF2B5EF4-FFF2-40B4-BE49-F238E27FC236}">
-                <a16:creationId xmlns:a16="http://schemas.microsoft.com/office/drawing/2014/main" id="{C1301112-B61D-557F-1584-7B8084A4B56A}"/>
-              </a:ext>
-            </a:extLst>
-          </p:cNvPr>
-          <p:cNvSpPr>
-            <a:spLocks noChangeAspect="1"/>
-          </p:cNvSpPr>
-          <p:nvPr/>
-        </p:nvSpPr>
-        <p:spPr>
-          <a:xfrm>
-            <a:off x="6047257" y="4206086"/>
-            <a:ext cx="274320" cy="274320"/>
-          </a:xfrm>
-          <a:prstGeom prst="ellipse">
-            <a:avLst/>
-          </a:prstGeom>
-          <a:solidFill>
-            <a:srgbClr val="C00000"/>
-          </a:solidFill>
-        </p:spPr>
-        <p:style>
-          <a:lnRef idx="2">
-            <a:schemeClr val="dk1">
-              <a:shade val="50000"/>
-            </a:schemeClr>
-          </a:lnRef>
-          <a:fillRef idx="1">
-            <a:schemeClr val="dk1"/>
-          </a:fillRef>
-          <a:effectRef idx="0">
-            <a:schemeClr val="dk1"/>
-          </a:effectRef>
-          <a:fontRef idx="minor">
-            <a:schemeClr val="lt1"/>
-          </a:fontRef>
-        </p:style>
-        <p:txBody>
-          <a:bodyPr rtlCol="0" anchor="ctr"/>
-          <a:lstStyle/>
-          <a:p>
-            <a:pPr algn="ctr"/>
-            <a:r>
-              <a:rPr lang="en-US" sz="1200" b="1" dirty="0">
-                <a:solidFill>
-                  <a:schemeClr val="bg1"/>
-                </a:solidFill>
-              </a:rPr>
-              <a:t>a</a:t>
-            </a:r>
-          </a:p>
-        </p:txBody>
-      </p:sp>
-      <p:sp>
-        <p:nvSpPr>
-          <p:cNvPr id="42" name="Oval 41">
-            <a:extLst>
-              <a:ext uri="{FF2B5EF4-FFF2-40B4-BE49-F238E27FC236}">
-                <a16:creationId xmlns:a16="http://schemas.microsoft.com/office/drawing/2014/main" id="{2743C688-090D-38E6-37CF-10266EA675EA}"/>
-              </a:ext>
-            </a:extLst>
-          </p:cNvPr>
-          <p:cNvSpPr>
-            <a:spLocks noChangeAspect="1"/>
-          </p:cNvSpPr>
-          <p:nvPr/>
-        </p:nvSpPr>
-        <p:spPr>
-          <a:xfrm>
-            <a:off x="6026789" y="4769219"/>
-            <a:ext cx="274320" cy="274320"/>
-          </a:xfrm>
-          <a:prstGeom prst="ellipse">
-            <a:avLst/>
-          </a:prstGeom>
-          <a:solidFill>
-            <a:srgbClr val="C00000"/>
-          </a:solidFill>
-        </p:spPr>
-        <p:style>
-          <a:lnRef idx="2">
-            <a:schemeClr val="dk1">
-              <a:shade val="50000"/>
-            </a:schemeClr>
-          </a:lnRef>
-          <a:fillRef idx="1">
-            <a:schemeClr val="dk1"/>
-          </a:fillRef>
-          <a:effectRef idx="0">
-            <a:schemeClr val="dk1"/>
-          </a:effectRef>
-          <a:fontRef idx="minor">
-            <a:schemeClr val="lt1"/>
-          </a:fontRef>
-        </p:style>
-        <p:txBody>
-          <a:bodyPr rtlCol="0" anchor="ctr"/>
-          <a:lstStyle/>
-          <a:p>
-            <a:pPr algn="ctr"/>
-            <a:r>
-              <a:rPr lang="en-US" sz="1200" b="1" dirty="0">
-                <a:solidFill>
-                  <a:schemeClr val="bg1"/>
-                </a:solidFill>
-              </a:rPr>
-              <a:t>b</a:t>
-            </a:r>
-          </a:p>
-        </p:txBody>
-      </p:sp>
-      <p:sp>
-        <p:nvSpPr>
-          <p:cNvPr id="43" name="Oval 42">
-            <a:extLst>
-              <a:ext uri="{FF2B5EF4-FFF2-40B4-BE49-F238E27FC236}">
-                <a16:creationId xmlns:a16="http://schemas.microsoft.com/office/drawing/2014/main" id="{EB7D51ED-5EE2-47F9-FB23-BB709B8154BD}"/>
-              </a:ext>
-            </a:extLst>
-          </p:cNvPr>
-          <p:cNvSpPr>
-            <a:spLocks noChangeAspect="1"/>
-          </p:cNvSpPr>
-          <p:nvPr/>
-        </p:nvSpPr>
-        <p:spPr>
-          <a:xfrm>
-            <a:off x="6047257" y="5730266"/>
-            <a:ext cx="274320" cy="274320"/>
-          </a:xfrm>
-          <a:prstGeom prst="ellipse">
-            <a:avLst/>
-          </a:prstGeom>
-          <a:solidFill>
-            <a:srgbClr val="C00000"/>
-          </a:solidFill>
-        </p:spPr>
-        <p:style>
-          <a:lnRef idx="2">
-            <a:schemeClr val="dk1">
-              <a:shade val="50000"/>
-            </a:schemeClr>
-          </a:lnRef>
-          <a:fillRef idx="1">
-            <a:schemeClr val="dk1"/>
-          </a:fillRef>
-          <a:effectRef idx="0">
-            <a:schemeClr val="dk1"/>
-          </a:effectRef>
-          <a:fontRef idx="minor">
-            <a:schemeClr val="lt1"/>
-          </a:fontRef>
-        </p:style>
-        <p:txBody>
-          <a:bodyPr rtlCol="0" anchor="ctr"/>
-          <a:lstStyle/>
-          <a:p>
-            <a:pPr algn="ctr"/>
-            <a:r>
-              <a:rPr lang="en-US" sz="1200" b="1" dirty="0">
-                <a:solidFill>
-                  <a:schemeClr val="bg1"/>
-                </a:solidFill>
-              </a:rPr>
               <a:t>c</a:t>
             </a:r>
           </a:p>
@@ -8051,8 +7964,8 @@
         </p:nvCxnSpPr>
         <p:spPr>
           <a:xfrm flipV="1">
-            <a:off x="7554850" y="4250094"/>
-            <a:ext cx="1290570" cy="76424"/>
+            <a:off x="7554850" y="4231433"/>
+            <a:ext cx="1388542" cy="95085"/>
           </a:xfrm>
           <a:prstGeom prst="straightConnector1">
             <a:avLst/>
@@ -8095,8 +8008,8 @@
         </p:nvCxnSpPr>
         <p:spPr>
           <a:xfrm flipV="1">
-            <a:off x="7166798" y="4801449"/>
-            <a:ext cx="716454" cy="195094"/>
+            <a:off x="7166798" y="4829388"/>
+            <a:ext cx="698908" cy="167155"/>
           </a:xfrm>
           <a:prstGeom prst="straightConnector1">
             <a:avLst/>
@@ -8139,8 +8052,8 @@
         </p:nvCxnSpPr>
         <p:spPr>
           <a:xfrm flipV="1">
-            <a:off x="7373801" y="5039167"/>
-            <a:ext cx="1471619" cy="828259"/>
+            <a:off x="7373801" y="5150431"/>
+            <a:ext cx="1513607" cy="716995"/>
           </a:xfrm>
           <a:prstGeom prst="straightConnector1">
             <a:avLst/>
@@ -8167,6 +8080,41 @@
           </a:fontRef>
         </p:style>
       </p:cxnSp>
+      <p:pic>
+        <p:nvPicPr>
+          <p:cNvPr id="8" name="Picture 7">
+            <a:extLst>
+              <a:ext uri="{FF2B5EF4-FFF2-40B4-BE49-F238E27FC236}">
+                <a16:creationId xmlns:a16="http://schemas.microsoft.com/office/drawing/2014/main" id="{12C0B940-8105-9C33-3AE0-7566C80FB330}"/>
+              </a:ext>
+            </a:extLst>
+          </p:cNvPr>
+          <p:cNvPicPr>
+            <a:picLocks noChangeAspect="1"/>
+          </p:cNvPicPr>
+          <p:nvPr/>
+        </p:nvPicPr>
+        <p:blipFill>
+          <a:blip r:embed="rId7"/>
+          <a:stretch>
+            <a:fillRect/>
+          </a:stretch>
+        </p:blipFill>
+        <p:spPr>
+          <a:xfrm>
+            <a:off x="1375083" y="3685235"/>
+            <a:ext cx="4234601" cy="2756393"/>
+          </a:xfrm>
+          <a:prstGeom prst="rect">
+            <a:avLst/>
+          </a:prstGeom>
+          <a:ln>
+            <a:solidFill>
+              <a:schemeClr val="tx1"/>
+            </a:solidFill>
+          </a:ln>
+        </p:spPr>
+      </p:pic>
     </p:spTree>
     <p:extLst>
       <p:ext uri="{BB962C8B-B14F-4D97-AF65-F5344CB8AC3E}">
